--- a/Slides/10 CharacterController/CharacterController.pptx
+++ b/Slides/10 CharacterController/CharacterController.pptx
@@ -2,10 +2,10 @@
 <file path=ppt/presentation.xml><?xml version="1.0" encoding="utf-8"?>
 <p:presentation xmlns:a="http://schemas.openxmlformats.org/drawingml/2006/main" xmlns:r="http://schemas.openxmlformats.org/officeDocument/2006/relationships" xmlns:p="http://schemas.openxmlformats.org/presentationml/2006/main" saveSubsetFonts="1">
   <p:sldMasterIdLst>
-    <p:sldMasterId id="2147483648" r:id="rId1"/>
+    <p:sldMasterId id="2147483660" r:id="rId1"/>
   </p:sldMasterIdLst>
   <p:notesMasterIdLst>
-    <p:notesMasterId r:id="rId32"/>
+    <p:notesMasterId r:id="rId34"/>
   </p:notesMasterIdLst>
   <p:sldIdLst>
     <p:sldId id="256" r:id="rId2"/>
@@ -27,19 +27,21 @@
     <p:sldId id="271" r:id="rId18"/>
     <p:sldId id="272" r:id="rId19"/>
     <p:sldId id="273" r:id="rId20"/>
-    <p:sldId id="274" r:id="rId21"/>
-    <p:sldId id="275" r:id="rId22"/>
-    <p:sldId id="276" r:id="rId23"/>
-    <p:sldId id="277" r:id="rId24"/>
-    <p:sldId id="278" r:id="rId25"/>
-    <p:sldId id="279" r:id="rId26"/>
-    <p:sldId id="280" r:id="rId27"/>
-    <p:sldId id="282" r:id="rId28"/>
-    <p:sldId id="283" r:id="rId29"/>
-    <p:sldId id="284" r:id="rId30"/>
-    <p:sldId id="285" r:id="rId31"/>
+    <p:sldId id="286" r:id="rId21"/>
+    <p:sldId id="274" r:id="rId22"/>
+    <p:sldId id="275" r:id="rId23"/>
+    <p:sldId id="276" r:id="rId24"/>
+    <p:sldId id="277" r:id="rId25"/>
+    <p:sldId id="278" r:id="rId26"/>
+    <p:sldId id="279" r:id="rId27"/>
+    <p:sldId id="280" r:id="rId28"/>
+    <p:sldId id="287" r:id="rId29"/>
+    <p:sldId id="282" r:id="rId30"/>
+    <p:sldId id="283" r:id="rId31"/>
+    <p:sldId id="284" r:id="rId32"/>
+    <p:sldId id="285" r:id="rId33"/>
   </p:sldIdLst>
-  <p:sldSz cx="9144000" cy="6858000" type="screen4x3"/>
+  <p:sldSz cx="9144000" cy="5143500" type="screen16x9"/>
   <p:notesSz cx="6858000" cy="9144000"/>
   <p:defaultTextStyle>
     <a:defPPr>
@@ -221,7 +223,7 @@
           <a:p>
             <a:fld id="{0BC840E1-B05C-4BEC-AF3D-FBE663E40ACC}" type="datetimeFigureOut">
               <a:rPr lang="zh-CN" altLang="en-US" smtClean="0"/>
-              <a:t>2013/11/28</a:t>
+              <a:t>2017/11/9</a:t>
             </a:fld>
             <a:endParaRPr lang="zh-CN" altLang="en-US"/>
           </a:p>
@@ -239,8 +241,8 @@
         </p:nvSpPr>
         <p:spPr>
           <a:xfrm>
-            <a:off x="1143000" y="685800"/>
-            <a:ext cx="4572000" cy="3429000"/>
+            <a:off x="381000" y="685800"/>
+            <a:ext cx="6096000" cy="3429000"/>
           </a:xfrm>
           <a:prstGeom prst="rect">
             <a:avLst/>
@@ -516,7 +518,12 @@
             <p:ph type="sldImg"/>
           </p:nvPr>
         </p:nvSpPr>
-        <p:spPr/>
+        <p:spPr>
+          <a:xfrm>
+            <a:off x="381000" y="685800"/>
+            <a:ext cx="6096000" cy="3429000"/>
+          </a:xfrm>
+        </p:spPr>
       </p:sp>
       <p:sp>
         <p:nvSpPr>
@@ -657,7 +664,12 @@
             <p:ph type="sldImg"/>
           </p:nvPr>
         </p:nvSpPr>
-        <p:spPr/>
+        <p:spPr>
+          <a:xfrm>
+            <a:off x="381000" y="685800"/>
+            <a:ext cx="6096000" cy="3429000"/>
+          </a:xfrm>
+        </p:spPr>
       </p:sp>
       <p:sp>
         <p:nvSpPr>
@@ -802,7 +814,12 @@
             <p:ph type="sldImg"/>
           </p:nvPr>
         </p:nvSpPr>
-        <p:spPr/>
+        <p:spPr>
+          <a:xfrm>
+            <a:off x="381000" y="685800"/>
+            <a:ext cx="6096000" cy="3429000"/>
+          </a:xfrm>
+        </p:spPr>
       </p:sp>
       <p:sp>
         <p:nvSpPr>
@@ -875,7 +892,7 @@
           <a:p>
             <a:fld id="{82B03527-652D-450D-A4EA-CC2FF2BEAED7}" type="slidenum">
               <a:rPr lang="zh-CN" altLang="en-US" smtClean="0"/>
-              <a:t>27</a:t>
+              <a:t>29</a:t>
             </a:fld>
             <a:endParaRPr lang="zh-CN" altLang="en-US"/>
           </a:p>
@@ -897,6 +914,11 @@
 <file path=ppt/slideLayouts/slideLayout1.xml><?xml version="1.0" encoding="utf-8"?>
 <p:sldLayout xmlns:a="http://schemas.openxmlformats.org/drawingml/2006/main" xmlns:r="http://schemas.openxmlformats.org/officeDocument/2006/relationships" xmlns:p="http://schemas.openxmlformats.org/presentationml/2006/main" type="title" preserve="1">
   <p:cSld name="标题幻灯片">
+    <p:bg>
+      <p:bgRef idx="1003">
+        <a:schemeClr val="bg2"/>
+      </p:bgRef>
+    </p:bg>
     <p:spTree>
       <p:nvGrpSpPr>
         <p:cNvPr id="1" name=""/>
@@ -911,31 +933,69 @@
           <a:chExt cx="0" cy="0"/>
         </a:xfrm>
       </p:grpSpPr>
-      <p:sp>
-        <p:nvSpPr>
-          <p:cNvPr id="2" name="标题 1"/>
-          <p:cNvSpPr>
-            <a:spLocks noGrp="1"/>
-          </p:cNvSpPr>
-          <p:nvPr>
-            <p:ph type="ctrTitle"/>
-          </p:nvPr>
-        </p:nvSpPr>
+      <p:pic>
+        <p:nvPicPr>
+          <p:cNvPr id="9" name="图片 8"/>
+          <p:cNvPicPr>
+            <a:picLocks noChangeAspect="1"/>
+          </p:cNvPicPr>
+          <p:nvPr/>
+        </p:nvPicPr>
+        <p:blipFill>
+          <a:blip r:embed="rId2">
+            <a:duotone>
+              <a:schemeClr val="bg2"/>
+              <a:srgbClr val="FFF1C1"/>
+            </a:duotone>
+            <a:lum bright="-10000" contrast="-40000"/>
+          </a:blip>
+          <a:stretch>
+            <a:fillRect/>
+          </a:stretch>
+        </p:blipFill>
         <p:spPr>
           <a:xfrm>
-            <a:off x="685800" y="2130425"/>
-            <a:ext cx="7772400" cy="1470025"/>
+            <a:off x="2" y="3911212"/>
+            <a:ext cx="1472173" cy="1232288"/>
+          </a:xfrm>
+          <a:prstGeom prst="rect">
+            <a:avLst/>
+          </a:prstGeom>
+          <a:noFill/>
+          <a:ln>
+            <a:noFill/>
+          </a:ln>
+        </p:spPr>
+      </p:pic>
+      <p:sp>
+        <p:nvSpPr>
+          <p:cNvPr id="2" name="标题 1"/>
+          <p:cNvSpPr>
+            <a:spLocks noGrp="1"/>
+          </p:cNvSpPr>
+          <p:nvPr>
+            <p:ph type="ctrTitle"/>
+          </p:nvPr>
+        </p:nvSpPr>
+        <p:spPr>
+          <a:xfrm>
+            <a:off x="685800" y="910817"/>
+            <a:ext cx="7772400" cy="1102519"/>
           </a:xfrm>
         </p:spPr>
         <p:txBody>
           <a:bodyPr/>
-          <a:lstStyle/>
-          <a:p>
-            <a:r>
-              <a:rPr lang="zh-CN" altLang="en-US" smtClean="0"/>
+          <a:lstStyle>
+            <a:lvl1pPr algn="ctr">
+              <a:defRPr sz="4800"/>
+            </a:lvl1pPr>
+          </a:lstStyle>
+          <a:p>
+            <a:r>
+              <a:rPr kumimoji="0" lang="zh-CN" altLang="en-US" smtClean="0"/>
               <a:t>单击此处编辑母版标题样式</a:t>
             </a:r>
-            <a:endParaRPr lang="zh-CN" altLang="en-US"/>
+            <a:endParaRPr kumimoji="0" lang="en-US"/>
           </a:p>
         </p:txBody>
       </p:sp>
@@ -951,21 +1011,17 @@
         </p:nvSpPr>
         <p:spPr>
           <a:xfrm>
-            <a:off x="1371600" y="3886200"/>
-            <a:ext cx="6400800" cy="1752600"/>
+            <a:off x="1521733" y="2069686"/>
+            <a:ext cx="6100534" cy="1305742"/>
           </a:xfrm>
         </p:spPr>
         <p:txBody>
-          <a:bodyPr/>
+          <a:bodyPr anchor="t"/>
           <a:lstStyle>
             <a:lvl1pPr marL="0" indent="0" algn="ctr">
               <a:buNone/>
-              <a:defRPr>
-                <a:solidFill>
-                  <a:schemeClr val="tx1">
-                    <a:tint val="75000"/>
-                  </a:schemeClr>
-                </a:solidFill>
+              <a:defRPr lang="zh-CN" altLang="en-US" dirty="0">
+                <a:effectLst/>
               </a:defRPr>
             </a:lvl1pPr>
             <a:lvl2pPr marL="457200" indent="0" algn="ctr">
@@ -1051,10 +1107,10 @@
           </a:lstStyle>
           <a:p>
             <a:r>
-              <a:rPr lang="zh-CN" altLang="en-US" smtClean="0"/>
+              <a:rPr kumimoji="0" lang="zh-CN" altLang="en-US" smtClean="0"/>
               <a:t>单击此处编辑母版副标题样式</a:t>
             </a:r>
-            <a:endParaRPr lang="zh-CN" altLang="en-US"/>
+            <a:endParaRPr kumimoji="0" lang="en-US"/>
           </a:p>
         </p:txBody>
       </p:sp>
@@ -1075,7 +1131,7 @@
           <a:p>
             <a:fld id="{530820CF-B880-4189-942D-D702A7CBA730}" type="datetimeFigureOut">
               <a:rPr lang="zh-CN" altLang="en-US" smtClean="0"/>
-              <a:t>2013/11/28</a:t>
+              <a:t>2017/11/9</a:t>
             </a:fld>
             <a:endParaRPr lang="zh-CN" altLang="en-US"/>
           </a:p>
@@ -1126,7 +1182,7 @@
     </p:spTree>
   </p:cSld>
   <p:clrMapOvr>
-    <a:masterClrMapping/>
+    <a:overrideClrMapping bg1="dk1" tx1="lt1" bg2="dk2" tx2="lt2" accent1="accent1" accent2="accent2" accent3="accent3" accent4="accent4" accent5="accent5" accent6="accent6" hlink="hlink" folHlink="folHlink"/>
   </p:clrMapOvr>
 </p:sldLayout>
 </file>
@@ -1150,6 +1206,54 @@
       </p:grpSpPr>
       <p:sp>
         <p:nvSpPr>
+          <p:cNvPr id="7" name="矩形 6"/>
+          <p:cNvSpPr/>
+          <p:nvPr/>
+        </p:nvSpPr>
+        <p:spPr>
+          <a:xfrm>
+            <a:off x="0" y="0"/>
+            <a:ext cx="669600" cy="5143500"/>
+          </a:xfrm>
+          <a:prstGeom prst="rect">
+            <a:avLst/>
+          </a:prstGeom>
+          <a:blipFill>
+            <a:blip r:embed="rId2">
+              <a:alphaModFix amt="40000"/>
+            </a:blip>
+            <a:tile tx="0" ty="0" sx="50000" sy="50000" flip="x" algn="tl"/>
+          </a:blipFill>
+          <a:ln w="25400" cap="rnd" cmpd="sng" algn="ctr">
+            <a:noFill/>
+            <a:prstDash val="solid"/>
+          </a:ln>
+        </p:spPr>
+        <p:style>
+          <a:lnRef idx="2">
+            <a:schemeClr val="accent1"/>
+          </a:lnRef>
+          <a:fillRef idx="1">
+            <a:schemeClr val="accent1"/>
+          </a:fillRef>
+          <a:effectRef idx="0">
+            <a:schemeClr val="accent1"/>
+          </a:effectRef>
+          <a:fontRef idx="minor">
+            <a:schemeClr val="lt1"/>
+          </a:fontRef>
+        </p:style>
+        <p:txBody>
+          <a:bodyPr rtlCol="0" anchor="ctr"/>
+          <a:lstStyle/>
+          <a:p>
+            <a:pPr algn="ctr" eaLnBrk="1" latinLnBrk="0" hangingPunct="1"/>
+            <a:endParaRPr kumimoji="0" lang="zh-CN" altLang="en-US"/>
+          </a:p>
+        </p:txBody>
+      </p:sp>
+      <p:sp>
+        <p:nvSpPr>
           <p:cNvPr id="2" name="标题 1"/>
           <p:cNvSpPr>
             <a:spLocks noGrp="1"/>
@@ -1161,13 +1265,17 @@
         <p:spPr/>
         <p:txBody>
           <a:bodyPr/>
-          <a:lstStyle/>
-          <a:p>
-            <a:r>
-              <a:rPr lang="zh-CN" altLang="en-US" smtClean="0"/>
+          <a:lstStyle>
+            <a:lvl1pPr algn="r">
+              <a:defRPr/>
+            </a:lvl1pPr>
+          </a:lstStyle>
+          <a:p>
+            <a:r>
+              <a:rPr kumimoji="0" lang="zh-CN" altLang="en-US" smtClean="0"/>
               <a:t>单击此处编辑母版标题样式</a:t>
             </a:r>
-            <a:endParaRPr lang="zh-CN" altLang="en-US"/>
+            <a:endParaRPr kumimoji="0" lang="en-US"/>
           </a:p>
         </p:txBody>
       </p:sp>
@@ -1181,45 +1289,50 @@
             <p:ph type="body" orient="vert" idx="1"/>
           </p:nvPr>
         </p:nvSpPr>
-        <p:spPr/>
+        <p:spPr>
+          <a:xfrm>
+            <a:off x="457200" y="1125133"/>
+            <a:ext cx="8229600" cy="3536180"/>
+          </a:xfrm>
+        </p:spPr>
         <p:txBody>
           <a:bodyPr vert="eaVert"/>
           <a:lstStyle/>
           <a:p>
-            <a:pPr lvl="0"/>
+            <a:pPr lvl="0" eaLnBrk="1" latinLnBrk="0" hangingPunct="1"/>
             <a:r>
               <a:rPr lang="zh-CN" altLang="en-US" smtClean="0"/>
               <a:t>单击此处编辑母版文本样式</a:t>
             </a:r>
           </a:p>
           <a:p>
-            <a:pPr lvl="1"/>
+            <a:pPr lvl="1" eaLnBrk="1" latinLnBrk="0" hangingPunct="1"/>
             <a:r>
               <a:rPr lang="zh-CN" altLang="en-US" smtClean="0"/>
               <a:t>第二级</a:t>
             </a:r>
           </a:p>
           <a:p>
-            <a:pPr lvl="2"/>
+            <a:pPr lvl="2" eaLnBrk="1" latinLnBrk="0" hangingPunct="1"/>
             <a:r>
               <a:rPr lang="zh-CN" altLang="en-US" smtClean="0"/>
               <a:t>第三级</a:t>
             </a:r>
           </a:p>
           <a:p>
-            <a:pPr lvl="3"/>
+            <a:pPr lvl="3" eaLnBrk="1" latinLnBrk="0" hangingPunct="1"/>
             <a:r>
               <a:rPr lang="zh-CN" altLang="en-US" smtClean="0"/>
               <a:t>第四级</a:t>
             </a:r>
           </a:p>
           <a:p>
-            <a:pPr lvl="4"/>
+            <a:pPr lvl="4" eaLnBrk="1" latinLnBrk="0" hangingPunct="1"/>
             <a:r>
               <a:rPr lang="zh-CN" altLang="en-US" smtClean="0"/>
               <a:t>第五级</a:t>
             </a:r>
-            <a:endParaRPr lang="zh-CN" altLang="en-US"/>
+            <a:endParaRPr kumimoji="0" lang="en-US"/>
           </a:p>
         </p:txBody>
       </p:sp>
@@ -1240,7 +1353,7 @@
           <a:p>
             <a:fld id="{530820CF-B880-4189-942D-D702A7CBA730}" type="datetimeFigureOut">
               <a:rPr lang="zh-CN" altLang="en-US" smtClean="0"/>
-              <a:t>2013/11/28</a:t>
+              <a:t>2017/11/9</a:t>
             </a:fld>
             <a:endParaRPr lang="zh-CN" altLang="en-US"/>
           </a:p>
@@ -1288,6 +1401,39 @@
           </a:p>
         </p:txBody>
       </p:sp>
+      <p:pic>
+        <p:nvPicPr>
+          <p:cNvPr id="8" name="图片 7"/>
+          <p:cNvPicPr>
+            <a:picLocks noChangeAspect="1"/>
+          </p:cNvPicPr>
+          <p:nvPr/>
+        </p:nvPicPr>
+        <p:blipFill>
+          <a:blip r:embed="rId3">
+            <a:duotone>
+              <a:schemeClr val="bg2"/>
+              <a:srgbClr val="FFF1C1"/>
+            </a:duotone>
+          </a:blip>
+          <a:stretch>
+            <a:fillRect/>
+          </a:stretch>
+        </p:blipFill>
+        <p:spPr>
+          <a:xfrm>
+            <a:off x="8135908" y="0"/>
+            <a:ext cx="1008093" cy="1071552"/>
+          </a:xfrm>
+          <a:prstGeom prst="rect">
+            <a:avLst/>
+          </a:prstGeom>
+          <a:noFill/>
+          <a:ln>
+            <a:noFill/>
+          </a:ln>
+        </p:spPr>
+      </p:pic>
     </p:spTree>
   </p:cSld>
   <p:clrMapOvr>
@@ -1315,29 +1461,89 @@
       </p:grpSpPr>
       <p:sp>
         <p:nvSpPr>
-          <p:cNvPr id="2" name="竖排标题 1"/>
-          <p:cNvSpPr>
-            <a:spLocks noGrp="1"/>
-          </p:cNvSpPr>
-          <p:nvPr>
-            <p:ph type="title" orient="vert"/>
-          </p:nvPr>
+          <p:cNvPr id="7" name="矩形 6"/>
+          <p:cNvSpPr/>
+          <p:nvPr/>
         </p:nvSpPr>
         <p:spPr>
           <a:xfrm>
-            <a:off x="6629400" y="274638"/>
-            <a:ext cx="2057400" cy="5851525"/>
+            <a:off x="0" y="0"/>
+            <a:ext cx="669600" cy="5143500"/>
+          </a:xfrm>
+          <a:prstGeom prst="rect">
+            <a:avLst/>
+          </a:prstGeom>
+          <a:blipFill>
+            <a:blip r:embed="rId2">
+              <a:alphaModFix amt="40000"/>
+            </a:blip>
+            <a:tile tx="0" ty="0" sx="50000" sy="50000" flip="x" algn="tl"/>
+          </a:blipFill>
+          <a:ln w="25400" cap="rnd" cmpd="sng" algn="ctr">
+            <a:noFill/>
+            <a:prstDash val="solid"/>
+          </a:ln>
+        </p:spPr>
+        <p:style>
+          <a:lnRef idx="2">
+            <a:schemeClr val="accent1"/>
+          </a:lnRef>
+          <a:fillRef idx="1">
+            <a:schemeClr val="accent1"/>
+          </a:fillRef>
+          <a:effectRef idx="0">
+            <a:schemeClr val="accent1"/>
+          </a:effectRef>
+          <a:fontRef idx="minor">
+            <a:schemeClr val="lt1"/>
+          </a:fontRef>
+        </p:style>
+        <p:txBody>
+          <a:bodyPr rtlCol="0" anchor="ctr"/>
+          <a:lstStyle/>
+          <a:p>
+            <a:pPr algn="ctr" eaLnBrk="1" latinLnBrk="0" hangingPunct="1"/>
+            <a:endParaRPr kumimoji="0" lang="zh-CN" altLang="en-US"/>
+          </a:p>
+        </p:txBody>
+      </p:sp>
+      <p:sp>
+        <p:nvSpPr>
+          <p:cNvPr id="2" name="竖排标题 1"/>
+          <p:cNvSpPr>
+            <a:spLocks noGrp="1"/>
+          </p:cNvSpPr>
+          <p:nvPr>
+            <p:ph type="title" orient="vert"/>
+          </p:nvPr>
+        </p:nvSpPr>
+        <p:spPr>
+          <a:xfrm>
+            <a:off x="7286644" y="205979"/>
+            <a:ext cx="1400156" cy="4455333"/>
           </a:xfrm>
         </p:spPr>
         <p:txBody>
           <a:bodyPr vert="eaVert"/>
-          <a:lstStyle/>
-          <a:p>
-            <a:r>
-              <a:rPr lang="zh-CN" altLang="en-US" smtClean="0"/>
+          <a:lstStyle>
+            <a:lvl1pPr algn="ctr">
+              <a:defRPr>
+                <a:effectLst>
+                  <a:outerShdw dist="50800" dir="18900000" algn="tl" rotWithShape="0">
+                    <a:srgbClr val="000000">
+                      <a:alpha val="75000"/>
+                    </a:srgbClr>
+                  </a:outerShdw>
+                </a:effectLst>
+              </a:defRPr>
+            </a:lvl1pPr>
+          </a:lstStyle>
+          <a:p>
+            <a:r>
+              <a:rPr kumimoji="0" lang="zh-CN" altLang="en-US" smtClean="0"/>
               <a:t>单击此处编辑母版标题样式</a:t>
             </a:r>
-            <a:endParaRPr lang="zh-CN" altLang="en-US"/>
+            <a:endParaRPr kumimoji="0" lang="en-US"/>
           </a:p>
         </p:txBody>
       </p:sp>
@@ -1353,48 +1559,48 @@
         </p:nvSpPr>
         <p:spPr>
           <a:xfrm>
-            <a:off x="457200" y="274638"/>
-            <a:ext cx="6019800" cy="5851525"/>
+            <a:off x="457200" y="205979"/>
+            <a:ext cx="6758006" cy="4455333"/>
           </a:xfrm>
         </p:spPr>
         <p:txBody>
           <a:bodyPr vert="eaVert"/>
           <a:lstStyle/>
           <a:p>
-            <a:pPr lvl="0"/>
+            <a:pPr lvl="0" eaLnBrk="1" latinLnBrk="0" hangingPunct="1"/>
             <a:r>
               <a:rPr lang="zh-CN" altLang="en-US" smtClean="0"/>
               <a:t>单击此处编辑母版文本样式</a:t>
             </a:r>
           </a:p>
           <a:p>
-            <a:pPr lvl="1"/>
+            <a:pPr lvl="1" eaLnBrk="1" latinLnBrk="0" hangingPunct="1"/>
             <a:r>
               <a:rPr lang="zh-CN" altLang="en-US" smtClean="0"/>
               <a:t>第二级</a:t>
             </a:r>
           </a:p>
           <a:p>
-            <a:pPr lvl="2"/>
+            <a:pPr lvl="2" eaLnBrk="1" latinLnBrk="0" hangingPunct="1"/>
             <a:r>
               <a:rPr lang="zh-CN" altLang="en-US" smtClean="0"/>
               <a:t>第三级</a:t>
             </a:r>
           </a:p>
           <a:p>
-            <a:pPr lvl="3"/>
+            <a:pPr lvl="3" eaLnBrk="1" latinLnBrk="0" hangingPunct="1"/>
             <a:r>
               <a:rPr lang="zh-CN" altLang="en-US" smtClean="0"/>
               <a:t>第四级</a:t>
             </a:r>
           </a:p>
           <a:p>
-            <a:pPr lvl="4"/>
+            <a:pPr lvl="4" eaLnBrk="1" latinLnBrk="0" hangingPunct="1"/>
             <a:r>
               <a:rPr lang="zh-CN" altLang="en-US" smtClean="0"/>
               <a:t>第五级</a:t>
             </a:r>
-            <a:endParaRPr lang="zh-CN" altLang="en-US"/>
+            <a:endParaRPr kumimoji="0" lang="en-US"/>
           </a:p>
         </p:txBody>
       </p:sp>
@@ -1415,7 +1621,7 @@
           <a:p>
             <a:fld id="{530820CF-B880-4189-942D-D702A7CBA730}" type="datetimeFigureOut">
               <a:rPr lang="zh-CN" altLang="en-US" smtClean="0"/>
-              <a:t>2013/11/28</a:t>
+              <a:t>2017/11/9</a:t>
             </a:fld>
             <a:endParaRPr lang="zh-CN" altLang="en-US"/>
           </a:p>
@@ -1463,6 +1669,39 @@
           </a:p>
         </p:txBody>
       </p:sp>
+      <p:pic>
+        <p:nvPicPr>
+          <p:cNvPr id="8" name="图片 7"/>
+          <p:cNvPicPr>
+            <a:picLocks noChangeAspect="1"/>
+          </p:cNvPicPr>
+          <p:nvPr/>
+        </p:nvPicPr>
+        <p:blipFill>
+          <a:blip r:embed="rId3">
+            <a:duotone>
+              <a:schemeClr val="bg2"/>
+              <a:srgbClr val="FFF1C1"/>
+            </a:duotone>
+          </a:blip>
+          <a:stretch>
+            <a:fillRect/>
+          </a:stretch>
+        </p:blipFill>
+        <p:spPr>
+          <a:xfrm>
+            <a:off x="8135908" y="0"/>
+            <a:ext cx="1008093" cy="1071552"/>
+          </a:xfrm>
+          <a:prstGeom prst="rect">
+            <a:avLst/>
+          </a:prstGeom>
+          <a:noFill/>
+          <a:ln>
+            <a:noFill/>
+          </a:ln>
+        </p:spPr>
+      </p:pic>
     </p:spTree>
   </p:cSld>
   <p:clrMapOvr>
@@ -1490,6 +1729,54 @@
       </p:grpSpPr>
       <p:sp>
         <p:nvSpPr>
+          <p:cNvPr id="7" name="矩形 6"/>
+          <p:cNvSpPr/>
+          <p:nvPr/>
+        </p:nvSpPr>
+        <p:spPr>
+          <a:xfrm>
+            <a:off x="0" y="0"/>
+            <a:ext cx="669600" cy="5143500"/>
+          </a:xfrm>
+          <a:prstGeom prst="rect">
+            <a:avLst/>
+          </a:prstGeom>
+          <a:blipFill>
+            <a:blip r:embed="rId2">
+              <a:alphaModFix amt="40000"/>
+            </a:blip>
+            <a:tile tx="0" ty="0" sx="50000" sy="50000" flip="x" algn="tl"/>
+          </a:blipFill>
+          <a:ln w="25400" cap="rnd" cmpd="sng" algn="ctr">
+            <a:noFill/>
+            <a:prstDash val="solid"/>
+          </a:ln>
+        </p:spPr>
+        <p:style>
+          <a:lnRef idx="2">
+            <a:schemeClr val="accent1"/>
+          </a:lnRef>
+          <a:fillRef idx="1">
+            <a:schemeClr val="accent1"/>
+          </a:fillRef>
+          <a:effectRef idx="0">
+            <a:schemeClr val="accent1"/>
+          </a:effectRef>
+          <a:fontRef idx="minor">
+            <a:schemeClr val="lt1"/>
+          </a:fontRef>
+        </p:style>
+        <p:txBody>
+          <a:bodyPr rtlCol="0" anchor="ctr"/>
+          <a:lstStyle/>
+          <a:p>
+            <a:pPr algn="ctr" eaLnBrk="1" latinLnBrk="0" hangingPunct="1"/>
+            <a:endParaRPr kumimoji="0" lang="zh-CN" altLang="en-US"/>
+          </a:p>
+        </p:txBody>
+      </p:sp>
+      <p:sp>
+        <p:nvSpPr>
           <p:cNvPr id="2" name="标题 1"/>
           <p:cNvSpPr>
             <a:spLocks noGrp="1"/>
@@ -1501,13 +1788,17 @@
         <p:spPr/>
         <p:txBody>
           <a:bodyPr/>
-          <a:lstStyle/>
-          <a:p>
-            <a:r>
-              <a:rPr lang="zh-CN" altLang="en-US" smtClean="0"/>
+          <a:lstStyle>
+            <a:lvl1pPr algn="l">
+              <a:defRPr/>
+            </a:lvl1pPr>
+          </a:lstStyle>
+          <a:p>
+            <a:r>
+              <a:rPr kumimoji="0" lang="zh-CN" altLang="en-US" smtClean="0"/>
               <a:t>单击此处编辑母版标题样式</a:t>
             </a:r>
-            <a:endParaRPr lang="zh-CN" altLang="en-US"/>
+            <a:endParaRPr kumimoji="0" lang="en-US"/>
           </a:p>
         </p:txBody>
       </p:sp>
@@ -1526,40 +1817,40 @@
           <a:bodyPr/>
           <a:lstStyle/>
           <a:p>
-            <a:pPr lvl="0"/>
+            <a:pPr lvl="0" eaLnBrk="1" latinLnBrk="0" hangingPunct="1"/>
             <a:r>
               <a:rPr lang="zh-CN" altLang="en-US" smtClean="0"/>
               <a:t>单击此处编辑母版文本样式</a:t>
             </a:r>
           </a:p>
           <a:p>
-            <a:pPr lvl="1"/>
+            <a:pPr lvl="1" eaLnBrk="1" latinLnBrk="0" hangingPunct="1"/>
             <a:r>
               <a:rPr lang="zh-CN" altLang="en-US" smtClean="0"/>
               <a:t>第二级</a:t>
             </a:r>
           </a:p>
           <a:p>
-            <a:pPr lvl="2"/>
+            <a:pPr lvl="2" eaLnBrk="1" latinLnBrk="0" hangingPunct="1"/>
             <a:r>
               <a:rPr lang="zh-CN" altLang="en-US" smtClean="0"/>
               <a:t>第三级</a:t>
             </a:r>
           </a:p>
           <a:p>
-            <a:pPr lvl="3"/>
+            <a:pPr lvl="3" eaLnBrk="1" latinLnBrk="0" hangingPunct="1"/>
             <a:r>
               <a:rPr lang="zh-CN" altLang="en-US" smtClean="0"/>
               <a:t>第四级</a:t>
             </a:r>
           </a:p>
           <a:p>
-            <a:pPr lvl="4"/>
+            <a:pPr lvl="4" eaLnBrk="1" latinLnBrk="0" hangingPunct="1"/>
             <a:r>
               <a:rPr lang="zh-CN" altLang="en-US" smtClean="0"/>
               <a:t>第五级</a:t>
             </a:r>
-            <a:endParaRPr lang="zh-CN" altLang="en-US"/>
+            <a:endParaRPr kumimoji="0" lang="en-US"/>
           </a:p>
         </p:txBody>
       </p:sp>
@@ -1580,7 +1871,7 @@
           <a:p>
             <a:fld id="{530820CF-B880-4189-942D-D702A7CBA730}" type="datetimeFigureOut">
               <a:rPr lang="zh-CN" altLang="en-US" smtClean="0"/>
-              <a:t>2013/11/28</a:t>
+              <a:t>2017/11/9</a:t>
             </a:fld>
             <a:endParaRPr lang="zh-CN" altLang="en-US"/>
           </a:p>
@@ -1628,6 +1919,39 @@
           </a:p>
         </p:txBody>
       </p:sp>
+      <p:pic>
+        <p:nvPicPr>
+          <p:cNvPr id="8" name="图片 7"/>
+          <p:cNvPicPr>
+            <a:picLocks noChangeAspect="1"/>
+          </p:cNvPicPr>
+          <p:nvPr/>
+        </p:nvPicPr>
+        <p:blipFill>
+          <a:blip r:embed="rId3">
+            <a:duotone>
+              <a:schemeClr val="bg2"/>
+              <a:srgbClr val="FFF1C1"/>
+            </a:duotone>
+          </a:blip>
+          <a:stretch>
+            <a:fillRect/>
+          </a:stretch>
+        </p:blipFill>
+        <p:spPr>
+          <a:xfrm>
+            <a:off x="8135908" y="0"/>
+            <a:ext cx="1008093" cy="1071552"/>
+          </a:xfrm>
+          <a:prstGeom prst="rect">
+            <a:avLst/>
+          </a:prstGeom>
+          <a:noFill/>
+          <a:ln>
+            <a:noFill/>
+          </a:ln>
+        </p:spPr>
+      </p:pic>
     </p:spTree>
   </p:cSld>
   <p:clrMapOvr>
@@ -1639,6 +1963,11 @@
 <file path=ppt/slideLayouts/slideLayout3.xml><?xml version="1.0" encoding="utf-8"?>
 <p:sldLayout xmlns:a="http://schemas.openxmlformats.org/drawingml/2006/main" xmlns:r="http://schemas.openxmlformats.org/officeDocument/2006/relationships" xmlns:p="http://schemas.openxmlformats.org/presentationml/2006/main" type="secHead" preserve="1">
   <p:cSld name="节标题">
+    <p:bg>
+      <p:bgRef idx="1003">
+        <a:schemeClr val="bg2"/>
+      </p:bgRef>
+    </p:bg>
     <p:spTree>
       <p:nvGrpSpPr>
         <p:cNvPr id="1" name=""/>
@@ -1665,8 +1994,8 @@
         </p:nvSpPr>
         <p:spPr>
           <a:xfrm>
-            <a:off x="722313" y="4406900"/>
-            <a:ext cx="7772400" cy="1362075"/>
+            <a:off x="722313" y="3107527"/>
+            <a:ext cx="7772400" cy="1021556"/>
           </a:xfrm>
         </p:spPr>
         <p:txBody>
@@ -1678,10 +2007,10 @@
           </a:lstStyle>
           <a:p>
             <a:r>
-              <a:rPr lang="zh-CN" altLang="en-US" smtClean="0"/>
+              <a:rPr kumimoji="0" lang="zh-CN" altLang="en-US" smtClean="0"/>
               <a:t>单击此处编辑母版标题样式</a:t>
             </a:r>
-            <a:endParaRPr lang="zh-CN" altLang="en-US"/>
+            <a:endParaRPr kumimoji="0" lang="en-US"/>
           </a:p>
         </p:txBody>
       </p:sp>
@@ -1697,8 +2026,8 @@
         </p:nvSpPr>
         <p:spPr>
           <a:xfrm>
-            <a:off x="722313" y="2906713"/>
-            <a:ext cx="7772400" cy="1500187"/>
+            <a:off x="722313" y="1982387"/>
+            <a:ext cx="7772400" cy="1125140"/>
           </a:xfrm>
         </p:spPr>
         <p:txBody>
@@ -1706,52 +2035,32 @@
           <a:lstStyle>
             <a:lvl1pPr marL="0" indent="0">
               <a:buNone/>
-              <a:defRPr sz="2000">
-                <a:solidFill>
-                  <a:schemeClr val="tx1">
-                    <a:tint val="75000"/>
-                  </a:schemeClr>
-                </a:solidFill>
+              <a:defRPr lang="zh-CN" altLang="en-US" sz="2800" smtClean="0">
+                <a:effectLst/>
               </a:defRPr>
             </a:lvl1pPr>
             <a:lvl2pPr marL="457200" indent="0">
               <a:buNone/>
-              <a:defRPr sz="1800">
-                <a:solidFill>
-                  <a:schemeClr val="tx1">
-                    <a:tint val="75000"/>
-                  </a:schemeClr>
-                </a:solidFill>
+              <a:defRPr lang="zh-CN" altLang="en-US" sz="2400" smtClean="0">
+                <a:effectLst/>
               </a:defRPr>
             </a:lvl2pPr>
             <a:lvl3pPr marL="914400" indent="0">
               <a:buNone/>
-              <a:defRPr sz="1600">
-                <a:solidFill>
-                  <a:schemeClr val="tx1">
-                    <a:tint val="75000"/>
-                  </a:schemeClr>
-                </a:solidFill>
+              <a:defRPr lang="zh-CN" altLang="en-US" sz="2000" smtClean="0">
+                <a:effectLst/>
               </a:defRPr>
             </a:lvl3pPr>
             <a:lvl4pPr marL="1371600" indent="0">
               <a:buNone/>
-              <a:defRPr sz="1400">
-                <a:solidFill>
-                  <a:schemeClr val="tx1">
-                    <a:tint val="75000"/>
-                  </a:schemeClr>
-                </a:solidFill>
+              <a:defRPr lang="zh-CN" altLang="en-US" sz="1600" smtClean="0">
+                <a:effectLst/>
               </a:defRPr>
             </a:lvl4pPr>
             <a:lvl5pPr marL="1828800" indent="0">
               <a:buNone/>
-              <a:defRPr sz="1400">
-                <a:solidFill>
-                  <a:schemeClr val="tx1">
-                    <a:tint val="75000"/>
-                  </a:schemeClr>
-                </a:solidFill>
+              <a:defRPr lang="zh-CN" altLang="en-US" sz="1400" dirty="0" smtClean="0">
+                <a:effectLst/>
               </a:defRPr>
             </a:lvl5pPr>
             <a:lvl6pPr marL="2286000" indent="0">
@@ -1796,9 +2105,9 @@
             </a:lvl9pPr>
           </a:lstStyle>
           <a:p>
-            <a:pPr lvl="0"/>
-            <a:r>
-              <a:rPr lang="zh-CN" altLang="en-US" smtClean="0"/>
+            <a:pPr lvl="0" eaLnBrk="1" latinLnBrk="0" hangingPunct="1"/>
+            <a:r>
+              <a:rPr kumimoji="0" lang="zh-CN" altLang="en-US" smtClean="0"/>
               <a:t>单击此处编辑母版文本样式</a:t>
             </a:r>
           </a:p>
@@ -1821,7 +2130,7 @@
           <a:p>
             <a:fld id="{530820CF-B880-4189-942D-D702A7CBA730}" type="datetimeFigureOut">
               <a:rPr lang="zh-CN" altLang="en-US" smtClean="0"/>
-              <a:t>2013/11/28</a:t>
+              <a:t>2017/11/9</a:t>
             </a:fld>
             <a:endParaRPr lang="zh-CN" altLang="en-US"/>
           </a:p>
@@ -1869,10 +2178,44 @@
           </a:p>
         </p:txBody>
       </p:sp>
+      <p:pic>
+        <p:nvPicPr>
+          <p:cNvPr id="7" name="图片 6"/>
+          <p:cNvPicPr>
+            <a:picLocks noChangeAspect="1"/>
+          </p:cNvPicPr>
+          <p:nvPr/>
+        </p:nvPicPr>
+        <p:blipFill>
+          <a:blip r:embed="rId2">
+            <a:duotone>
+              <a:schemeClr val="bg2"/>
+              <a:srgbClr val="FFF1C1"/>
+            </a:duotone>
+            <a:lum bright="-10000" contrast="-30000"/>
+          </a:blip>
+          <a:stretch>
+            <a:fillRect/>
+          </a:stretch>
+        </p:blipFill>
+        <p:spPr>
+          <a:xfrm>
+            <a:off x="7480636" y="0"/>
+            <a:ext cx="1663364" cy="1768073"/>
+          </a:xfrm>
+          <a:prstGeom prst="rect">
+            <a:avLst/>
+          </a:prstGeom>
+          <a:noFill/>
+          <a:ln>
+            <a:noFill/>
+          </a:ln>
+        </p:spPr>
+      </p:pic>
     </p:spTree>
   </p:cSld>
   <p:clrMapOvr>
-    <a:masterClrMapping/>
+    <a:overrideClrMapping bg1="dk1" tx1="lt1" bg2="dk2" tx2="lt2" accent1="accent1" accent2="accent2" accent3="accent3" accent4="accent4" accent5="accent5" accent6="accent6" hlink="hlink" folHlink="folHlink"/>
   </p:clrMapOvr>
 </p:sldLayout>
 </file>
@@ -1896,41 +2239,89 @@
       </p:grpSpPr>
       <p:sp>
         <p:nvSpPr>
-          <p:cNvPr id="2" name="标题 1"/>
-          <p:cNvSpPr>
-            <a:spLocks noGrp="1"/>
-          </p:cNvSpPr>
-          <p:nvPr>
-            <p:ph type="title"/>
-          </p:nvPr>
-        </p:nvSpPr>
-        <p:spPr/>
-        <p:txBody>
-          <a:bodyPr/>
-          <a:lstStyle/>
-          <a:p>
-            <a:r>
-              <a:rPr lang="zh-CN" altLang="en-US" smtClean="0"/>
-              <a:t>单击此处编辑母版标题样式</a:t>
-            </a:r>
-            <a:endParaRPr lang="zh-CN" altLang="en-US"/>
-          </a:p>
-        </p:txBody>
-      </p:sp>
-      <p:sp>
-        <p:nvSpPr>
-          <p:cNvPr id="3" name="内容占位符 2"/>
-          <p:cNvSpPr>
-            <a:spLocks noGrp="1"/>
-          </p:cNvSpPr>
-          <p:nvPr>
-            <p:ph sz="half" idx="1"/>
-          </p:nvPr>
+          <p:cNvPr id="8" name="矩形 7"/>
+          <p:cNvSpPr/>
+          <p:nvPr/>
         </p:nvSpPr>
         <p:spPr>
           <a:xfrm>
-            <a:off x="457200" y="1600200"/>
-            <a:ext cx="4038600" cy="4525963"/>
+            <a:off x="0" y="0"/>
+            <a:ext cx="655200" cy="5143500"/>
+          </a:xfrm>
+          <a:prstGeom prst="rect">
+            <a:avLst/>
+          </a:prstGeom>
+          <a:blipFill>
+            <a:blip r:embed="rId2">
+              <a:alphaModFix amt="40000"/>
+            </a:blip>
+            <a:tile tx="0" ty="0" sx="50000" sy="50000" flip="x" algn="tl"/>
+          </a:blipFill>
+          <a:ln w="25400" cap="rnd" cmpd="sng" algn="ctr">
+            <a:noFill/>
+            <a:prstDash val="solid"/>
+          </a:ln>
+        </p:spPr>
+        <p:style>
+          <a:lnRef idx="2">
+            <a:schemeClr val="accent1"/>
+          </a:lnRef>
+          <a:fillRef idx="1">
+            <a:schemeClr val="accent1"/>
+          </a:fillRef>
+          <a:effectRef idx="0">
+            <a:schemeClr val="accent1"/>
+          </a:effectRef>
+          <a:fontRef idx="minor">
+            <a:schemeClr val="lt1"/>
+          </a:fontRef>
+        </p:style>
+        <p:txBody>
+          <a:bodyPr rtlCol="0" anchor="ctr"/>
+          <a:lstStyle/>
+          <a:p>
+            <a:pPr algn="ctr" eaLnBrk="1" latinLnBrk="0" hangingPunct="1"/>
+            <a:endParaRPr kumimoji="0" lang="zh-CN" altLang="en-US"/>
+          </a:p>
+        </p:txBody>
+      </p:sp>
+      <p:sp>
+        <p:nvSpPr>
+          <p:cNvPr id="2" name="标题 1"/>
+          <p:cNvSpPr>
+            <a:spLocks noGrp="1"/>
+          </p:cNvSpPr>
+          <p:nvPr>
+            <p:ph type="title"/>
+          </p:nvPr>
+        </p:nvSpPr>
+        <p:spPr/>
+        <p:txBody>
+          <a:bodyPr/>
+          <a:lstStyle/>
+          <a:p>
+            <a:r>
+              <a:rPr kumimoji="0" lang="zh-CN" altLang="en-US" smtClean="0"/>
+              <a:t>单击此处编辑母版标题样式</a:t>
+            </a:r>
+            <a:endParaRPr kumimoji="0" lang="en-US"/>
+          </a:p>
+        </p:txBody>
+      </p:sp>
+      <p:sp>
+        <p:nvSpPr>
+          <p:cNvPr id="3" name="内容占位符 2"/>
+          <p:cNvSpPr>
+            <a:spLocks noGrp="1"/>
+          </p:cNvSpPr>
+          <p:nvPr>
+            <p:ph sz="half" idx="1"/>
+          </p:nvPr>
+        </p:nvSpPr>
+        <p:spPr>
+          <a:xfrm>
+            <a:off x="457200" y="1200151"/>
+            <a:ext cx="4038600" cy="3394472"/>
           </a:xfrm>
         </p:spPr>
         <p:txBody>
@@ -1965,40 +2356,40 @@
             </a:lvl9pPr>
           </a:lstStyle>
           <a:p>
-            <a:pPr lvl="0"/>
+            <a:pPr lvl="0" eaLnBrk="1" latinLnBrk="0" hangingPunct="1"/>
             <a:r>
               <a:rPr lang="zh-CN" altLang="en-US" smtClean="0"/>
               <a:t>单击此处编辑母版文本样式</a:t>
             </a:r>
           </a:p>
           <a:p>
-            <a:pPr lvl="1"/>
+            <a:pPr lvl="1" eaLnBrk="1" latinLnBrk="0" hangingPunct="1"/>
             <a:r>
               <a:rPr lang="zh-CN" altLang="en-US" smtClean="0"/>
               <a:t>第二级</a:t>
             </a:r>
           </a:p>
           <a:p>
-            <a:pPr lvl="2"/>
+            <a:pPr lvl="2" eaLnBrk="1" latinLnBrk="0" hangingPunct="1"/>
             <a:r>
               <a:rPr lang="zh-CN" altLang="en-US" smtClean="0"/>
               <a:t>第三级</a:t>
             </a:r>
           </a:p>
           <a:p>
-            <a:pPr lvl="3"/>
+            <a:pPr lvl="3" eaLnBrk="1" latinLnBrk="0" hangingPunct="1"/>
             <a:r>
               <a:rPr lang="zh-CN" altLang="en-US" smtClean="0"/>
               <a:t>第四级</a:t>
             </a:r>
           </a:p>
           <a:p>
-            <a:pPr lvl="4"/>
+            <a:pPr lvl="4" eaLnBrk="1" latinLnBrk="0" hangingPunct="1"/>
             <a:r>
               <a:rPr lang="zh-CN" altLang="en-US" smtClean="0"/>
               <a:t>第五级</a:t>
             </a:r>
-            <a:endParaRPr lang="zh-CN" altLang="en-US"/>
+            <a:endParaRPr kumimoji="0" lang="en-US"/>
           </a:p>
         </p:txBody>
       </p:sp>
@@ -2014,8 +2405,8 @@
         </p:nvSpPr>
         <p:spPr>
           <a:xfrm>
-            <a:off x="4648200" y="1600200"/>
-            <a:ext cx="4038600" cy="4525963"/>
+            <a:off x="4648200" y="1200151"/>
+            <a:ext cx="4038600" cy="3394472"/>
           </a:xfrm>
         </p:spPr>
         <p:txBody>
@@ -2050,40 +2441,40 @@
             </a:lvl9pPr>
           </a:lstStyle>
           <a:p>
-            <a:pPr lvl="0"/>
+            <a:pPr lvl="0" eaLnBrk="1" latinLnBrk="0" hangingPunct="1"/>
             <a:r>
               <a:rPr lang="zh-CN" altLang="en-US" smtClean="0"/>
               <a:t>单击此处编辑母版文本样式</a:t>
             </a:r>
           </a:p>
           <a:p>
-            <a:pPr lvl="1"/>
+            <a:pPr lvl="1" eaLnBrk="1" latinLnBrk="0" hangingPunct="1"/>
             <a:r>
               <a:rPr lang="zh-CN" altLang="en-US" smtClean="0"/>
               <a:t>第二级</a:t>
             </a:r>
           </a:p>
           <a:p>
-            <a:pPr lvl="2"/>
+            <a:pPr lvl="2" eaLnBrk="1" latinLnBrk="0" hangingPunct="1"/>
             <a:r>
               <a:rPr lang="zh-CN" altLang="en-US" smtClean="0"/>
               <a:t>第三级</a:t>
             </a:r>
           </a:p>
           <a:p>
-            <a:pPr lvl="3"/>
+            <a:pPr lvl="3" eaLnBrk="1" latinLnBrk="0" hangingPunct="1"/>
             <a:r>
               <a:rPr lang="zh-CN" altLang="en-US" smtClean="0"/>
               <a:t>第四级</a:t>
             </a:r>
           </a:p>
           <a:p>
-            <a:pPr lvl="4"/>
+            <a:pPr lvl="4" eaLnBrk="1" latinLnBrk="0" hangingPunct="1"/>
             <a:r>
               <a:rPr lang="zh-CN" altLang="en-US" smtClean="0"/>
               <a:t>第五级</a:t>
             </a:r>
-            <a:endParaRPr lang="zh-CN" altLang="en-US"/>
+            <a:endParaRPr kumimoji="0" lang="en-US"/>
           </a:p>
         </p:txBody>
       </p:sp>
@@ -2104,7 +2495,7 @@
           <a:p>
             <a:fld id="{530820CF-B880-4189-942D-D702A7CBA730}" type="datetimeFigureOut">
               <a:rPr lang="zh-CN" altLang="en-US" smtClean="0"/>
-              <a:t>2013/11/28</a:t>
+              <a:t>2017/11/9</a:t>
             </a:fld>
             <a:endParaRPr lang="zh-CN" altLang="en-US"/>
           </a:p>
@@ -2152,6 +2543,39 @@
           </a:p>
         </p:txBody>
       </p:sp>
+      <p:pic>
+        <p:nvPicPr>
+          <p:cNvPr id="9" name="图片 8"/>
+          <p:cNvPicPr>
+            <a:picLocks noChangeAspect="1"/>
+          </p:cNvPicPr>
+          <p:nvPr/>
+        </p:nvPicPr>
+        <p:blipFill>
+          <a:blip r:embed="rId3">
+            <a:duotone>
+              <a:schemeClr val="bg2"/>
+              <a:srgbClr val="FFF1C1"/>
+            </a:duotone>
+          </a:blip>
+          <a:stretch>
+            <a:fillRect/>
+          </a:stretch>
+        </p:blipFill>
+        <p:spPr>
+          <a:xfrm>
+            <a:off x="8135908" y="0"/>
+            <a:ext cx="1008093" cy="1071552"/>
+          </a:xfrm>
+          <a:prstGeom prst="rect">
+            <a:avLst/>
+          </a:prstGeom>
+          <a:noFill/>
+          <a:ln>
+            <a:noFill/>
+          </a:ln>
+        </p:spPr>
+      </p:pic>
     </p:spTree>
   </p:cSld>
   <p:clrMapOvr>
@@ -2179,6 +2603,54 @@
       </p:grpSpPr>
       <p:sp>
         <p:nvSpPr>
+          <p:cNvPr id="10" name="矩形 9"/>
+          <p:cNvSpPr/>
+          <p:nvPr/>
+        </p:nvSpPr>
+        <p:spPr>
+          <a:xfrm>
+            <a:off x="0" y="0"/>
+            <a:ext cx="640800" cy="5143500"/>
+          </a:xfrm>
+          <a:prstGeom prst="rect">
+            <a:avLst/>
+          </a:prstGeom>
+          <a:blipFill>
+            <a:blip r:embed="rId2">
+              <a:alphaModFix amt="40000"/>
+            </a:blip>
+            <a:tile tx="0" ty="0" sx="50000" sy="50000" flip="x" algn="tl"/>
+          </a:blipFill>
+          <a:ln w="25400" cap="rnd" cmpd="sng" algn="ctr">
+            <a:noFill/>
+            <a:prstDash val="solid"/>
+          </a:ln>
+        </p:spPr>
+        <p:style>
+          <a:lnRef idx="2">
+            <a:schemeClr val="accent1"/>
+          </a:lnRef>
+          <a:fillRef idx="1">
+            <a:schemeClr val="accent1"/>
+          </a:fillRef>
+          <a:effectRef idx="0">
+            <a:schemeClr val="accent1"/>
+          </a:effectRef>
+          <a:fontRef idx="minor">
+            <a:schemeClr val="lt1"/>
+          </a:fontRef>
+        </p:style>
+        <p:txBody>
+          <a:bodyPr rtlCol="0" anchor="ctr"/>
+          <a:lstStyle/>
+          <a:p>
+            <a:pPr algn="ctr" eaLnBrk="1" latinLnBrk="0" hangingPunct="1"/>
+            <a:endParaRPr kumimoji="0" lang="zh-CN" altLang="en-US"/>
+          </a:p>
+        </p:txBody>
+      </p:sp>
+      <p:sp>
+        <p:nvSpPr>
           <p:cNvPr id="2" name="标题 1"/>
           <p:cNvSpPr>
             <a:spLocks noGrp="1"/>
@@ -2197,10 +2669,10 @@
           </a:lstStyle>
           <a:p>
             <a:r>
-              <a:rPr lang="zh-CN" altLang="en-US" smtClean="0"/>
+              <a:rPr kumimoji="0" lang="zh-CN" altLang="en-US" smtClean="0"/>
               <a:t>单击此处编辑母版标题样式</a:t>
             </a:r>
-            <a:endParaRPr lang="zh-CN" altLang="en-US"/>
+            <a:endParaRPr kumimoji="0" lang="en-US"/>
           </a:p>
         </p:txBody>
       </p:sp>
@@ -2216,8 +2688,8 @@
         </p:nvSpPr>
         <p:spPr>
           <a:xfrm>
-            <a:off x="457200" y="1535113"/>
-            <a:ext cx="4040188" cy="639762"/>
+            <a:off x="457200" y="1151335"/>
+            <a:ext cx="4040188" cy="479822"/>
           </a:xfrm>
         </p:spPr>
         <p:txBody>
@@ -2261,9 +2733,9 @@
             </a:lvl9pPr>
           </a:lstStyle>
           <a:p>
-            <a:pPr lvl="0"/>
-            <a:r>
-              <a:rPr lang="zh-CN" altLang="en-US" smtClean="0"/>
+            <a:pPr lvl="0" eaLnBrk="1" latinLnBrk="0" hangingPunct="1"/>
+            <a:r>
+              <a:rPr kumimoji="0" lang="zh-CN" altLang="en-US" smtClean="0"/>
               <a:t>单击此处编辑母版文本样式</a:t>
             </a:r>
           </a:p>
@@ -2281,8 +2753,8 @@
         </p:nvSpPr>
         <p:spPr>
           <a:xfrm>
-            <a:off x="457200" y="2174875"/>
-            <a:ext cx="4040188" cy="3951288"/>
+            <a:off x="457200" y="1631156"/>
+            <a:ext cx="4040188" cy="2963466"/>
           </a:xfrm>
         </p:spPr>
         <p:txBody>
@@ -2317,40 +2789,40 @@
             </a:lvl9pPr>
           </a:lstStyle>
           <a:p>
-            <a:pPr lvl="0"/>
+            <a:pPr lvl="0" eaLnBrk="1" latinLnBrk="0" hangingPunct="1"/>
             <a:r>
               <a:rPr lang="zh-CN" altLang="en-US" smtClean="0"/>
               <a:t>单击此处编辑母版文本样式</a:t>
             </a:r>
           </a:p>
           <a:p>
-            <a:pPr lvl="1"/>
+            <a:pPr lvl="1" eaLnBrk="1" latinLnBrk="0" hangingPunct="1"/>
             <a:r>
               <a:rPr lang="zh-CN" altLang="en-US" smtClean="0"/>
               <a:t>第二级</a:t>
             </a:r>
           </a:p>
           <a:p>
-            <a:pPr lvl="2"/>
+            <a:pPr lvl="2" eaLnBrk="1" latinLnBrk="0" hangingPunct="1"/>
             <a:r>
               <a:rPr lang="zh-CN" altLang="en-US" smtClean="0"/>
               <a:t>第三级</a:t>
             </a:r>
           </a:p>
           <a:p>
-            <a:pPr lvl="3"/>
+            <a:pPr lvl="3" eaLnBrk="1" latinLnBrk="0" hangingPunct="1"/>
             <a:r>
               <a:rPr lang="zh-CN" altLang="en-US" smtClean="0"/>
               <a:t>第四级</a:t>
             </a:r>
           </a:p>
           <a:p>
-            <a:pPr lvl="4"/>
+            <a:pPr lvl="4" eaLnBrk="1" latinLnBrk="0" hangingPunct="1"/>
             <a:r>
               <a:rPr lang="zh-CN" altLang="en-US" smtClean="0"/>
               <a:t>第五级</a:t>
             </a:r>
-            <a:endParaRPr lang="zh-CN" altLang="en-US"/>
+            <a:endParaRPr kumimoji="0" lang="en-US"/>
           </a:p>
         </p:txBody>
       </p:sp>
@@ -2366,8 +2838,8 @@
         </p:nvSpPr>
         <p:spPr>
           <a:xfrm>
-            <a:off x="4645025" y="1535113"/>
-            <a:ext cx="4041775" cy="639762"/>
+            <a:off x="4645026" y="1151335"/>
+            <a:ext cx="4041775" cy="479822"/>
           </a:xfrm>
         </p:spPr>
         <p:txBody>
@@ -2411,9 +2883,9 @@
             </a:lvl9pPr>
           </a:lstStyle>
           <a:p>
-            <a:pPr lvl="0"/>
-            <a:r>
-              <a:rPr lang="zh-CN" altLang="en-US" smtClean="0"/>
+            <a:pPr lvl="0" eaLnBrk="1" latinLnBrk="0" hangingPunct="1"/>
+            <a:r>
+              <a:rPr kumimoji="0" lang="zh-CN" altLang="en-US" smtClean="0"/>
               <a:t>单击此处编辑母版文本样式</a:t>
             </a:r>
           </a:p>
@@ -2431,8 +2903,8 @@
         </p:nvSpPr>
         <p:spPr>
           <a:xfrm>
-            <a:off x="4645025" y="2174875"/>
-            <a:ext cx="4041775" cy="3951288"/>
+            <a:off x="4645026" y="1631156"/>
+            <a:ext cx="4041775" cy="2963466"/>
           </a:xfrm>
         </p:spPr>
         <p:txBody>
@@ -2467,40 +2939,40 @@
             </a:lvl9pPr>
           </a:lstStyle>
           <a:p>
-            <a:pPr lvl="0"/>
+            <a:pPr lvl="0" eaLnBrk="1" latinLnBrk="0" hangingPunct="1"/>
             <a:r>
               <a:rPr lang="zh-CN" altLang="en-US" smtClean="0"/>
               <a:t>单击此处编辑母版文本样式</a:t>
             </a:r>
           </a:p>
           <a:p>
-            <a:pPr lvl="1"/>
+            <a:pPr lvl="1" eaLnBrk="1" latinLnBrk="0" hangingPunct="1"/>
             <a:r>
               <a:rPr lang="zh-CN" altLang="en-US" smtClean="0"/>
               <a:t>第二级</a:t>
             </a:r>
           </a:p>
           <a:p>
-            <a:pPr lvl="2"/>
+            <a:pPr lvl="2" eaLnBrk="1" latinLnBrk="0" hangingPunct="1"/>
             <a:r>
               <a:rPr lang="zh-CN" altLang="en-US" smtClean="0"/>
               <a:t>第三级</a:t>
             </a:r>
           </a:p>
           <a:p>
-            <a:pPr lvl="3"/>
+            <a:pPr lvl="3" eaLnBrk="1" latinLnBrk="0" hangingPunct="1"/>
             <a:r>
               <a:rPr lang="zh-CN" altLang="en-US" smtClean="0"/>
               <a:t>第四级</a:t>
             </a:r>
           </a:p>
           <a:p>
-            <a:pPr lvl="4"/>
+            <a:pPr lvl="4" eaLnBrk="1" latinLnBrk="0" hangingPunct="1"/>
             <a:r>
               <a:rPr lang="zh-CN" altLang="en-US" smtClean="0"/>
               <a:t>第五级</a:t>
             </a:r>
-            <a:endParaRPr lang="zh-CN" altLang="en-US"/>
+            <a:endParaRPr kumimoji="0" lang="en-US"/>
           </a:p>
         </p:txBody>
       </p:sp>
@@ -2521,7 +2993,7 @@
           <a:p>
             <a:fld id="{530820CF-B880-4189-942D-D702A7CBA730}" type="datetimeFigureOut">
               <a:rPr lang="zh-CN" altLang="en-US" smtClean="0"/>
-              <a:t>2013/11/28</a:t>
+              <a:t>2017/11/9</a:t>
             </a:fld>
             <a:endParaRPr lang="zh-CN" altLang="en-US"/>
           </a:p>
@@ -2569,6 +3041,39 @@
           </a:p>
         </p:txBody>
       </p:sp>
+      <p:pic>
+        <p:nvPicPr>
+          <p:cNvPr id="11" name="图片 10"/>
+          <p:cNvPicPr>
+            <a:picLocks noChangeAspect="1"/>
+          </p:cNvPicPr>
+          <p:nvPr/>
+        </p:nvPicPr>
+        <p:blipFill>
+          <a:blip r:embed="rId3">
+            <a:duotone>
+              <a:schemeClr val="bg2"/>
+              <a:srgbClr val="FFF1C1"/>
+            </a:duotone>
+          </a:blip>
+          <a:stretch>
+            <a:fillRect/>
+          </a:stretch>
+        </p:blipFill>
+        <p:spPr>
+          <a:xfrm>
+            <a:off x="8135908" y="0"/>
+            <a:ext cx="1008093" cy="1071552"/>
+          </a:xfrm>
+          <a:prstGeom prst="rect">
+            <a:avLst/>
+          </a:prstGeom>
+          <a:noFill/>
+          <a:ln>
+            <a:noFill/>
+          </a:ln>
+        </p:spPr>
+      </p:pic>
     </p:spTree>
   </p:cSld>
   <p:clrMapOvr>
@@ -2596,6 +3101,54 @@
       </p:grpSpPr>
       <p:sp>
         <p:nvSpPr>
+          <p:cNvPr id="6" name="矩形 5"/>
+          <p:cNvSpPr/>
+          <p:nvPr/>
+        </p:nvSpPr>
+        <p:spPr>
+          <a:xfrm>
+            <a:off x="0" y="0"/>
+            <a:ext cx="669600" cy="5143500"/>
+          </a:xfrm>
+          <a:prstGeom prst="rect">
+            <a:avLst/>
+          </a:prstGeom>
+          <a:blipFill>
+            <a:blip r:embed="rId2">
+              <a:alphaModFix amt="40000"/>
+            </a:blip>
+            <a:tile tx="0" ty="0" sx="50000" sy="50000" flip="x" algn="tl"/>
+          </a:blipFill>
+          <a:ln w="25400" cap="rnd" cmpd="sng" algn="ctr">
+            <a:noFill/>
+            <a:prstDash val="solid"/>
+          </a:ln>
+        </p:spPr>
+        <p:style>
+          <a:lnRef idx="2">
+            <a:schemeClr val="accent1"/>
+          </a:lnRef>
+          <a:fillRef idx="1">
+            <a:schemeClr val="accent1"/>
+          </a:fillRef>
+          <a:effectRef idx="0">
+            <a:schemeClr val="accent1"/>
+          </a:effectRef>
+          <a:fontRef idx="minor">
+            <a:schemeClr val="lt1"/>
+          </a:fontRef>
+        </p:style>
+        <p:txBody>
+          <a:bodyPr rtlCol="0" anchor="ctr"/>
+          <a:lstStyle/>
+          <a:p>
+            <a:pPr algn="ctr" eaLnBrk="1" latinLnBrk="0" hangingPunct="1"/>
+            <a:endParaRPr kumimoji="0" lang="zh-CN" altLang="en-US"/>
+          </a:p>
+        </p:txBody>
+      </p:sp>
+      <p:sp>
+        <p:nvSpPr>
           <p:cNvPr id="2" name="标题 1"/>
           <p:cNvSpPr>
             <a:spLocks noGrp="1"/>
@@ -2610,10 +3163,10 @@
           <a:lstStyle/>
           <a:p>
             <a:r>
-              <a:rPr lang="zh-CN" altLang="en-US" smtClean="0"/>
+              <a:rPr kumimoji="0" lang="zh-CN" altLang="en-US" smtClean="0"/>
               <a:t>单击此处编辑母版标题样式</a:t>
             </a:r>
-            <a:endParaRPr lang="zh-CN" altLang="en-US"/>
+            <a:endParaRPr kumimoji="0" lang="en-US"/>
           </a:p>
         </p:txBody>
       </p:sp>
@@ -2634,7 +3187,7 @@
           <a:p>
             <a:fld id="{530820CF-B880-4189-942D-D702A7CBA730}" type="datetimeFigureOut">
               <a:rPr lang="zh-CN" altLang="en-US" smtClean="0"/>
-              <a:t>2013/11/28</a:t>
+              <a:t>2017/11/9</a:t>
             </a:fld>
             <a:endParaRPr lang="zh-CN" altLang="en-US"/>
           </a:p>
@@ -2682,6 +3235,39 @@
           </a:p>
         </p:txBody>
       </p:sp>
+      <p:pic>
+        <p:nvPicPr>
+          <p:cNvPr id="7" name="图片 6"/>
+          <p:cNvPicPr>
+            <a:picLocks noChangeAspect="1"/>
+          </p:cNvPicPr>
+          <p:nvPr/>
+        </p:nvPicPr>
+        <p:blipFill>
+          <a:blip r:embed="rId3">
+            <a:duotone>
+              <a:schemeClr val="bg2"/>
+              <a:srgbClr val="FFF1C1"/>
+            </a:duotone>
+          </a:blip>
+          <a:stretch>
+            <a:fillRect/>
+          </a:stretch>
+        </p:blipFill>
+        <p:spPr>
+          <a:xfrm>
+            <a:off x="8135908" y="0"/>
+            <a:ext cx="1008093" cy="1071552"/>
+          </a:xfrm>
+          <a:prstGeom prst="rect">
+            <a:avLst/>
+          </a:prstGeom>
+          <a:noFill/>
+          <a:ln>
+            <a:noFill/>
+          </a:ln>
+        </p:spPr>
+      </p:pic>
     </p:spTree>
   </p:cSld>
   <p:clrMapOvr>
@@ -2709,6 +3295,54 @@
       </p:grpSpPr>
       <p:sp>
         <p:nvSpPr>
+          <p:cNvPr id="5" name="矩形 4"/>
+          <p:cNvSpPr/>
+          <p:nvPr/>
+        </p:nvSpPr>
+        <p:spPr>
+          <a:xfrm>
+            <a:off x="0" y="0"/>
+            <a:ext cx="669600" cy="5143500"/>
+          </a:xfrm>
+          <a:prstGeom prst="rect">
+            <a:avLst/>
+          </a:prstGeom>
+          <a:blipFill>
+            <a:blip r:embed="rId2">
+              <a:alphaModFix amt="40000"/>
+            </a:blip>
+            <a:tile tx="0" ty="0" sx="50000" sy="50000" flip="x" algn="tl"/>
+          </a:blipFill>
+          <a:ln w="25400" cap="rnd" cmpd="sng" algn="ctr">
+            <a:noFill/>
+            <a:prstDash val="solid"/>
+          </a:ln>
+        </p:spPr>
+        <p:style>
+          <a:lnRef idx="2">
+            <a:schemeClr val="accent1"/>
+          </a:lnRef>
+          <a:fillRef idx="1">
+            <a:schemeClr val="accent1"/>
+          </a:fillRef>
+          <a:effectRef idx="0">
+            <a:schemeClr val="accent1"/>
+          </a:effectRef>
+          <a:fontRef idx="minor">
+            <a:schemeClr val="lt1"/>
+          </a:fontRef>
+        </p:style>
+        <p:txBody>
+          <a:bodyPr rtlCol="0" anchor="ctr"/>
+          <a:lstStyle/>
+          <a:p>
+            <a:pPr algn="ctr" eaLnBrk="1" latinLnBrk="0" hangingPunct="1"/>
+            <a:endParaRPr kumimoji="0" lang="zh-CN" altLang="en-US"/>
+          </a:p>
+        </p:txBody>
+      </p:sp>
+      <p:sp>
+        <p:nvSpPr>
           <p:cNvPr id="2" name="日期占位符 1"/>
           <p:cNvSpPr>
             <a:spLocks noGrp="1"/>
@@ -2724,7 +3358,7 @@
           <a:p>
             <a:fld id="{530820CF-B880-4189-942D-D702A7CBA730}" type="datetimeFigureOut">
               <a:rPr lang="zh-CN" altLang="en-US" smtClean="0"/>
-              <a:t>2013/11/28</a:t>
+              <a:t>2017/11/9</a:t>
             </a:fld>
             <a:endParaRPr lang="zh-CN" altLang="en-US"/>
           </a:p>
@@ -2772,6 +3406,39 @@
           </a:p>
         </p:txBody>
       </p:sp>
+      <p:pic>
+        <p:nvPicPr>
+          <p:cNvPr id="6" name="图片 5"/>
+          <p:cNvPicPr>
+            <a:picLocks noChangeAspect="1"/>
+          </p:cNvPicPr>
+          <p:nvPr/>
+        </p:nvPicPr>
+        <p:blipFill>
+          <a:blip r:embed="rId3">
+            <a:duotone>
+              <a:schemeClr val="bg2"/>
+              <a:srgbClr val="FFF1C1"/>
+            </a:duotone>
+          </a:blip>
+          <a:stretch>
+            <a:fillRect/>
+          </a:stretch>
+        </p:blipFill>
+        <p:spPr>
+          <a:xfrm>
+            <a:off x="8135908" y="0"/>
+            <a:ext cx="1008093" cy="1071552"/>
+          </a:xfrm>
+          <a:prstGeom prst="rect">
+            <a:avLst/>
+          </a:prstGeom>
+          <a:noFill/>
+          <a:ln>
+            <a:noFill/>
+          </a:ln>
+        </p:spPr>
+      </p:pic>
     </p:spTree>
   </p:cSld>
   <p:clrMapOvr>
@@ -2799,33 +3466,99 @@
       </p:grpSpPr>
       <p:sp>
         <p:nvSpPr>
-          <p:cNvPr id="2" name="标题 1"/>
-          <p:cNvSpPr>
-            <a:spLocks noGrp="1"/>
-          </p:cNvSpPr>
-          <p:nvPr>
-            <p:ph type="title"/>
-          </p:nvPr>
+          <p:cNvPr id="8" name="矩形 7"/>
+          <p:cNvSpPr/>
+          <p:nvPr/>
         </p:nvSpPr>
         <p:spPr>
           <a:xfrm>
-            <a:off x="457200" y="273050"/>
-            <a:ext cx="3008313" cy="1162050"/>
+            <a:off x="0" y="0"/>
+            <a:ext cx="673200" cy="5143500"/>
+          </a:xfrm>
+          <a:prstGeom prst="rect">
+            <a:avLst/>
+          </a:prstGeom>
+          <a:blipFill>
+            <a:blip r:embed="rId2">
+              <a:alphaModFix amt="40000"/>
+            </a:blip>
+            <a:tile tx="0" ty="0" sx="50000" sy="50000" flip="x" algn="tl"/>
+          </a:blipFill>
+          <a:ln w="25400" cap="rnd" cmpd="sng" algn="ctr">
+            <a:noFill/>
+            <a:prstDash val="solid"/>
+          </a:ln>
+        </p:spPr>
+        <p:style>
+          <a:lnRef idx="2">
+            <a:schemeClr val="accent1"/>
+          </a:lnRef>
+          <a:fillRef idx="1">
+            <a:schemeClr val="accent1"/>
+          </a:fillRef>
+          <a:effectRef idx="0">
+            <a:schemeClr val="accent1"/>
+          </a:effectRef>
+          <a:fontRef idx="minor">
+            <a:schemeClr val="lt1"/>
+          </a:fontRef>
+        </p:style>
+        <p:txBody>
+          <a:bodyPr rtlCol="0" anchor="ctr"/>
+          <a:lstStyle/>
+          <a:p>
+            <a:pPr algn="ctr" eaLnBrk="1" latinLnBrk="0" hangingPunct="1"/>
+            <a:endParaRPr kumimoji="0" lang="zh-CN" altLang="en-US"/>
+          </a:p>
+        </p:txBody>
+      </p:sp>
+      <p:sp>
+        <p:nvSpPr>
+          <p:cNvPr id="2" name="标题 1"/>
+          <p:cNvSpPr>
+            <a:spLocks noGrp="1"/>
+          </p:cNvSpPr>
+          <p:nvPr>
+            <p:ph type="title"/>
+          </p:nvPr>
+        </p:nvSpPr>
+        <p:spPr>
+          <a:xfrm>
+            <a:off x="461176" y="4018370"/>
+            <a:ext cx="8226225" cy="576021"/>
           </a:xfrm>
         </p:spPr>
         <p:txBody>
-          <a:bodyPr anchor="b"/>
+          <a:bodyPr anchor="ctr"/>
           <a:lstStyle>
-            <a:lvl1pPr algn="l">
-              <a:defRPr sz="2000" b="1"/>
+            <a:lvl1pPr algn="ctr">
+              <a:defRPr lang="zh-CN" altLang="en-US" sz="3600" b="0" kern="1200" spc="50" dirty="0">
+                <a:ln w="12700">
+                  <a:noFill/>
+                  <a:prstDash val="solid"/>
+                </a:ln>
+                <a:solidFill>
+                  <a:schemeClr val="accent4"/>
+                </a:solidFill>
+                <a:effectLst>
+                  <a:outerShdw blurRad="38100" dist="20320" dir="2700000" algn="tl" rotWithShape="0">
+                    <a:srgbClr val="000000">
+                      <a:alpha val="70000"/>
+                    </a:srgbClr>
+                  </a:outerShdw>
+                </a:effectLst>
+                <a:latin typeface="+mj-lt"/>
+                <a:ea typeface="+mj-ea"/>
+                <a:cs typeface="+mj-cs"/>
+              </a:defRPr>
             </a:lvl1pPr>
           </a:lstStyle>
           <a:p>
             <a:r>
-              <a:rPr lang="zh-CN" altLang="en-US" smtClean="0"/>
+              <a:rPr kumimoji="0" lang="zh-CN" altLang="en-US" smtClean="0"/>
               <a:t>单击此处编辑母版标题样式</a:t>
             </a:r>
-            <a:endParaRPr lang="zh-CN" altLang="en-US"/>
+            <a:endParaRPr kumimoji="0" lang="en-US"/>
           </a:p>
         </p:txBody>
       </p:sp>
@@ -2841,8 +3574,8 @@
         </p:nvSpPr>
         <p:spPr>
           <a:xfrm>
-            <a:off x="3575050" y="273050"/>
-            <a:ext cx="5111750" cy="5853113"/>
+            <a:off x="460382" y="321453"/>
+            <a:ext cx="5111750" cy="3643339"/>
           </a:xfrm>
         </p:spPr>
         <p:txBody>
@@ -2877,40 +3610,40 @@
             </a:lvl9pPr>
           </a:lstStyle>
           <a:p>
-            <a:pPr lvl="0"/>
+            <a:pPr lvl="0" eaLnBrk="1" latinLnBrk="0" hangingPunct="1"/>
             <a:r>
               <a:rPr lang="zh-CN" altLang="en-US" smtClean="0"/>
               <a:t>单击此处编辑母版文本样式</a:t>
             </a:r>
           </a:p>
           <a:p>
-            <a:pPr lvl="1"/>
+            <a:pPr lvl="1" eaLnBrk="1" latinLnBrk="0" hangingPunct="1"/>
             <a:r>
               <a:rPr lang="zh-CN" altLang="en-US" smtClean="0"/>
               <a:t>第二级</a:t>
             </a:r>
           </a:p>
           <a:p>
-            <a:pPr lvl="2"/>
+            <a:pPr lvl="2" eaLnBrk="1" latinLnBrk="0" hangingPunct="1"/>
             <a:r>
               <a:rPr lang="zh-CN" altLang="en-US" smtClean="0"/>
               <a:t>第三级</a:t>
             </a:r>
           </a:p>
           <a:p>
-            <a:pPr lvl="3"/>
+            <a:pPr lvl="3" eaLnBrk="1" latinLnBrk="0" hangingPunct="1"/>
             <a:r>
               <a:rPr lang="zh-CN" altLang="en-US" smtClean="0"/>
               <a:t>第四级</a:t>
             </a:r>
           </a:p>
           <a:p>
-            <a:pPr lvl="4"/>
+            <a:pPr lvl="4" eaLnBrk="1" latinLnBrk="0" hangingPunct="1"/>
             <a:r>
               <a:rPr lang="zh-CN" altLang="en-US" smtClean="0"/>
               <a:t>第五级</a:t>
             </a:r>
-            <a:endParaRPr lang="zh-CN" altLang="en-US"/>
+            <a:endParaRPr kumimoji="0" lang="en-US"/>
           </a:p>
         </p:txBody>
       </p:sp>
@@ -2926,8 +3659,8 @@
         </p:nvSpPr>
         <p:spPr>
           <a:xfrm>
-            <a:off x="457200" y="1435100"/>
-            <a:ext cx="3008313" cy="4691063"/>
+            <a:off x="5679087" y="1017973"/>
+            <a:ext cx="3008313" cy="2946818"/>
           </a:xfrm>
         </p:spPr>
         <p:txBody>
@@ -2971,12 +3704,41 @@
             </a:lvl9pPr>
           </a:lstStyle>
           <a:p>
-            <a:pPr lvl="0"/>
+            <a:pPr lvl="0" eaLnBrk="1" latinLnBrk="0" hangingPunct="1"/>
             <a:r>
               <a:rPr lang="zh-CN" altLang="en-US" smtClean="0"/>
               <a:t>单击此处编辑母版文本样式</a:t>
             </a:r>
           </a:p>
+          <a:p>
+            <a:pPr lvl="1" eaLnBrk="1" latinLnBrk="0" hangingPunct="1"/>
+            <a:r>
+              <a:rPr lang="zh-CN" altLang="en-US" smtClean="0"/>
+              <a:t>第二级</a:t>
+            </a:r>
+          </a:p>
+          <a:p>
+            <a:pPr lvl="2" eaLnBrk="1" latinLnBrk="0" hangingPunct="1"/>
+            <a:r>
+              <a:rPr lang="zh-CN" altLang="en-US" smtClean="0"/>
+              <a:t>第三级</a:t>
+            </a:r>
+          </a:p>
+          <a:p>
+            <a:pPr lvl="3" eaLnBrk="1" latinLnBrk="0" hangingPunct="1"/>
+            <a:r>
+              <a:rPr lang="zh-CN" altLang="en-US" smtClean="0"/>
+              <a:t>第四级</a:t>
+            </a:r>
+          </a:p>
+          <a:p>
+            <a:pPr lvl="4" eaLnBrk="1" latinLnBrk="0" hangingPunct="1"/>
+            <a:r>
+              <a:rPr lang="zh-CN" altLang="en-US" smtClean="0"/>
+              <a:t>第五级</a:t>
+            </a:r>
+            <a:endParaRPr kumimoji="0" lang="en-US"/>
+          </a:p>
         </p:txBody>
       </p:sp>
       <p:sp>
@@ -2996,7 +3758,7 @@
           <a:p>
             <a:fld id="{530820CF-B880-4189-942D-D702A7CBA730}" type="datetimeFigureOut">
               <a:rPr lang="zh-CN" altLang="en-US" smtClean="0"/>
-              <a:t>2013/11/28</a:t>
+              <a:t>2017/11/9</a:t>
             </a:fld>
             <a:endParaRPr lang="zh-CN" altLang="en-US"/>
           </a:p>
@@ -3044,6 +3806,39 @@
           </a:p>
         </p:txBody>
       </p:sp>
+      <p:pic>
+        <p:nvPicPr>
+          <p:cNvPr id="9" name="图片 8"/>
+          <p:cNvPicPr>
+            <a:picLocks noChangeAspect="1"/>
+          </p:cNvPicPr>
+          <p:nvPr/>
+        </p:nvPicPr>
+        <p:blipFill>
+          <a:blip r:embed="rId3">
+            <a:duotone>
+              <a:schemeClr val="bg2"/>
+              <a:srgbClr val="FFF1C1"/>
+            </a:duotone>
+          </a:blip>
+          <a:stretch>
+            <a:fillRect/>
+          </a:stretch>
+        </p:blipFill>
+        <p:spPr>
+          <a:xfrm>
+            <a:off x="8135908" y="0"/>
+            <a:ext cx="1008093" cy="1071552"/>
+          </a:xfrm>
+          <a:prstGeom prst="rect">
+            <a:avLst/>
+          </a:prstGeom>
+          <a:noFill/>
+          <a:ln>
+            <a:noFill/>
+          </a:ln>
+        </p:spPr>
+      </p:pic>
     </p:spTree>
   </p:cSld>
   <p:clrMapOvr>
@@ -3071,33 +3866,103 @@
       </p:grpSpPr>
       <p:sp>
         <p:nvSpPr>
-          <p:cNvPr id="2" name="标题 1"/>
-          <p:cNvSpPr>
-            <a:spLocks noGrp="1"/>
-          </p:cNvSpPr>
-          <p:nvPr>
-            <p:ph type="title"/>
-          </p:nvPr>
+          <p:cNvPr id="8" name="矩形 7"/>
+          <p:cNvSpPr/>
+          <p:nvPr/>
         </p:nvSpPr>
         <p:spPr>
           <a:xfrm>
-            <a:off x="1792288" y="4800600"/>
-            <a:ext cx="5486400" cy="566738"/>
+            <a:off x="0" y="0"/>
+            <a:ext cx="669600" cy="5143500"/>
+          </a:xfrm>
+          <a:prstGeom prst="rect">
+            <a:avLst/>
+          </a:prstGeom>
+          <a:blipFill>
+            <a:blip r:embed="rId2">
+              <a:alphaModFix amt="40000"/>
+            </a:blip>
+            <a:tile tx="0" ty="0" sx="50000" sy="50000" flip="x" algn="tl"/>
+          </a:blipFill>
+          <a:ln w="25400" cap="rnd" cmpd="sng" algn="ctr">
+            <a:noFill/>
+            <a:prstDash val="solid"/>
+          </a:ln>
+        </p:spPr>
+        <p:style>
+          <a:lnRef idx="2">
+            <a:schemeClr val="accent1"/>
+          </a:lnRef>
+          <a:fillRef idx="1">
+            <a:schemeClr val="accent1"/>
+          </a:fillRef>
+          <a:effectRef idx="0">
+            <a:schemeClr val="accent1"/>
+          </a:effectRef>
+          <a:fontRef idx="minor">
+            <a:schemeClr val="lt1"/>
+          </a:fontRef>
+        </p:style>
+        <p:txBody>
+          <a:bodyPr rtlCol="0" anchor="ctr"/>
+          <a:lstStyle/>
+          <a:p>
+            <a:pPr algn="ctr" eaLnBrk="1" latinLnBrk="0" hangingPunct="1"/>
+            <a:endParaRPr kumimoji="0" lang="zh-CN" altLang="en-US"/>
+          </a:p>
+        </p:txBody>
+      </p:sp>
+      <p:sp>
+        <p:nvSpPr>
+          <p:cNvPr id="2" name="标题 1"/>
+          <p:cNvSpPr>
+            <a:spLocks noGrp="1"/>
+          </p:cNvSpPr>
+          <p:nvPr>
+            <p:ph type="title"/>
+          </p:nvPr>
+        </p:nvSpPr>
+        <p:spPr>
+          <a:xfrm>
+            <a:off x="695298" y="160718"/>
+            <a:ext cx="7448602" cy="585789"/>
           </a:xfrm>
         </p:spPr>
         <p:txBody>
-          <a:bodyPr anchor="b"/>
+          <a:bodyPr anchor="ctr"/>
           <a:lstStyle>
-            <a:lvl1pPr algn="l">
-              <a:defRPr sz="2000" b="1"/>
+            <a:lvl1pPr algn="ctr" rtl="0">
+              <a:spcBef>
+                <a:spcPct val="0"/>
+              </a:spcBef>
+              <a:buNone/>
+              <a:defRPr sz="3600" b="0" kern="1200" spc="50">
+                <a:ln w="12700">
+                  <a:noFill/>
+                  <a:prstDash val="solid"/>
+                </a:ln>
+                <a:solidFill>
+                  <a:schemeClr val="accent4"/>
+                </a:solidFill>
+                <a:effectLst>
+                  <a:outerShdw blurRad="38100" dist="20320" dir="2700000" algn="tl" rotWithShape="0">
+                    <a:srgbClr val="000000">
+                      <a:alpha val="70000"/>
+                    </a:srgbClr>
+                  </a:outerShdw>
+                </a:effectLst>
+                <a:latin typeface="+mj-lt"/>
+                <a:ea typeface="+mj-ea"/>
+                <a:cs typeface="+mj-cs"/>
+              </a:defRPr>
             </a:lvl1pPr>
           </a:lstStyle>
           <a:p>
             <a:r>
-              <a:rPr lang="zh-CN" altLang="en-US" smtClean="0"/>
+              <a:rPr kumimoji="0" lang="zh-CN" altLang="en-US" smtClean="0"/>
               <a:t>单击此处编辑母版标题样式</a:t>
             </a:r>
-            <a:endParaRPr lang="zh-CN" altLang="en-US"/>
+            <a:endParaRPr kumimoji="0" lang="en-US"/>
           </a:p>
         </p:txBody>
       </p:sp>
@@ -3113,10 +3978,30 @@
         </p:nvSpPr>
         <p:spPr>
           <a:xfrm>
-            <a:off x="1792288" y="612775"/>
-            <a:ext cx="5486400" cy="4114800"/>
+            <a:off x="681015" y="750081"/>
+            <a:ext cx="7452360" cy="3911231"/>
           </a:xfrm>
+          <a:prstGeom prst="snip2DiagRect">
+            <a:avLst>
+              <a:gd name="adj1" fmla="val 0"/>
+              <a:gd name="adj2" fmla="val 17946"/>
+            </a:avLst>
+          </a:prstGeom>
         </p:spPr>
+        <p:style>
+          <a:lnRef idx="2">
+            <a:schemeClr val="accent1"/>
+          </a:lnRef>
+          <a:fillRef idx="1">
+            <a:schemeClr val="lt1"/>
+          </a:fillRef>
+          <a:effectRef idx="0">
+            <a:schemeClr val="accent1"/>
+          </a:effectRef>
+          <a:fontRef idx="minor">
+            <a:schemeClr val="dk1"/>
+          </a:fontRef>
+        </p:style>
         <p:txBody>
           <a:bodyPr/>
           <a:lstStyle>
@@ -3158,7 +4043,11 @@
             </a:lvl9pPr>
           </a:lstStyle>
           <a:p>
-            <a:endParaRPr lang="zh-CN" altLang="en-US"/>
+            <a:r>
+              <a:rPr kumimoji="0" lang="zh-CN" altLang="en-US" smtClean="0"/>
+              <a:t>单击图标添加图片</a:t>
+            </a:r>
+            <a:endParaRPr kumimoji="0" lang="en-US"/>
           </a:p>
         </p:txBody>
       </p:sp>
@@ -3174,30 +4063,30 @@
         </p:nvSpPr>
         <p:spPr>
           <a:xfrm>
-            <a:off x="1792288" y="5367338"/>
-            <a:ext cx="5486400" cy="804862"/>
+            <a:off x="4953001" y="4682725"/>
+            <a:ext cx="3180375" cy="460775"/>
           </a:xfrm>
         </p:spPr>
         <p:txBody>
-          <a:bodyPr/>
+          <a:bodyPr anchor="t"/>
           <a:lstStyle>
-            <a:lvl1pPr marL="0" indent="0">
+            <a:lvl1pPr marL="0" indent="0" algn="r">
               <a:buNone/>
               <a:defRPr sz="1400"/>
             </a:lvl1pPr>
-            <a:lvl2pPr marL="457200" indent="0">
+            <a:lvl2pPr marL="457200" indent="0" algn="r">
               <a:buNone/>
               <a:defRPr sz="1200"/>
             </a:lvl2pPr>
-            <a:lvl3pPr marL="914400" indent="0">
+            <a:lvl3pPr marL="914400" indent="0" algn="r">
               <a:buNone/>
               <a:defRPr sz="1000"/>
             </a:lvl3pPr>
-            <a:lvl4pPr marL="1371600" indent="0">
+            <a:lvl4pPr marL="1371600" indent="0" algn="r">
               <a:buNone/>
               <a:defRPr sz="900"/>
             </a:lvl4pPr>
-            <a:lvl5pPr marL="1828800" indent="0">
+            <a:lvl5pPr marL="1828800" indent="0" algn="r">
               <a:buNone/>
               <a:defRPr sz="900"/>
             </a:lvl5pPr>
@@ -3219,9 +4108,9 @@
             </a:lvl9pPr>
           </a:lstStyle>
           <a:p>
-            <a:pPr lvl="0"/>
-            <a:r>
-              <a:rPr lang="zh-CN" altLang="en-US" smtClean="0"/>
+            <a:pPr lvl="0" eaLnBrk="1" latinLnBrk="0" hangingPunct="1"/>
+            <a:r>
+              <a:rPr kumimoji="0" lang="zh-CN" altLang="en-US" smtClean="0"/>
               <a:t>单击此处编辑母版文本样式</a:t>
             </a:r>
           </a:p>
@@ -3237,14 +4126,19 @@
             <p:ph type="dt" sz="half" idx="10"/>
           </p:nvPr>
         </p:nvSpPr>
-        <p:spPr/>
+        <p:spPr>
+          <a:xfrm>
+            <a:off x="609600" y="4869659"/>
+            <a:ext cx="1676384" cy="273844"/>
+          </a:xfrm>
+        </p:spPr>
         <p:txBody>
           <a:bodyPr/>
           <a:lstStyle/>
           <a:p>
             <a:fld id="{530820CF-B880-4189-942D-D702A7CBA730}" type="datetimeFigureOut">
               <a:rPr lang="zh-CN" altLang="en-US" smtClean="0"/>
-              <a:t>2013/11/28</a:t>
+              <a:t>2017/11/9</a:t>
             </a:fld>
             <a:endParaRPr lang="zh-CN" altLang="en-US"/>
           </a:p>
@@ -3260,7 +4154,12 @@
             <p:ph type="ftr" sz="quarter" idx="11"/>
           </p:nvPr>
         </p:nvSpPr>
-        <p:spPr/>
+        <p:spPr>
+          <a:xfrm>
+            <a:off x="2285984" y="4869657"/>
+            <a:ext cx="2643206" cy="273844"/>
+          </a:xfrm>
+        </p:spPr>
         <p:txBody>
           <a:bodyPr/>
           <a:lstStyle/>
@@ -3279,7 +4178,30 @@
             <p:ph type="sldNum" sz="quarter" idx="12"/>
           </p:nvPr>
         </p:nvSpPr>
-        <p:spPr/>
+        <p:spPr>
+          <a:xfrm>
+            <a:off x="683073" y="4010254"/>
+            <a:ext cx="871200" cy="653400"/>
+          </a:xfrm>
+          <a:prstGeom prst="rtTriangle">
+            <a:avLst/>
+          </a:prstGeom>
+          <a:noFill/>
+        </p:spPr>
+        <p:style>
+          <a:lnRef idx="2">
+            <a:schemeClr val="accent1"/>
+          </a:lnRef>
+          <a:fillRef idx="1">
+            <a:schemeClr val="lt1"/>
+          </a:fillRef>
+          <a:effectRef idx="0">
+            <a:schemeClr val="accent1"/>
+          </a:effectRef>
+          <a:fontRef idx="minor">
+            <a:schemeClr val="dk1"/>
+          </a:fontRef>
+        </p:style>
         <p:txBody>
           <a:bodyPr/>
           <a:lstStyle/>
@@ -3292,6 +4214,39 @@
           </a:p>
         </p:txBody>
       </p:sp>
+      <p:pic>
+        <p:nvPicPr>
+          <p:cNvPr id="9" name="图片 8"/>
+          <p:cNvPicPr>
+            <a:picLocks noChangeAspect="1"/>
+          </p:cNvPicPr>
+          <p:nvPr/>
+        </p:nvPicPr>
+        <p:blipFill>
+          <a:blip r:embed="rId3">
+            <a:duotone>
+              <a:schemeClr val="bg2"/>
+              <a:srgbClr val="FFF1C1"/>
+            </a:duotone>
+          </a:blip>
+          <a:stretch>
+            <a:fillRect/>
+          </a:stretch>
+        </p:blipFill>
+        <p:spPr>
+          <a:xfrm>
+            <a:off x="8135908" y="0"/>
+            <a:ext cx="1008093" cy="1071552"/>
+          </a:xfrm>
+          <a:prstGeom prst="rect">
+            <a:avLst/>
+          </a:prstGeom>
+          <a:noFill/>
+          <a:ln>
+            <a:noFill/>
+          </a:ln>
+        </p:spPr>
+      </p:pic>
     </p:spTree>
   </p:cSld>
   <p:clrMapOvr>
@@ -3305,7 +4260,7 @@
   <p:cSld>
     <p:bg>
       <p:bgRef idx="1001">
-        <a:schemeClr val="bg1"/>
+        <a:schemeClr val="bg2"/>
       </p:bgRef>
     </p:bg>
     <p:spTree>
@@ -3334,24 +4289,31 @@
         </p:nvSpPr>
         <p:spPr>
           <a:xfrm>
-            <a:off x="457200" y="274638"/>
-            <a:ext cx="8229600" cy="1143000"/>
+            <a:off x="457200" y="205979"/>
+            <a:ext cx="7776000" cy="857250"/>
           </a:xfrm>
           <a:prstGeom prst="rect">
             <a:avLst/>
           </a:prstGeom>
         </p:spPr>
         <p:txBody>
-          <a:bodyPr vert="horz" lIns="91440" tIns="45720" rIns="91440" bIns="45720" rtlCol="0" anchor="ctr">
+          <a:bodyPr vert="horz" rtlCol="0" anchor="ctr">
             <a:normAutofit/>
+            <a:scene3d>
+              <a:camera prst="orthographicFront"/>
+              <a:lightRig rig="soft" dir="t"/>
+            </a:scene3d>
+            <a:sp3d prstMaterial="matte">
+              <a:bevelT w="12700" h="12700"/>
+            </a:sp3d>
           </a:bodyPr>
           <a:lstStyle/>
           <a:p>
             <a:r>
-              <a:rPr lang="zh-CN" altLang="en-US" smtClean="0"/>
+              <a:rPr kumimoji="0" lang="zh-CN" altLang="en-US" smtClean="0"/>
               <a:t>单击此处编辑母版标题样式</a:t>
             </a:r>
-            <a:endParaRPr lang="zh-CN" altLang="en-US"/>
+            <a:endParaRPr kumimoji="0" lang="en-US"/>
           </a:p>
         </p:txBody>
       </p:sp>
@@ -3367,53 +4329,53 @@
         </p:nvSpPr>
         <p:spPr>
           <a:xfrm>
-            <a:off x="457200" y="1600200"/>
-            <a:ext cx="8229600" cy="4525963"/>
+            <a:off x="457200" y="1200151"/>
+            <a:ext cx="8229600" cy="3394472"/>
           </a:xfrm>
           <a:prstGeom prst="rect">
             <a:avLst/>
           </a:prstGeom>
         </p:spPr>
         <p:txBody>
-          <a:bodyPr vert="horz" lIns="91440" tIns="45720" rIns="91440" bIns="45720" rtlCol="0">
+          <a:bodyPr vert="horz" rtlCol="0">
             <a:normAutofit/>
           </a:bodyPr>
           <a:lstStyle/>
           <a:p>
-            <a:pPr lvl="0"/>
-            <a:r>
-              <a:rPr lang="zh-CN" altLang="en-US" smtClean="0"/>
+            <a:pPr lvl="0" eaLnBrk="1" latinLnBrk="0" hangingPunct="1"/>
+            <a:r>
+              <a:rPr kumimoji="0" lang="zh-CN" altLang="en-US" smtClean="0"/>
               <a:t>单击此处编辑母版文本样式</a:t>
             </a:r>
           </a:p>
           <a:p>
-            <a:pPr lvl="1"/>
-            <a:r>
-              <a:rPr lang="zh-CN" altLang="en-US" smtClean="0"/>
+            <a:pPr lvl="1" eaLnBrk="1" latinLnBrk="0" hangingPunct="1"/>
+            <a:r>
+              <a:rPr kumimoji="0" lang="zh-CN" altLang="en-US" smtClean="0"/>
               <a:t>第二级</a:t>
             </a:r>
           </a:p>
           <a:p>
-            <a:pPr lvl="2"/>
-            <a:r>
-              <a:rPr lang="zh-CN" altLang="en-US" smtClean="0"/>
+            <a:pPr lvl="2" eaLnBrk="1" latinLnBrk="0" hangingPunct="1"/>
+            <a:r>
+              <a:rPr kumimoji="0" lang="zh-CN" altLang="en-US" smtClean="0"/>
               <a:t>第三级</a:t>
             </a:r>
           </a:p>
           <a:p>
-            <a:pPr lvl="3"/>
-            <a:r>
-              <a:rPr lang="zh-CN" altLang="en-US" smtClean="0"/>
+            <a:pPr lvl="3" eaLnBrk="1" latinLnBrk="0" hangingPunct="1"/>
+            <a:r>
+              <a:rPr kumimoji="0" lang="zh-CN" altLang="en-US" smtClean="0"/>
               <a:t>第四级</a:t>
             </a:r>
           </a:p>
           <a:p>
-            <a:pPr lvl="4"/>
-            <a:r>
-              <a:rPr lang="zh-CN" altLang="en-US" smtClean="0"/>
+            <a:pPr lvl="4" eaLnBrk="1" latinLnBrk="0" hangingPunct="1"/>
+            <a:r>
+              <a:rPr kumimoji="0" lang="zh-CN" altLang="en-US" smtClean="0"/>
               <a:t>第五级</a:t>
             </a:r>
-            <a:endParaRPr lang="zh-CN" altLang="en-US"/>
+            <a:endParaRPr kumimoji="0" lang="en-US"/>
           </a:p>
         </p:txBody>
       </p:sp>
@@ -3429,22 +4391,20 @@
         </p:nvSpPr>
         <p:spPr>
           <a:xfrm>
-            <a:off x="457200" y="6356350"/>
-            <a:ext cx="2133600" cy="365125"/>
+            <a:off x="457200" y="4767263"/>
+            <a:ext cx="2133600" cy="273844"/>
           </a:xfrm>
           <a:prstGeom prst="rect">
             <a:avLst/>
           </a:prstGeom>
         </p:spPr>
         <p:txBody>
-          <a:bodyPr vert="horz" lIns="91440" tIns="45720" rIns="91440" bIns="45720" rtlCol="0" anchor="ctr"/>
+          <a:bodyPr vert="horz" lIns="274320" rtlCol="0" anchor="ctr"/>
           <a:lstStyle>
-            <a:lvl1pPr algn="l">
-              <a:defRPr sz="1200">
+            <a:lvl1pPr algn="l" eaLnBrk="1" latinLnBrk="0" hangingPunct="1">
+              <a:defRPr kumimoji="0" sz="1200">
                 <a:solidFill>
-                  <a:schemeClr val="tx1">
-                    <a:tint val="75000"/>
-                  </a:schemeClr>
+                  <a:schemeClr val="tx1"/>
                 </a:solidFill>
               </a:defRPr>
             </a:lvl1pPr>
@@ -3452,7 +4412,7 @@
           <a:p>
             <a:fld id="{530820CF-B880-4189-942D-D702A7CBA730}" type="datetimeFigureOut">
               <a:rPr lang="zh-CN" altLang="en-US" smtClean="0"/>
-              <a:t>2013/11/28</a:t>
+              <a:t>2017/11/9</a:t>
             </a:fld>
             <a:endParaRPr lang="zh-CN" altLang="en-US"/>
           </a:p>
@@ -3470,22 +4430,20 @@
         </p:nvSpPr>
         <p:spPr>
           <a:xfrm>
-            <a:off x="3124200" y="6356350"/>
-            <a:ext cx="2895600" cy="365125"/>
+            <a:off x="3124200" y="4767263"/>
+            <a:ext cx="2895600" cy="273844"/>
           </a:xfrm>
           <a:prstGeom prst="rect">
             <a:avLst/>
           </a:prstGeom>
         </p:spPr>
         <p:txBody>
-          <a:bodyPr vert="horz" lIns="91440" tIns="45720" rIns="91440" bIns="45720" rtlCol="0" anchor="ctr"/>
+          <a:bodyPr vert="horz" rtlCol="0" anchor="ctr"/>
           <a:lstStyle>
-            <a:lvl1pPr algn="ctr">
-              <a:defRPr sz="1200">
+            <a:lvl1pPr algn="ctr" eaLnBrk="1" latinLnBrk="0" hangingPunct="1">
+              <a:defRPr kumimoji="0" sz="1200">
                 <a:solidFill>
-                  <a:schemeClr val="tx1">
-                    <a:tint val="75000"/>
-                  </a:schemeClr>
+                  <a:schemeClr val="tx1"/>
                 </a:solidFill>
               </a:defRPr>
             </a:lvl1pPr>
@@ -3507,22 +4465,20 @@
         </p:nvSpPr>
         <p:spPr>
           <a:xfrm>
-            <a:off x="6553200" y="6356350"/>
-            <a:ext cx="2133600" cy="365125"/>
+            <a:off x="6553200" y="4767263"/>
+            <a:ext cx="2133600" cy="273844"/>
           </a:xfrm>
           <a:prstGeom prst="rect">
             <a:avLst/>
           </a:prstGeom>
         </p:spPr>
         <p:txBody>
-          <a:bodyPr vert="horz" lIns="91440" tIns="45720" rIns="91440" bIns="45720" rtlCol="0" anchor="ctr"/>
+          <a:bodyPr vert="horz" lIns="45720" tIns="45720" rIns="45720" rtlCol="0" anchor="ctr"/>
           <a:lstStyle>
-            <a:lvl1pPr algn="r">
-              <a:defRPr sz="1200">
+            <a:lvl1pPr algn="r" eaLnBrk="1" latinLnBrk="0" hangingPunct="1">
+              <a:defRPr kumimoji="0" sz="1200">
                 <a:solidFill>
-                  <a:schemeClr val="tx1">
-                    <a:tint val="75000"/>
-                  </a:schemeClr>
+                  <a:schemeClr val="tx1"/>
                 </a:solidFill>
               </a:defRPr>
             </a:lvl1pPr>
@@ -3538,45 +4494,116 @@
       </p:sp>
     </p:spTree>
   </p:cSld>
-  <p:clrMap bg1="lt1" tx1="dk1" bg2="lt2" tx2="dk2" accent1="accent1" accent2="accent2" accent3="accent3" accent4="accent4" accent5="accent5" accent6="accent6" hlink="hlink" folHlink="folHlink"/>
+  <p:clrMap bg1="dk1" tx1="lt1" bg2="dk2" tx2="lt2" accent1="accent1" accent2="accent2" accent3="accent3" accent4="accent4" accent5="accent5" accent6="accent6" hlink="hlink" folHlink="folHlink"/>
   <p:sldLayoutIdLst>
-    <p:sldLayoutId id="2147483649" r:id="rId1"/>
-    <p:sldLayoutId id="2147483650" r:id="rId2"/>
-    <p:sldLayoutId id="2147483651" r:id="rId3"/>
-    <p:sldLayoutId id="2147483652" r:id="rId4"/>
-    <p:sldLayoutId id="2147483653" r:id="rId5"/>
-    <p:sldLayoutId id="2147483654" r:id="rId6"/>
-    <p:sldLayoutId id="2147483655" r:id="rId7"/>
-    <p:sldLayoutId id="2147483656" r:id="rId8"/>
-    <p:sldLayoutId id="2147483657" r:id="rId9"/>
-    <p:sldLayoutId id="2147483658" r:id="rId10"/>
-    <p:sldLayoutId id="2147483659" r:id="rId11"/>
+    <p:sldLayoutId id="2147483661" r:id="rId1"/>
+    <p:sldLayoutId id="2147483662" r:id="rId2"/>
+    <p:sldLayoutId id="2147483663" r:id="rId3"/>
+    <p:sldLayoutId id="2147483664" r:id="rId4"/>
+    <p:sldLayoutId id="2147483665" r:id="rId5"/>
+    <p:sldLayoutId id="2147483666" r:id="rId6"/>
+    <p:sldLayoutId id="2147483667" r:id="rId7"/>
+    <p:sldLayoutId id="2147483668" r:id="rId8"/>
+    <p:sldLayoutId id="2147483669" r:id="rId9"/>
+    <p:sldLayoutId id="2147483670" r:id="rId10"/>
+    <p:sldLayoutId id="2147483671" r:id="rId11"/>
   </p:sldLayoutIdLst>
   <p:txStyles>
     <p:titleStyle>
-      <a:lvl1pPr algn="ctr" defTabSz="914400" rtl="0" eaLnBrk="1" latinLnBrk="0" hangingPunct="1">
+      <a:lvl1pPr algn="l" rtl="0" eaLnBrk="1" latinLnBrk="0" hangingPunct="1">
         <a:spcBef>
           <a:spcPct val="0"/>
         </a:spcBef>
         <a:buNone/>
-        <a:defRPr sz="4400" kern="1200">
+        <a:defRPr kumimoji="0" lang="zh-CN" altLang="en-US" sz="4400" b="0" kern="1200" spc="50" dirty="0">
+          <a:ln w="12700">
+            <a:noFill/>
+            <a:prstDash val="solid"/>
+          </a:ln>
           <a:solidFill>
-            <a:schemeClr val="tx1"/>
+            <a:schemeClr val="accent4"/>
           </a:solidFill>
+          <a:effectLst>
+            <a:outerShdw blurRad="38100" dist="20320" dir="2700000" algn="tl" rotWithShape="0">
+              <a:srgbClr val="000000">
+                <a:alpha val="70000"/>
+              </a:srgbClr>
+            </a:outerShdw>
+          </a:effectLst>
           <a:latin typeface="+mj-lt"/>
           <a:ea typeface="+mj-ea"/>
           <a:cs typeface="+mj-cs"/>
         </a:defRPr>
       </a:lvl1pPr>
+      <a:lvl2pPr eaLnBrk="1" latinLnBrk="0" hangingPunct="1">
+        <a:defRPr kumimoji="0">
+          <a:solidFill>
+            <a:schemeClr val="tx2"/>
+          </a:solidFill>
+        </a:defRPr>
+      </a:lvl2pPr>
+      <a:lvl3pPr eaLnBrk="1" latinLnBrk="0" hangingPunct="1">
+        <a:defRPr kumimoji="0">
+          <a:solidFill>
+            <a:schemeClr val="tx2"/>
+          </a:solidFill>
+        </a:defRPr>
+      </a:lvl3pPr>
+      <a:lvl4pPr eaLnBrk="1" latinLnBrk="0" hangingPunct="1">
+        <a:defRPr kumimoji="0">
+          <a:solidFill>
+            <a:schemeClr val="tx2"/>
+          </a:solidFill>
+        </a:defRPr>
+      </a:lvl4pPr>
+      <a:lvl5pPr eaLnBrk="1" latinLnBrk="0" hangingPunct="1">
+        <a:defRPr kumimoji="0">
+          <a:solidFill>
+            <a:schemeClr val="tx2"/>
+          </a:solidFill>
+        </a:defRPr>
+      </a:lvl5pPr>
+      <a:lvl6pPr eaLnBrk="1" latinLnBrk="0" hangingPunct="1">
+        <a:defRPr kumimoji="0">
+          <a:solidFill>
+            <a:schemeClr val="tx2"/>
+          </a:solidFill>
+        </a:defRPr>
+      </a:lvl6pPr>
+      <a:lvl7pPr eaLnBrk="1" latinLnBrk="0" hangingPunct="1">
+        <a:defRPr kumimoji="0">
+          <a:solidFill>
+            <a:schemeClr val="tx2"/>
+          </a:solidFill>
+        </a:defRPr>
+      </a:lvl7pPr>
+      <a:lvl8pPr eaLnBrk="1" latinLnBrk="0" hangingPunct="1">
+        <a:defRPr kumimoji="0">
+          <a:solidFill>
+            <a:schemeClr val="tx2"/>
+          </a:solidFill>
+        </a:defRPr>
+      </a:lvl8pPr>
+      <a:lvl9pPr eaLnBrk="1" latinLnBrk="0" hangingPunct="1">
+        <a:defRPr kumimoji="0">
+          <a:solidFill>
+            <a:schemeClr val="tx2"/>
+          </a:solidFill>
+        </a:defRPr>
+      </a:lvl9pPr>
     </p:titleStyle>
     <p:bodyStyle>
-      <a:lvl1pPr marL="342900" indent="-342900" algn="l" defTabSz="914400" rtl="0" eaLnBrk="1" latinLnBrk="0" hangingPunct="1">
+      <a:lvl1pPr marL="342900" indent="-342900" algn="l" rtl="0" eaLnBrk="1" latinLnBrk="0" hangingPunct="1">
         <a:spcBef>
           <a:spcPct val="20000"/>
         </a:spcBef>
-        <a:buFont typeface="Arial" pitchFamily="34" charset="0"/>
-        <a:buChar char="•"/>
-        <a:defRPr sz="3200" kern="1200">
+        <a:buClr>
+          <a:schemeClr val="tx2"/>
+        </a:buClr>
+        <a:buSzPct val="60000"/>
+        <a:buFont typeface="Wingdings 2"/>
+        <a:buChar char=""/>
+        <a:defRPr kumimoji="0" sz="3200" kern="1200">
           <a:solidFill>
             <a:schemeClr val="tx1"/>
           </a:solidFill>
@@ -3585,13 +4612,17 @@
           <a:cs typeface="+mn-cs"/>
         </a:defRPr>
       </a:lvl1pPr>
-      <a:lvl2pPr marL="742950" indent="-285750" algn="l" defTabSz="914400" rtl="0" eaLnBrk="1" latinLnBrk="0" hangingPunct="1">
+      <a:lvl2pPr marL="742950" indent="-285750" algn="l" rtl="0" eaLnBrk="1" latinLnBrk="0" hangingPunct="1">
         <a:spcBef>
           <a:spcPct val="20000"/>
         </a:spcBef>
-        <a:buFont typeface="Arial" pitchFamily="34" charset="0"/>
-        <a:buChar char="–"/>
-        <a:defRPr sz="2800" kern="1200">
+        <a:buClr>
+          <a:schemeClr val="tx2"/>
+        </a:buClr>
+        <a:buSzPct val="60000"/>
+        <a:buFont typeface="Wingdings 2"/>
+        <a:buChar char=""/>
+        <a:defRPr kumimoji="0" sz="2800" kern="1200">
           <a:solidFill>
             <a:schemeClr val="tx1"/>
           </a:solidFill>
@@ -3600,13 +4631,17 @@
           <a:cs typeface="+mn-cs"/>
         </a:defRPr>
       </a:lvl2pPr>
-      <a:lvl3pPr marL="1143000" indent="-228600" algn="l" defTabSz="914400" rtl="0" eaLnBrk="1" latinLnBrk="0" hangingPunct="1">
+      <a:lvl3pPr marL="1143000" indent="-228600" algn="l" rtl="0" eaLnBrk="1" latinLnBrk="0" hangingPunct="1">
         <a:spcBef>
           <a:spcPct val="20000"/>
         </a:spcBef>
-        <a:buFont typeface="Arial" pitchFamily="34" charset="0"/>
-        <a:buChar char="•"/>
-        <a:defRPr sz="2400" kern="1200">
+        <a:buClr>
+          <a:schemeClr val="tx2"/>
+        </a:buClr>
+        <a:buSzPct val="60000"/>
+        <a:buFont typeface="Wingdings 2"/>
+        <a:buChar char=""/>
+        <a:defRPr kumimoji="0" sz="2400" kern="1200">
           <a:solidFill>
             <a:schemeClr val="tx1"/>
           </a:solidFill>
@@ -3615,13 +4650,17 @@
           <a:cs typeface="+mn-cs"/>
         </a:defRPr>
       </a:lvl3pPr>
-      <a:lvl4pPr marL="1600200" indent="-228600" algn="l" defTabSz="914400" rtl="0" eaLnBrk="1" latinLnBrk="0" hangingPunct="1">
+      <a:lvl4pPr marL="1600200" indent="-228600" algn="l" rtl="0" eaLnBrk="1" latinLnBrk="0" hangingPunct="1">
         <a:spcBef>
           <a:spcPct val="20000"/>
         </a:spcBef>
-        <a:buFont typeface="Arial" pitchFamily="34" charset="0"/>
-        <a:buChar char="–"/>
-        <a:defRPr sz="2000" kern="1200">
+        <a:buClr>
+          <a:schemeClr val="tx2"/>
+        </a:buClr>
+        <a:buSzPct val="60000"/>
+        <a:buFont typeface="Wingdings 2"/>
+        <a:buChar char=""/>
+        <a:defRPr kumimoji="0" sz="2000" kern="1200">
           <a:solidFill>
             <a:schemeClr val="tx1"/>
           </a:solidFill>
@@ -3630,13 +4669,17 @@
           <a:cs typeface="+mn-cs"/>
         </a:defRPr>
       </a:lvl4pPr>
-      <a:lvl5pPr marL="2057400" indent="-228600" algn="l" defTabSz="914400" rtl="0" eaLnBrk="1" latinLnBrk="0" hangingPunct="1">
+      <a:lvl5pPr marL="2057400" indent="-228600" algn="l" rtl="0" eaLnBrk="1" latinLnBrk="0" hangingPunct="1">
         <a:spcBef>
           <a:spcPct val="20000"/>
         </a:spcBef>
-        <a:buFont typeface="Arial" pitchFamily="34" charset="0"/>
-        <a:buChar char="»"/>
-        <a:defRPr sz="2000" kern="1200">
+        <a:buClr>
+          <a:schemeClr val="tx2"/>
+        </a:buClr>
+        <a:buSzPct val="60000"/>
+        <a:buFont typeface="Wingdings 2"/>
+        <a:buChar char=""/>
+        <a:defRPr kumimoji="0" sz="2000" kern="1200">
           <a:solidFill>
             <a:schemeClr val="tx1"/>
           </a:solidFill>
@@ -3645,13 +4688,13 @@
           <a:cs typeface="+mn-cs"/>
         </a:defRPr>
       </a:lvl5pPr>
-      <a:lvl6pPr marL="2514600" indent="-228600" algn="l" defTabSz="914400" rtl="0" eaLnBrk="1" latinLnBrk="0" hangingPunct="1">
+      <a:lvl6pPr marL="2514600" indent="-228600" algn="l" rtl="0" eaLnBrk="1" latinLnBrk="0" hangingPunct="1">
         <a:spcBef>
           <a:spcPct val="20000"/>
         </a:spcBef>
-        <a:buFont typeface="Arial" pitchFamily="34" charset="0"/>
+        <a:buFont typeface="Arial"/>
         <a:buChar char="•"/>
-        <a:defRPr sz="2000" kern="1200">
+        <a:defRPr kumimoji="0" sz="2000" kern="1200">
           <a:solidFill>
             <a:schemeClr val="tx1"/>
           </a:solidFill>
@@ -3660,13 +4703,13 @@
           <a:cs typeface="+mn-cs"/>
         </a:defRPr>
       </a:lvl6pPr>
-      <a:lvl7pPr marL="2971800" indent="-228600" algn="l" defTabSz="914400" rtl="0" eaLnBrk="1" latinLnBrk="0" hangingPunct="1">
+      <a:lvl7pPr marL="2971800" indent="-228600" algn="l" rtl="0" eaLnBrk="1" latinLnBrk="0" hangingPunct="1">
         <a:spcBef>
           <a:spcPct val="20000"/>
         </a:spcBef>
-        <a:buFont typeface="Arial" pitchFamily="34" charset="0"/>
+        <a:buFont typeface="Arial"/>
         <a:buChar char="•"/>
-        <a:defRPr sz="2000" kern="1200">
+        <a:defRPr kumimoji="0" sz="2000" kern="1200">
           <a:solidFill>
             <a:schemeClr val="tx1"/>
           </a:solidFill>
@@ -3675,13 +4718,13 @@
           <a:cs typeface="+mn-cs"/>
         </a:defRPr>
       </a:lvl7pPr>
-      <a:lvl8pPr marL="3429000" indent="-228600" algn="l" defTabSz="914400" rtl="0" eaLnBrk="1" latinLnBrk="0" hangingPunct="1">
+      <a:lvl8pPr marL="3429000" indent="-228600" algn="l" rtl="0" eaLnBrk="1" latinLnBrk="0" hangingPunct="1">
         <a:spcBef>
           <a:spcPct val="20000"/>
         </a:spcBef>
-        <a:buFont typeface="Arial" pitchFamily="34" charset="0"/>
+        <a:buFont typeface="Arial"/>
         <a:buChar char="•"/>
-        <a:defRPr sz="2000" kern="1200">
+        <a:defRPr kumimoji="0" sz="2000" kern="1200">
           <a:solidFill>
             <a:schemeClr val="tx1"/>
           </a:solidFill>
@@ -3690,13 +4733,13 @@
           <a:cs typeface="+mn-cs"/>
         </a:defRPr>
       </a:lvl8pPr>
-      <a:lvl9pPr marL="3886200" indent="-228600" algn="l" defTabSz="914400" rtl="0" eaLnBrk="1" latinLnBrk="0" hangingPunct="1">
+      <a:lvl9pPr marL="3886200" indent="-228600" algn="l" rtl="0" eaLnBrk="1" latinLnBrk="0" hangingPunct="1">
         <a:spcBef>
           <a:spcPct val="20000"/>
         </a:spcBef>
-        <a:buFont typeface="Arial" pitchFamily="34" charset="0"/>
+        <a:buFont typeface="Arial"/>
         <a:buChar char="•"/>
-        <a:defRPr sz="2000" kern="1200">
+        <a:defRPr kumimoji="0" sz="2000" kern="1200">
           <a:solidFill>
             <a:schemeClr val="tx1"/>
           </a:solidFill>
@@ -3707,11 +4750,8 @@
       </a:lvl9pPr>
     </p:bodyStyle>
     <p:otherStyle>
-      <a:defPPr>
-        <a:defRPr lang="zh-CN"/>
-      </a:defPPr>
-      <a:lvl1pPr marL="0" algn="l" defTabSz="914400" rtl="0" eaLnBrk="1" latinLnBrk="0" hangingPunct="1">
-        <a:defRPr sz="1800" kern="1200">
+      <a:lvl1pPr marL="0" algn="l" rtl="0" eaLnBrk="1" latinLnBrk="0" hangingPunct="1">
+        <a:defRPr kumimoji="0" kern="1200">
           <a:solidFill>
             <a:schemeClr val="tx1"/>
           </a:solidFill>
@@ -3720,8 +4760,8 @@
           <a:cs typeface="+mn-cs"/>
         </a:defRPr>
       </a:lvl1pPr>
-      <a:lvl2pPr marL="457200" algn="l" defTabSz="914400" rtl="0" eaLnBrk="1" latinLnBrk="0" hangingPunct="1">
-        <a:defRPr sz="1800" kern="1200">
+      <a:lvl2pPr marL="457200" algn="l" rtl="0" eaLnBrk="1" latinLnBrk="0" hangingPunct="1">
+        <a:defRPr kumimoji="0" kern="1200">
           <a:solidFill>
             <a:schemeClr val="tx1"/>
           </a:solidFill>
@@ -3730,8 +4770,8 @@
           <a:cs typeface="+mn-cs"/>
         </a:defRPr>
       </a:lvl2pPr>
-      <a:lvl3pPr marL="914400" algn="l" defTabSz="914400" rtl="0" eaLnBrk="1" latinLnBrk="0" hangingPunct="1">
-        <a:defRPr sz="1800" kern="1200">
+      <a:lvl3pPr marL="914400" algn="l" rtl="0" eaLnBrk="1" latinLnBrk="0" hangingPunct="1">
+        <a:defRPr kumimoji="0" kern="1200">
           <a:solidFill>
             <a:schemeClr val="tx1"/>
           </a:solidFill>
@@ -3740,8 +4780,8 @@
           <a:cs typeface="+mn-cs"/>
         </a:defRPr>
       </a:lvl3pPr>
-      <a:lvl4pPr marL="1371600" algn="l" defTabSz="914400" rtl="0" eaLnBrk="1" latinLnBrk="0" hangingPunct="1">
-        <a:defRPr sz="1800" kern="1200">
+      <a:lvl4pPr marL="1371600" algn="l" rtl="0" eaLnBrk="1" latinLnBrk="0" hangingPunct="1">
+        <a:defRPr kumimoji="0" kern="1200">
           <a:solidFill>
             <a:schemeClr val="tx1"/>
           </a:solidFill>
@@ -3750,8 +4790,8 @@
           <a:cs typeface="+mn-cs"/>
         </a:defRPr>
       </a:lvl4pPr>
-      <a:lvl5pPr marL="1828800" algn="l" defTabSz="914400" rtl="0" eaLnBrk="1" latinLnBrk="0" hangingPunct="1">
-        <a:defRPr sz="1800" kern="1200">
+      <a:lvl5pPr marL="1828800" algn="l" rtl="0" eaLnBrk="1" latinLnBrk="0" hangingPunct="1">
+        <a:defRPr kumimoji="0" kern="1200">
           <a:solidFill>
             <a:schemeClr val="tx1"/>
           </a:solidFill>
@@ -3760,8 +4800,8 @@
           <a:cs typeface="+mn-cs"/>
         </a:defRPr>
       </a:lvl5pPr>
-      <a:lvl6pPr marL="2286000" algn="l" defTabSz="914400" rtl="0" eaLnBrk="1" latinLnBrk="0" hangingPunct="1">
-        <a:defRPr sz="1800" kern="1200">
+      <a:lvl6pPr marL="2286000" algn="l" rtl="0" eaLnBrk="1" latinLnBrk="0" hangingPunct="1">
+        <a:defRPr kumimoji="0" kern="1200">
           <a:solidFill>
             <a:schemeClr val="tx1"/>
           </a:solidFill>
@@ -3770,8 +4810,8 @@
           <a:cs typeface="+mn-cs"/>
         </a:defRPr>
       </a:lvl6pPr>
-      <a:lvl7pPr marL="2743200" algn="l" defTabSz="914400" rtl="0" eaLnBrk="1" latinLnBrk="0" hangingPunct="1">
-        <a:defRPr sz="1800" kern="1200">
+      <a:lvl7pPr marL="2743200" algn="l" rtl="0" eaLnBrk="1" latinLnBrk="0" hangingPunct="1">
+        <a:defRPr kumimoji="0" kern="1200">
           <a:solidFill>
             <a:schemeClr val="tx1"/>
           </a:solidFill>
@@ -3780,8 +4820,8 @@
           <a:cs typeface="+mn-cs"/>
         </a:defRPr>
       </a:lvl7pPr>
-      <a:lvl8pPr marL="3200400" algn="l" defTabSz="914400" rtl="0" eaLnBrk="1" latinLnBrk="0" hangingPunct="1">
-        <a:defRPr sz="1800" kern="1200">
+      <a:lvl8pPr marL="3200400" algn="l" rtl="0" eaLnBrk="1" latinLnBrk="0" hangingPunct="1">
+        <a:defRPr kumimoji="0" kern="1200">
           <a:solidFill>
             <a:schemeClr val="tx1"/>
           </a:solidFill>
@@ -3790,8 +4830,8 @@
           <a:cs typeface="+mn-cs"/>
         </a:defRPr>
       </a:lvl8pPr>
-      <a:lvl9pPr marL="3657600" algn="l" defTabSz="914400" rtl="0" eaLnBrk="1" latinLnBrk="0" hangingPunct="1">
-        <a:defRPr sz="1800" kern="1200">
+      <a:lvl9pPr marL="3657600" algn="l" rtl="0" eaLnBrk="1" latinLnBrk="0" hangingPunct="1">
+        <a:defRPr kumimoji="0" kern="1200">
           <a:solidFill>
             <a:schemeClr val="tx1"/>
           </a:solidFill>
@@ -3937,7 +4977,7 @@
         <p:spPr/>
         <p:txBody>
           <a:bodyPr>
-            <a:normAutofit fontScale="77500" lnSpcReduction="20000"/>
+            <a:normAutofit fontScale="62500" lnSpcReduction="20000"/>
           </a:bodyPr>
           <a:lstStyle/>
           <a:p>
@@ -4166,8 +5206,8 @@
         </p:blipFill>
         <p:spPr bwMode="auto">
           <a:xfrm>
-            <a:off x="1450975" y="2636912"/>
-            <a:ext cx="6242050" cy="236537"/>
+            <a:off x="1417240" y="2427734"/>
+            <a:ext cx="6242050" cy="177403"/>
           </a:xfrm>
           <a:prstGeom prst="rect">
             <a:avLst/>
@@ -4230,8 +5270,8 @@
         </p:blipFill>
         <p:spPr bwMode="auto">
           <a:xfrm>
-            <a:off x="730250" y="4261594"/>
-            <a:ext cx="7683500" cy="463550"/>
+            <a:off x="827584" y="3867894"/>
+            <a:ext cx="7683500" cy="347663"/>
           </a:xfrm>
           <a:prstGeom prst="rect">
             <a:avLst/>
@@ -4344,7 +5384,7 @@
         <p:spPr/>
         <p:txBody>
           <a:bodyPr>
-            <a:normAutofit fontScale="92500" lnSpcReduction="10000"/>
+            <a:normAutofit fontScale="85000" lnSpcReduction="10000"/>
           </a:bodyPr>
           <a:lstStyle/>
           <a:p>
@@ -4438,8 +5478,8 @@
         </p:blipFill>
         <p:spPr bwMode="auto">
           <a:xfrm>
-            <a:off x="1475656" y="2852936"/>
-            <a:ext cx="5197475" cy="212725"/>
+            <a:off x="1475657" y="2196182"/>
+            <a:ext cx="5197475" cy="159544"/>
           </a:xfrm>
           <a:prstGeom prst="rect">
             <a:avLst/>
@@ -4502,8 +5542,8 @@
         </p:blipFill>
         <p:spPr bwMode="auto">
           <a:xfrm>
-            <a:off x="1331640" y="5950545"/>
-            <a:ext cx="6188075" cy="358775"/>
+            <a:off x="1331641" y="4534917"/>
+            <a:ext cx="6188075" cy="269081"/>
           </a:xfrm>
           <a:prstGeom prst="rect">
             <a:avLst/>
@@ -4616,7 +5656,7 @@
         <p:spPr/>
         <p:txBody>
           <a:bodyPr>
-            <a:normAutofit fontScale="85000" lnSpcReduction="10000"/>
+            <a:normAutofit fontScale="70000" lnSpcReduction="20000"/>
           </a:bodyPr>
           <a:lstStyle/>
           <a:p>
@@ -4724,7 +5764,7 @@
         <p:spPr/>
         <p:txBody>
           <a:bodyPr>
-            <a:normAutofit lnSpcReduction="10000"/>
+            <a:normAutofit fontScale="92500" lnSpcReduction="10000"/>
           </a:bodyPr>
           <a:lstStyle/>
           <a:p>
@@ -4903,8 +5943,8 @@
         </p:blipFill>
         <p:spPr bwMode="auto">
           <a:xfrm>
-            <a:off x="755576" y="2546432"/>
-            <a:ext cx="1752600" cy="1798637"/>
+            <a:off x="755576" y="1909824"/>
+            <a:ext cx="1752600" cy="1348978"/>
           </a:xfrm>
           <a:prstGeom prst="rect">
             <a:avLst/>
@@ -4967,8 +6007,8 @@
         </p:blipFill>
         <p:spPr bwMode="auto">
           <a:xfrm>
-            <a:off x="3635896" y="2554368"/>
-            <a:ext cx="1584325" cy="1782763"/>
+            <a:off x="3635897" y="1915777"/>
+            <a:ext cx="1584325" cy="1337072"/>
           </a:xfrm>
           <a:prstGeom prst="rect">
             <a:avLst/>
@@ -5031,8 +6071,8 @@
         </p:blipFill>
         <p:spPr bwMode="auto">
           <a:xfrm>
-            <a:off x="6372200" y="2654796"/>
-            <a:ext cx="1516063" cy="1638300"/>
+            <a:off x="6372201" y="1991097"/>
+            <a:ext cx="1516063" cy="1228725"/>
           </a:xfrm>
           <a:prstGeom prst="rect">
             <a:avLst/>
@@ -5142,7 +6182,12 @@
             <p:ph idx="1"/>
           </p:nvPr>
         </p:nvSpPr>
-        <p:spPr/>
+        <p:spPr>
+          <a:xfrm>
+            <a:off x="467544" y="987574"/>
+            <a:ext cx="8229600" cy="4032448"/>
+          </a:xfrm>
+        </p:spPr>
         <p:txBody>
           <a:bodyPr>
             <a:normAutofit fontScale="62500" lnSpcReduction="20000"/>
@@ -5199,11 +6244,8 @@
             </a:r>
             <a:r>
               <a:rPr lang="en-US" altLang="zh-CN" dirty="0" smtClean="0"/>
-              <a:t>part</a:t>
-            </a:r>
-          </a:p>
-          <a:p>
-            <a:pPr lvl="1"/>
+              <a:t>part </a:t>
+            </a:r>
             <a:r>
               <a:rPr lang="en-US" altLang="zh-CN" i="1" dirty="0" err="1" smtClean="0"/>
               <a:t>PxControllerDesc</a:t>
@@ -5221,16 +6263,16 @@
               <a:t> </a:t>
             </a:r>
             <a:r>
-              <a:rPr lang="en-US" altLang="zh-CN" dirty="0" err="1"/>
+              <a:rPr lang="en-US" altLang="zh-CN" dirty="0" err="1" smtClean="0"/>
               <a:t>enum</a:t>
             </a:r>
-            <a:r>
-              <a:rPr lang="en-US" altLang="zh-CN" dirty="0"/>
-              <a:t>. </a:t>
-            </a:r>
-            <a:r>
-              <a:rPr lang="en-US" altLang="zh-CN" i="1" dirty="0" err="1"/>
-              <a:t>PxCCTNonWalkableMode</a:t>
+            <a:endParaRPr lang="en-US" altLang="zh-CN" dirty="0" smtClean="0"/>
+          </a:p>
+          <a:p>
+            <a:pPr lvl="1"/>
+            <a:r>
+              <a:rPr lang="en-US" altLang="zh-CN" i="1" dirty="0" err="1" smtClean="0"/>
+              <a:t>PxControllerNonWalkableMode</a:t>
             </a:r>
             <a:r>
               <a:rPr lang="en-US" altLang="zh-CN" i="1" dirty="0"/>
@@ -5242,15 +6284,23 @@
             </a:r>
             <a:r>
               <a:rPr lang="en-US" altLang="zh-CN" dirty="0"/>
-              <a:t> prevents the character from moving up a slope, but does not move the character otherwise. </a:t>
+              <a:t> </a:t>
+            </a:r>
+            <a:r>
+              <a:rPr lang="en-US" altLang="zh-CN" dirty="0" smtClean="0"/>
+              <a:t>prevents </a:t>
+            </a:r>
+            <a:r>
+              <a:rPr lang="en-US" altLang="zh-CN" dirty="0"/>
+              <a:t>the character from moving up a slope, but does not move the character otherwise. </a:t>
             </a:r>
             <a:endParaRPr lang="en-US" altLang="zh-CN" dirty="0" smtClean="0"/>
           </a:p>
           <a:p>
             <a:pPr lvl="1"/>
             <a:r>
-              <a:rPr lang="en-US" altLang="zh-CN" i="1" dirty="0" err="1" smtClean="0"/>
-              <a:t>PxCCTNonWalkableMode</a:t>
+              <a:rPr lang="en-US" altLang="zh-CN" i="1" dirty="0" err="1"/>
+              <a:t>PxControllerNonWalkableMode</a:t>
             </a:r>
             <a:r>
               <a:rPr lang="en-US" altLang="zh-CN" i="1" dirty="0"/>
@@ -5258,12 +6308,21 @@
             </a:r>
             <a:r>
               <a:rPr lang="en-US" altLang="zh-CN" i="1" dirty="0" err="1"/>
-              <a:t>eFORCE_SLIDING</a:t>
-            </a:r>
-            <a:r>
-              <a:rPr lang="en-US" altLang="zh-CN" dirty="0"/>
-              <a:t> forces characters to slide down non walk-able slopes.</a:t>
-            </a:r>
+              <a:t>ePREVENT_CLIMBING_AND_FORCE_SLIDING</a:t>
+            </a:r>
+            <a:r>
+              <a:rPr lang="en-US" altLang="zh-CN" dirty="0"/>
+              <a:t> not only prevents the character from moving up non walk-able slopes but also forces it to slide down those </a:t>
+            </a:r>
+            <a:r>
+              <a:rPr lang="en-US" altLang="zh-CN" dirty="0" smtClean="0"/>
+              <a:t>slopes</a:t>
+            </a:r>
+            <a:r>
+              <a:rPr lang="en-US" altLang="zh-CN" dirty="0" smtClean="0"/>
+              <a:t>.</a:t>
+            </a:r>
+            <a:endParaRPr lang="en-US" altLang="zh-CN" dirty="0"/>
           </a:p>
           <a:p>
             <a:r>
@@ -5341,8 +6400,8 @@
         </p:blipFill>
         <p:spPr bwMode="auto">
           <a:xfrm>
-            <a:off x="2411760" y="6021288"/>
-            <a:ext cx="4000500" cy="212725"/>
+            <a:off x="4412010" y="4803998"/>
+            <a:ext cx="4000500" cy="159544"/>
           </a:xfrm>
           <a:prstGeom prst="rect">
             <a:avLst/>
@@ -5455,7 +6514,7 @@
         <p:spPr/>
         <p:txBody>
           <a:bodyPr>
-            <a:normAutofit fontScale="85000" lnSpcReduction="10000"/>
+            <a:normAutofit fontScale="70000" lnSpcReduction="20000"/>
           </a:bodyPr>
           <a:lstStyle/>
           <a:p>
@@ -5590,7 +6649,12 @@
             <p:ph idx="1"/>
           </p:nvPr>
         </p:nvSpPr>
-        <p:spPr/>
+        <p:spPr>
+          <a:xfrm>
+            <a:off x="457993" y="1793268"/>
+            <a:ext cx="8229600" cy="3394472"/>
+          </a:xfrm>
+        </p:spPr>
         <p:txBody>
           <a:bodyPr/>
           <a:lstStyle/>
@@ -5622,8 +6686,8 @@
         </p:blipFill>
         <p:spPr bwMode="auto">
           <a:xfrm>
-            <a:off x="1039813" y="1772816"/>
-            <a:ext cx="7064375" cy="571500"/>
+            <a:off x="1057012" y="1419622"/>
+            <a:ext cx="7064375" cy="428625"/>
           </a:xfrm>
           <a:prstGeom prst="rect">
             <a:avLst/>
@@ -5686,8 +6750,8 @@
         </p:blipFill>
         <p:spPr bwMode="auto">
           <a:xfrm>
-            <a:off x="2071688" y="2638177"/>
-            <a:ext cx="4999037" cy="358775"/>
+            <a:off x="2072482" y="2571750"/>
+            <a:ext cx="4999037" cy="269081"/>
           </a:xfrm>
           <a:prstGeom prst="rect">
             <a:avLst/>
@@ -5750,8 +6814,8 @@
         </p:blipFill>
         <p:spPr bwMode="auto">
           <a:xfrm>
-            <a:off x="2997200" y="3322638"/>
-            <a:ext cx="3148013" cy="212725"/>
+            <a:off x="3015194" y="3651870"/>
+            <a:ext cx="3148013" cy="159544"/>
           </a:xfrm>
           <a:prstGeom prst="rect">
             <a:avLst/>
@@ -5860,7 +6924,7 @@
         <p:spPr/>
         <p:txBody>
           <a:bodyPr>
-            <a:normAutofit fontScale="85000" lnSpcReduction="10000"/>
+            <a:normAutofit fontScale="77500" lnSpcReduction="20000"/>
           </a:bodyPr>
           <a:lstStyle/>
           <a:p>
@@ -5948,8 +7012,8 @@
         </p:blipFill>
         <p:spPr bwMode="auto">
           <a:xfrm>
-            <a:off x="2627784" y="5949280"/>
-            <a:ext cx="4068763" cy="228600"/>
+            <a:off x="2627785" y="4632548"/>
+            <a:ext cx="4068763" cy="171450"/>
           </a:xfrm>
           <a:prstGeom prst="rect">
             <a:avLst/>
@@ -6045,7 +7109,6 @@
               <a:rPr lang="zh-CN" altLang="en-US" dirty="0"/>
               <a:t>简介</a:t>
             </a:r>
-            <a:endParaRPr lang="zh-CN" altLang="en-US" dirty="0"/>
           </a:p>
         </p:txBody>
       </p:sp>
@@ -6062,7 +7125,7 @@
         <p:spPr/>
         <p:txBody>
           <a:bodyPr>
-            <a:normAutofit fontScale="92500" lnSpcReduction="10000"/>
+            <a:normAutofit fontScale="85000" lnSpcReduction="20000"/>
           </a:bodyPr>
           <a:lstStyle/>
           <a:p>
@@ -6169,6 +7232,245 @@
           <a:bodyPr/>
           <a:lstStyle/>
           <a:p>
+            <a:endParaRPr lang="zh-CN" altLang="en-US"/>
+          </a:p>
+        </p:txBody>
+      </p:sp>
+      <p:sp>
+        <p:nvSpPr>
+          <p:cNvPr id="3" name="内容占位符 2"/>
+          <p:cNvSpPr>
+            <a:spLocks noGrp="1"/>
+          </p:cNvSpPr>
+          <p:nvPr>
+            <p:ph idx="1"/>
+          </p:nvPr>
+        </p:nvSpPr>
+        <p:spPr/>
+        <p:txBody>
+          <a:bodyPr/>
+          <a:lstStyle/>
+          <a:p>
+            <a:endParaRPr lang="zh-CN" altLang="en-US"/>
+          </a:p>
+        </p:txBody>
+      </p:sp>
+      <p:sp>
+        <p:nvSpPr>
+          <p:cNvPr id="4" name="AutoShape 2" descr="../_images/cctResize.png"/>
+          <p:cNvSpPr>
+            <a:spLocks noChangeAspect="1" noChangeArrowheads="1"/>
+          </p:cNvSpPr>
+          <p:nvPr/>
+        </p:nvSpPr>
+        <p:spPr bwMode="auto">
+          <a:xfrm>
+            <a:off x="63500" y="-136525"/>
+            <a:ext cx="304800" cy="304800"/>
+          </a:xfrm>
+          <a:prstGeom prst="rect">
+            <a:avLst/>
+          </a:prstGeom>
+          <a:noFill/>
+          <a:extLst>
+            <a:ext uri="{909E8E84-426E-40DD-AFC4-6F175D3DCCD1}">
+              <a14:hiddenFill xmlns:a14="http://schemas.microsoft.com/office/drawing/2010/main">
+                <a:solidFill>
+                  <a:srgbClr val="FFFFFF"/>
+                </a:solidFill>
+              </a14:hiddenFill>
+            </a:ext>
+          </a:extLst>
+        </p:spPr>
+        <p:txBody>
+          <a:bodyPr vert="horz" wrap="square" lIns="91440" tIns="45720" rIns="91440" bIns="45720" numCol="1" anchor="t" anchorCtr="0" compatLnSpc="1">
+            <a:prstTxWarp prst="textNoShape">
+              <a:avLst/>
+            </a:prstTxWarp>
+          </a:bodyPr>
+          <a:lstStyle/>
+          <a:p>
+            <a:endParaRPr lang="zh-CN" altLang="en-US"/>
+          </a:p>
+        </p:txBody>
+      </p:sp>
+      <p:sp>
+        <p:nvSpPr>
+          <p:cNvPr id="5" name="AutoShape 4" descr="../_images/cctResize.png"/>
+          <p:cNvSpPr>
+            <a:spLocks noChangeAspect="1" noChangeArrowheads="1"/>
+          </p:cNvSpPr>
+          <p:nvPr/>
+        </p:nvSpPr>
+        <p:spPr bwMode="auto">
+          <a:xfrm>
+            <a:off x="215900" y="15875"/>
+            <a:ext cx="304800" cy="304800"/>
+          </a:xfrm>
+          <a:prstGeom prst="rect">
+            <a:avLst/>
+          </a:prstGeom>
+          <a:noFill/>
+          <a:extLst>
+            <a:ext uri="{909E8E84-426E-40DD-AFC4-6F175D3DCCD1}">
+              <a14:hiddenFill xmlns:a14="http://schemas.microsoft.com/office/drawing/2010/main">
+                <a:solidFill>
+                  <a:srgbClr val="FFFFFF"/>
+                </a:solidFill>
+              </a14:hiddenFill>
+            </a:ext>
+          </a:extLst>
+        </p:spPr>
+        <p:txBody>
+          <a:bodyPr vert="horz" wrap="square" lIns="91440" tIns="45720" rIns="91440" bIns="45720" numCol="1" anchor="t" anchorCtr="0" compatLnSpc="1">
+            <a:prstTxWarp prst="textNoShape">
+              <a:avLst/>
+            </a:prstTxWarp>
+          </a:bodyPr>
+          <a:lstStyle/>
+          <a:p>
+            <a:endParaRPr lang="zh-CN" altLang="en-US"/>
+          </a:p>
+        </p:txBody>
+      </p:sp>
+      <p:sp>
+        <p:nvSpPr>
+          <p:cNvPr id="6" name="AutoShape 6" descr="../_images/cctResize.png"/>
+          <p:cNvSpPr>
+            <a:spLocks noChangeAspect="1" noChangeArrowheads="1"/>
+          </p:cNvSpPr>
+          <p:nvPr/>
+        </p:nvSpPr>
+        <p:spPr bwMode="auto">
+          <a:xfrm>
+            <a:off x="368300" y="168275"/>
+            <a:ext cx="304800" cy="304800"/>
+          </a:xfrm>
+          <a:prstGeom prst="rect">
+            <a:avLst/>
+          </a:prstGeom>
+          <a:noFill/>
+          <a:extLst>
+            <a:ext uri="{909E8E84-426E-40DD-AFC4-6F175D3DCCD1}">
+              <a14:hiddenFill xmlns:a14="http://schemas.microsoft.com/office/drawing/2010/main">
+                <a:solidFill>
+                  <a:srgbClr val="FFFFFF"/>
+                </a:solidFill>
+              </a14:hiddenFill>
+            </a:ext>
+          </a:extLst>
+        </p:spPr>
+        <p:txBody>
+          <a:bodyPr vert="horz" wrap="square" lIns="91440" tIns="45720" rIns="91440" bIns="45720" numCol="1" anchor="t" anchorCtr="0" compatLnSpc="1">
+            <a:prstTxWarp prst="textNoShape">
+              <a:avLst/>
+            </a:prstTxWarp>
+          </a:bodyPr>
+          <a:lstStyle/>
+          <a:p>
+            <a:endParaRPr lang="zh-CN" altLang="en-US"/>
+          </a:p>
+        </p:txBody>
+      </p:sp>
+      <p:pic>
+        <p:nvPicPr>
+          <p:cNvPr id="1031" name="Picture 7"/>
+          <p:cNvPicPr>
+            <a:picLocks noChangeAspect="1" noChangeArrowheads="1"/>
+          </p:cNvPicPr>
+          <p:nvPr/>
+        </p:nvPicPr>
+        <p:blipFill>
+          <a:blip r:embed="rId2">
+            <a:extLst>
+              <a:ext uri="{28A0092B-C50C-407E-A947-70E740481C1C}">
+                <a14:useLocalDpi xmlns:a14="http://schemas.microsoft.com/office/drawing/2010/main" val="0"/>
+              </a:ext>
+            </a:extLst>
+          </a:blip>
+          <a:srcRect/>
+          <a:stretch>
+            <a:fillRect/>
+          </a:stretch>
+        </p:blipFill>
+        <p:spPr bwMode="auto">
+          <a:xfrm>
+            <a:off x="1795463" y="1052513"/>
+            <a:ext cx="5553075" cy="3038475"/>
+          </a:xfrm>
+          <a:prstGeom prst="rect">
+            <a:avLst/>
+          </a:prstGeom>
+          <a:noFill/>
+          <a:ln>
+            <a:noFill/>
+          </a:ln>
+          <a:extLst>
+            <a:ext uri="{909E8E84-426E-40DD-AFC4-6F175D3DCCD1}">
+              <a14:hiddenFill xmlns:a14="http://schemas.microsoft.com/office/drawing/2010/main">
+                <a:solidFill>
+                  <a:schemeClr val="accent1"/>
+                </a:solidFill>
+              </a14:hiddenFill>
+            </a:ext>
+            <a:ext uri="{91240B29-F687-4F45-9708-019B960494DF}">
+              <a14:hiddenLine xmlns:a14="http://schemas.microsoft.com/office/drawing/2010/main" w="9525">
+                <a:solidFill>
+                  <a:schemeClr val="tx1"/>
+                </a:solidFill>
+                <a:miter lim="800000"/>
+                <a:headEnd/>
+                <a:tailEnd/>
+              </a14:hiddenLine>
+            </a:ext>
+          </a:extLst>
+        </p:spPr>
+      </p:pic>
+    </p:spTree>
+    <p:extLst>
+      <p:ext uri="{BB962C8B-B14F-4D97-AF65-F5344CB8AC3E}">
+        <p14:creationId xmlns:p14="http://schemas.microsoft.com/office/powerpoint/2010/main" val="3377517494"/>
+      </p:ext>
+    </p:extLst>
+  </p:cSld>
+  <p:clrMapOvr>
+    <a:masterClrMapping/>
+  </p:clrMapOvr>
+</p:sld>
+</file>
+
+<file path=ppt/slides/slide21.xml><?xml version="1.0" encoding="utf-8"?>
+<p:sld xmlns:a="http://schemas.openxmlformats.org/drawingml/2006/main" xmlns:r="http://schemas.openxmlformats.org/officeDocument/2006/relationships" xmlns:p="http://schemas.openxmlformats.org/presentationml/2006/main">
+  <p:cSld>
+    <p:spTree>
+      <p:nvGrpSpPr>
+        <p:cNvPr id="1" name=""/>
+        <p:cNvGrpSpPr/>
+        <p:nvPr/>
+      </p:nvGrpSpPr>
+      <p:grpSpPr>
+        <a:xfrm>
+          <a:off x="0" y="0"/>
+          <a:ext cx="0" cy="0"/>
+          <a:chOff x="0" y="0"/>
+          <a:chExt cx="0" cy="0"/>
+        </a:xfrm>
+      </p:grpSpPr>
+      <p:sp>
+        <p:nvSpPr>
+          <p:cNvPr id="2" name="标题 1"/>
+          <p:cNvSpPr>
+            <a:spLocks noGrp="1"/>
+          </p:cNvSpPr>
+          <p:nvPr>
+            <p:ph type="title"/>
+          </p:nvPr>
+        </p:nvSpPr>
+        <p:spPr/>
+        <p:txBody>
+          <a:bodyPr/>
+          <a:lstStyle/>
+          <a:p>
             <a:r>
               <a:rPr lang="en-US" altLang="zh-CN" dirty="0"/>
               <a:t>Hit callback</a:t>
@@ -6187,10 +7489,15 @@
             <p:ph idx="1"/>
           </p:nvPr>
         </p:nvSpPr>
-        <p:spPr/>
+        <p:spPr>
+          <a:xfrm>
+            <a:off x="457200" y="1200150"/>
+            <a:ext cx="8229600" cy="3747863"/>
+          </a:xfrm>
+        </p:spPr>
         <p:txBody>
           <a:bodyPr>
-            <a:normAutofit fontScale="70000" lnSpcReduction="20000"/>
+            <a:normAutofit fontScale="62500" lnSpcReduction="20000"/>
           </a:bodyPr>
           <a:lstStyle/>
           <a:p>
@@ -6324,7 +7631,7 @@
 </p:sld>
 </file>
 
-<file path=ppt/slides/slide21.xml><?xml version="1.0" encoding="utf-8"?>
+<file path=ppt/slides/slide22.xml><?xml version="1.0" encoding="utf-8"?>
 <p:sld xmlns:a="http://schemas.openxmlformats.org/drawingml/2006/main" xmlns:r="http://schemas.openxmlformats.org/officeDocument/2006/relationships" xmlns:p="http://schemas.openxmlformats.org/presentationml/2006/main">
   <p:cSld>
     <p:spTree>
@@ -6438,8 +7745,8 @@
         </p:blipFill>
         <p:spPr bwMode="auto">
           <a:xfrm>
-            <a:off x="395536" y="3964830"/>
-            <a:ext cx="8420100" cy="427037"/>
+            <a:off x="323528" y="3723878"/>
+            <a:ext cx="8420100" cy="320278"/>
           </a:xfrm>
           <a:prstGeom prst="rect">
             <a:avLst/>
@@ -6489,189 +7796,6 @@
 </p:sld>
 </file>
 
-<file path=ppt/slides/slide22.xml><?xml version="1.0" encoding="utf-8"?>
-<p:sld xmlns:a="http://schemas.openxmlformats.org/drawingml/2006/main" xmlns:r="http://schemas.openxmlformats.org/officeDocument/2006/relationships" xmlns:p="http://schemas.openxmlformats.org/presentationml/2006/main">
-  <p:cSld>
-    <p:spTree>
-      <p:nvGrpSpPr>
-        <p:cNvPr id="1" name=""/>
-        <p:cNvGrpSpPr/>
-        <p:nvPr/>
-      </p:nvGrpSpPr>
-      <p:grpSpPr>
-        <a:xfrm>
-          <a:off x="0" y="0"/>
-          <a:ext cx="0" cy="0"/>
-          <a:chOff x="0" y="0"/>
-          <a:chExt cx="0" cy="0"/>
-        </a:xfrm>
-      </p:grpSpPr>
-      <p:sp>
-        <p:nvSpPr>
-          <p:cNvPr id="2" name="标题 1"/>
-          <p:cNvSpPr>
-            <a:spLocks noGrp="1"/>
-          </p:cNvSpPr>
-          <p:nvPr>
-            <p:ph type="title"/>
-          </p:nvPr>
-        </p:nvSpPr>
-        <p:spPr/>
-        <p:txBody>
-          <a:bodyPr/>
-          <a:lstStyle/>
-          <a:p>
-            <a:r>
-              <a:rPr lang="zh-CN" altLang="en-US" dirty="0" smtClean="0"/>
-              <a:t>返回值</a:t>
-            </a:r>
-            <a:endParaRPr lang="zh-CN" altLang="en-US" dirty="0"/>
-          </a:p>
-        </p:txBody>
-      </p:sp>
-      <p:sp>
-        <p:nvSpPr>
-          <p:cNvPr id="3" name="内容占位符 2"/>
-          <p:cNvSpPr>
-            <a:spLocks noGrp="1"/>
-          </p:cNvSpPr>
-          <p:nvPr>
-            <p:ph idx="1"/>
-          </p:nvPr>
-        </p:nvSpPr>
-        <p:spPr/>
-        <p:txBody>
-          <a:bodyPr>
-            <a:normAutofit fontScale="47500" lnSpcReduction="20000"/>
-          </a:bodyPr>
-          <a:lstStyle/>
-          <a:p>
-            <a:r>
-              <a:rPr lang="en-US" altLang="zh-CN" i="1" dirty="0" err="1"/>
-              <a:t>PxControllerBehaviorFlag</a:t>
-            </a:r>
-            <a:r>
-              <a:rPr lang="en-US" altLang="zh-CN" i="1" dirty="0"/>
-              <a:t>::</a:t>
-            </a:r>
-            <a:r>
-              <a:rPr lang="en-US" altLang="zh-CN" i="1" dirty="0" err="1"/>
-              <a:t>eCCT_CAN_RIDE_ON_OBJECT</a:t>
-            </a:r>
-            <a:r>
-              <a:rPr lang="en-US" altLang="zh-CN" dirty="0"/>
-              <a:t> defines if the character can effectively travel with the object it is standing on. For example a character standing on a dynamic bridge should follow the motion of the </a:t>
-            </a:r>
-            <a:r>
-              <a:rPr lang="en-US" altLang="zh-CN" dirty="0" err="1"/>
-              <a:t>PxShape</a:t>
-            </a:r>
-            <a:r>
-              <a:rPr lang="en-US" altLang="zh-CN" dirty="0"/>
-              <a:t> it is standing on (e.g. in </a:t>
-            </a:r>
-            <a:r>
-              <a:rPr lang="en-US" altLang="zh-CN" dirty="0" err="1"/>
-              <a:t>SampleBridges</a:t>
-            </a:r>
-            <a:r>
-              <a:rPr lang="en-US" altLang="zh-CN" dirty="0"/>
-              <a:t>). But it should not be the case if the character stands on, say a </a:t>
-            </a:r>
-            <a:r>
-              <a:rPr lang="en-US" altLang="zh-CN" dirty="0" err="1"/>
-              <a:t>PxShape</a:t>
-            </a:r>
-            <a:r>
-              <a:rPr lang="en-US" altLang="zh-CN" dirty="0"/>
-              <a:t> bottle rolling on the ground (e.g. the snowballs in </a:t>
-            </a:r>
-            <a:r>
-              <a:rPr lang="en-US" altLang="zh-CN" dirty="0" err="1"/>
-              <a:t>SampleNorthPole</a:t>
-            </a:r>
-            <a:r>
-              <a:rPr lang="en-US" altLang="zh-CN" dirty="0"/>
-              <a:t>). Note that this flag only controls the horizontal displacement communicated from an object to the controller. The vertical motion is something slightly different, as many factors contribute to this displacement: the "step offset" used to automatically walk over small bumps, the vertical motion of underlying dynamic actors like e.g. the bridges in </a:t>
-            </a:r>
-            <a:r>
-              <a:rPr lang="en-US" altLang="zh-CN" dirty="0" err="1"/>
-              <a:t>SampleBridges</a:t>
-            </a:r>
-            <a:r>
-              <a:rPr lang="en-US" altLang="zh-CN" dirty="0"/>
-              <a:t>, that should probably always been taken into account, etc.</a:t>
-            </a:r>
-          </a:p>
-          <a:p>
-            <a:r>
-              <a:rPr lang="en-US" altLang="zh-CN" i="1" dirty="0" err="1"/>
-              <a:t>PxControllerBehaviorFlag</a:t>
-            </a:r>
-            <a:r>
-              <a:rPr lang="en-US" altLang="zh-CN" i="1" dirty="0"/>
-              <a:t>::</a:t>
-            </a:r>
-            <a:r>
-              <a:rPr lang="en-US" altLang="zh-CN" i="1" dirty="0" err="1"/>
-              <a:t>eCCT_SLIDE</a:t>
-            </a:r>
-            <a:r>
-              <a:rPr lang="en-US" altLang="zh-CN" dirty="0"/>
-              <a:t> defines if the character should slide or not when standing on the object. This can be used as an alternative to the previously discussed slope limit feature, to define non walk-able objects rather than non-walkable parts. It can also be used to make a capsule character fall off a platform's edge automatically, when the center of the capsule crosses the platform's edge.</a:t>
-            </a:r>
-          </a:p>
-          <a:p>
-            <a:r>
-              <a:rPr lang="en-US" altLang="zh-CN" i="1" dirty="0" err="1"/>
-              <a:t>PxControllerBehaviorFlag</a:t>
-            </a:r>
-            <a:r>
-              <a:rPr lang="en-US" altLang="zh-CN" i="1" dirty="0"/>
-              <a:t>::</a:t>
-            </a:r>
-            <a:r>
-              <a:rPr lang="en-US" altLang="zh-CN" i="1" dirty="0" err="1"/>
-              <a:t>eCCT_USER_DEFINED_RIDE</a:t>
-            </a:r>
-            <a:r>
-              <a:rPr lang="en-US" altLang="zh-CN" dirty="0"/>
-              <a:t> simply disables all built-in code related to controllers riding on objects. This can be useful to get the legacy behavior back, which can sometimes be necessary when porting to PhysX 3.x a piece of code built around the PhysX 2.x character controller. The flag simply skips the new </a:t>
-            </a:r>
-            <a:r>
-              <a:rPr lang="en-US" altLang="zh-CN" dirty="0" err="1"/>
-              <a:t>codepath</a:t>
-            </a:r>
-            <a:r>
-              <a:rPr lang="en-US" altLang="zh-CN" dirty="0"/>
-              <a:t>, and lets users deal with this particular problem in their own application, outside of the CCT library.</a:t>
-            </a:r>
-          </a:p>
-          <a:p>
-            <a:endParaRPr lang="zh-CN" altLang="en-US" dirty="0"/>
-          </a:p>
-        </p:txBody>
-      </p:sp>
-    </p:spTree>
-    <p:extLst>
-      <p:ext uri="{BB962C8B-B14F-4D97-AF65-F5344CB8AC3E}">
-        <p14:creationId xmlns:p14="http://schemas.microsoft.com/office/powerpoint/2010/main" val="4057711462"/>
-      </p:ext>
-    </p:extLst>
-  </p:cSld>
-  <p:clrMapOvr>
-    <a:masterClrMapping/>
-  </p:clrMapOvr>
-  <p:timing>
-    <p:tnLst>
-      <p:par>
-        <p:cTn id="1" dur="indefinite" restart="never" nodeType="tmRoot"/>
-      </p:par>
-    </p:tnLst>
-  </p:timing>
-</p:sld>
-</file>
-
 <file path=ppt/slides/slide23.xml><?xml version="1.0" encoding="utf-8"?>
 <p:sld xmlns:a="http://schemas.openxmlformats.org/drawingml/2006/main" xmlns:r="http://schemas.openxmlformats.org/officeDocument/2006/relationships" xmlns:p="http://schemas.openxmlformats.org/presentationml/2006/main">
   <p:cSld>
@@ -6705,8 +7829,8 @@
           <a:lstStyle/>
           <a:p>
             <a:r>
-              <a:rPr lang="en-US" altLang="zh-CN" dirty="0"/>
-              <a:t>Character interactions</a:t>
+              <a:rPr lang="zh-CN" altLang="en-US" dirty="0" smtClean="0"/>
+              <a:t>返回值</a:t>
             </a:r>
             <a:endParaRPr lang="zh-CN" altLang="en-US" dirty="0"/>
           </a:p>
@@ -6722,64 +7846,120 @@
             <p:ph idx="1"/>
           </p:nvPr>
         </p:nvSpPr>
-        <p:spPr/>
+        <p:spPr>
+          <a:xfrm>
+            <a:off x="457200" y="1200150"/>
+            <a:ext cx="8229600" cy="3943349"/>
+          </a:xfrm>
+        </p:spPr>
         <p:txBody>
           <a:bodyPr>
-            <a:normAutofit fontScale="92500"/>
+            <a:normAutofit fontScale="47500" lnSpcReduction="20000"/>
           </a:bodyPr>
           <a:lstStyle/>
           <a:p>
             <a:r>
-              <a:rPr lang="en-US" altLang="zh-CN" dirty="0"/>
-              <a:t>It is tempting to let the physics engine push objects by applying forces at contact </a:t>
-            </a:r>
-            <a:r>
-              <a:rPr lang="en-US" altLang="zh-CN" dirty="0" smtClean="0"/>
-              <a:t>points</a:t>
-            </a:r>
-          </a:p>
-          <a:p>
-            <a:pPr lvl="1"/>
-            <a:r>
-              <a:rPr lang="en-US" altLang="zh-CN" dirty="0" smtClean="0"/>
-              <a:t>However </a:t>
-            </a:r>
-            <a:r>
-              <a:rPr lang="en-US" altLang="zh-CN" dirty="0"/>
-              <a:t>it is often not good for game play. The bounding volume around characters are artificial (boxes, spheres, </a:t>
+              <a:rPr lang="en-US" altLang="zh-CN" i="1" dirty="0" err="1"/>
+              <a:t>PxControllerBehaviorFlag</a:t>
+            </a:r>
+            <a:r>
+              <a:rPr lang="en-US" altLang="zh-CN" i="1" dirty="0"/>
+              <a:t>::</a:t>
+            </a:r>
+            <a:r>
+              <a:rPr lang="en-US" altLang="zh-CN" i="1" dirty="0" err="1"/>
+              <a:t>eCCT_CAN_RIDE_ON_OBJECT</a:t>
+            </a:r>
+            <a:r>
+              <a:rPr lang="en-US" altLang="zh-CN" dirty="0"/>
+              <a:t> defines if the character can effectively travel with the object it is standing on. For example a character standing on a dynamic bridge should follow the motion of the </a:t>
             </a:r>
             <a:r>
               <a:rPr lang="en-US" altLang="zh-CN" dirty="0" err="1"/>
-              <a:t>etc</a:t>
-            </a:r>
-            <a:r>
-              <a:rPr lang="en-US" altLang="zh-CN" dirty="0"/>
-              <a:t>) and you do not want the pushing effect to change when you switch from a box controller to a capsule controller. </a:t>
-            </a:r>
-            <a:endParaRPr lang="en-US" altLang="zh-CN" dirty="0" smtClean="0"/>
-          </a:p>
-          <a:p>
-            <a:pPr lvl="1"/>
-            <a:r>
-              <a:rPr lang="en-US" altLang="zh-CN" dirty="0" smtClean="0"/>
-              <a:t>You </a:t>
-            </a:r>
-            <a:r>
-              <a:rPr lang="en-US" altLang="zh-CN" dirty="0"/>
-              <a:t>usually want a pushing effect dictated by game play. So it might actually be better to apply artificial forces to objects in the </a:t>
-            </a:r>
+              <a:t>PxShape</a:t>
+            </a:r>
+            <a:r>
+              <a:rPr lang="en-US" altLang="zh-CN" dirty="0"/>
+              <a:t> it is standing on (e.g. in </a:t>
+            </a:r>
+            <a:r>
+              <a:rPr lang="en-US" altLang="zh-CN" dirty="0" err="1"/>
+              <a:t>SampleBridges</a:t>
+            </a:r>
+            <a:r>
+              <a:rPr lang="en-US" altLang="zh-CN" dirty="0"/>
+              <a:t>). But it should not be the case if the character stands on, say a </a:t>
+            </a:r>
+            <a:r>
+              <a:rPr lang="en-US" altLang="zh-CN" dirty="0" err="1"/>
+              <a:t>PxShape</a:t>
+            </a:r>
+            <a:r>
+              <a:rPr lang="en-US" altLang="zh-CN" dirty="0"/>
+              <a:t> bottle rolling on the ground (e.g. the snowballs in </a:t>
+            </a:r>
+            <a:r>
+              <a:rPr lang="en-US" altLang="zh-CN" dirty="0" err="1"/>
+              <a:t>SampleNorthPole</a:t>
+            </a:r>
+            <a:r>
+              <a:rPr lang="en-US" altLang="zh-CN" dirty="0"/>
+              <a:t>). Note that this flag only controls the horizontal displacement communicated from an object to the controller. The vertical motion is something slightly different, as many factors contribute to this displacement: the "step offset" used to automatically walk over small bumps, the vertical motion of underlying dynamic actors like e.g. the bridges in </a:t>
+            </a:r>
+            <a:r>
+              <a:rPr lang="en-US" altLang="zh-CN" dirty="0" err="1"/>
+              <a:t>SampleBridges</a:t>
+            </a:r>
+            <a:r>
+              <a:rPr lang="en-US" altLang="zh-CN" dirty="0"/>
+              <a:t>, that should probably always been taken into account, etc.</a:t>
+            </a:r>
+          </a:p>
+          <a:p>
             <a:r>
               <a:rPr lang="en-US" altLang="zh-CN" i="1" dirty="0" err="1"/>
-              <a:t>onShapeHit</a:t>
-            </a:r>
-            <a:r>
-              <a:rPr lang="en-US" altLang="zh-CN" dirty="0"/>
-              <a:t> </a:t>
-            </a:r>
-            <a:r>
-              <a:rPr lang="en-US" altLang="zh-CN" dirty="0" smtClean="0"/>
-              <a:t>callback</a:t>
-            </a:r>
+              <a:t>PxControllerBehaviorFlag</a:t>
+            </a:r>
+            <a:r>
+              <a:rPr lang="en-US" altLang="zh-CN" i="1" dirty="0"/>
+              <a:t>::</a:t>
+            </a:r>
+            <a:r>
+              <a:rPr lang="en-US" altLang="zh-CN" i="1" dirty="0" err="1"/>
+              <a:t>eCCT_SLIDE</a:t>
+            </a:r>
+            <a:r>
+              <a:rPr lang="en-US" altLang="zh-CN" dirty="0"/>
+              <a:t> defines if the character should slide or not when standing on the object. This can be used as an alternative to the previously discussed slope limit feature, to define non walk-able objects rather than non-walkable parts. It can also be used to make a capsule character fall off a platform's edge automatically, when the center of the capsule crosses the platform's edge.</a:t>
+            </a:r>
+          </a:p>
+          <a:p>
+            <a:r>
+              <a:rPr lang="en-US" altLang="zh-CN" i="1" dirty="0" err="1"/>
+              <a:t>PxControllerBehaviorFlag</a:t>
+            </a:r>
+            <a:r>
+              <a:rPr lang="en-US" altLang="zh-CN" i="1" dirty="0"/>
+              <a:t>::</a:t>
+            </a:r>
+            <a:r>
+              <a:rPr lang="en-US" altLang="zh-CN" i="1" dirty="0" err="1"/>
+              <a:t>eCCT_USER_DEFINED_RIDE</a:t>
+            </a:r>
+            <a:r>
+              <a:rPr lang="en-US" altLang="zh-CN" dirty="0"/>
+              <a:t> simply disables all built-in code related to controllers riding on objects. This can be useful to get the legacy behavior back, which can sometimes be necessary when porting to PhysX 3.x a piece of code built around the PhysX 2.x character controller. The flag simply skips the new </a:t>
+            </a:r>
+            <a:r>
+              <a:rPr lang="en-US" altLang="zh-CN" dirty="0" err="1"/>
+              <a:t>codepath</a:t>
+            </a:r>
+            <a:r>
+              <a:rPr lang="en-US" altLang="zh-CN" dirty="0"/>
+              <a:t>, and lets users deal with this particular problem in their own application, outside of the CCT library.</a:t>
+            </a:r>
+          </a:p>
+          <a:p>
             <a:endParaRPr lang="zh-CN" altLang="en-US" dirty="0"/>
           </a:p>
         </p:txBody>
@@ -6787,7 +7967,7 @@
     </p:spTree>
     <p:extLst>
       <p:ext uri="{BB962C8B-B14F-4D97-AF65-F5344CB8AC3E}">
-        <p14:creationId xmlns:p14="http://schemas.microsoft.com/office/powerpoint/2010/main" val="1391696668"/>
+        <p14:creationId xmlns:p14="http://schemas.microsoft.com/office/powerpoint/2010/main" val="4057711462"/>
       </p:ext>
     </p:extLst>
   </p:cSld>
@@ -6838,6 +8018,138 @@
           <a:p>
             <a:r>
               <a:rPr lang="en-US" altLang="zh-CN" dirty="0"/>
+              <a:t>Character interactions</a:t>
+            </a:r>
+            <a:endParaRPr lang="zh-CN" altLang="en-US" dirty="0"/>
+          </a:p>
+        </p:txBody>
+      </p:sp>
+      <p:sp>
+        <p:nvSpPr>
+          <p:cNvPr id="3" name="内容占位符 2"/>
+          <p:cNvSpPr>
+            <a:spLocks noGrp="1"/>
+          </p:cNvSpPr>
+          <p:nvPr>
+            <p:ph idx="1"/>
+          </p:nvPr>
+        </p:nvSpPr>
+        <p:spPr/>
+        <p:txBody>
+          <a:bodyPr>
+            <a:normAutofit fontScale="85000" lnSpcReduction="10000"/>
+          </a:bodyPr>
+          <a:lstStyle/>
+          <a:p>
+            <a:r>
+              <a:rPr lang="en-US" altLang="zh-CN" dirty="0"/>
+              <a:t>It is tempting to let the physics engine push objects by applying forces at contact </a:t>
+            </a:r>
+            <a:r>
+              <a:rPr lang="en-US" altLang="zh-CN" dirty="0" smtClean="0"/>
+              <a:t>points</a:t>
+            </a:r>
+          </a:p>
+          <a:p>
+            <a:pPr lvl="1"/>
+            <a:r>
+              <a:rPr lang="en-US" altLang="zh-CN" dirty="0" smtClean="0"/>
+              <a:t>However </a:t>
+            </a:r>
+            <a:r>
+              <a:rPr lang="en-US" altLang="zh-CN" dirty="0"/>
+              <a:t>it is often not good for game play. The bounding volume around characters are artificial (boxes, spheres, </a:t>
+            </a:r>
+            <a:r>
+              <a:rPr lang="en-US" altLang="zh-CN" dirty="0" err="1"/>
+              <a:t>etc</a:t>
+            </a:r>
+            <a:r>
+              <a:rPr lang="en-US" altLang="zh-CN" dirty="0"/>
+              <a:t>) and you do not want the pushing effect to change when you switch from a box controller to a capsule controller. </a:t>
+            </a:r>
+            <a:endParaRPr lang="en-US" altLang="zh-CN" dirty="0" smtClean="0"/>
+          </a:p>
+          <a:p>
+            <a:pPr lvl="1"/>
+            <a:r>
+              <a:rPr lang="en-US" altLang="zh-CN" dirty="0" smtClean="0"/>
+              <a:t>You </a:t>
+            </a:r>
+            <a:r>
+              <a:rPr lang="en-US" altLang="zh-CN" dirty="0"/>
+              <a:t>usually want a pushing effect dictated by game play. So it might actually be better to apply artificial forces to objects in the </a:t>
+            </a:r>
+            <a:r>
+              <a:rPr lang="en-US" altLang="zh-CN" i="1" dirty="0" err="1"/>
+              <a:t>onShapeHit</a:t>
+            </a:r>
+            <a:r>
+              <a:rPr lang="en-US" altLang="zh-CN" dirty="0"/>
+              <a:t> </a:t>
+            </a:r>
+            <a:r>
+              <a:rPr lang="en-US" altLang="zh-CN" dirty="0" smtClean="0"/>
+              <a:t>callback</a:t>
+            </a:r>
+            <a:endParaRPr lang="zh-CN" altLang="en-US" dirty="0"/>
+          </a:p>
+        </p:txBody>
+      </p:sp>
+    </p:spTree>
+    <p:extLst>
+      <p:ext uri="{BB962C8B-B14F-4D97-AF65-F5344CB8AC3E}">
+        <p14:creationId xmlns:p14="http://schemas.microsoft.com/office/powerpoint/2010/main" val="1391696668"/>
+      </p:ext>
+    </p:extLst>
+  </p:cSld>
+  <p:clrMapOvr>
+    <a:masterClrMapping/>
+  </p:clrMapOvr>
+  <p:timing>
+    <p:tnLst>
+      <p:par>
+        <p:cTn id="1" dur="indefinite" restart="never" nodeType="tmRoot"/>
+      </p:par>
+    </p:tnLst>
+  </p:timing>
+</p:sld>
+</file>
+
+<file path=ppt/slides/slide25.xml><?xml version="1.0" encoding="utf-8"?>
+<p:sld xmlns:a="http://schemas.openxmlformats.org/drawingml/2006/main" xmlns:r="http://schemas.openxmlformats.org/officeDocument/2006/relationships" xmlns:p="http://schemas.openxmlformats.org/presentationml/2006/main">
+  <p:cSld>
+    <p:spTree>
+      <p:nvGrpSpPr>
+        <p:cNvPr id="1" name=""/>
+        <p:cNvGrpSpPr/>
+        <p:nvPr/>
+      </p:nvGrpSpPr>
+      <p:grpSpPr>
+        <a:xfrm>
+          <a:off x="0" y="0"/>
+          <a:ext cx="0" cy="0"/>
+          <a:chOff x="0" y="0"/>
+          <a:chExt cx="0" cy="0"/>
+        </a:xfrm>
+      </p:grpSpPr>
+      <p:sp>
+        <p:nvSpPr>
+          <p:cNvPr id="2" name="标题 1"/>
+          <p:cNvSpPr>
+            <a:spLocks noGrp="1"/>
+          </p:cNvSpPr>
+          <p:nvPr>
+            <p:ph type="title"/>
+          </p:nvPr>
+        </p:nvSpPr>
+        <p:spPr/>
+        <p:txBody>
+          <a:bodyPr/>
+          <a:lstStyle/>
+          <a:p>
+            <a:r>
+              <a:rPr lang="en-US" altLang="zh-CN" dirty="0"/>
               <a:t>Hidden kinematic Actors</a:t>
             </a:r>
             <a:endParaRPr lang="zh-CN" altLang="en-US" dirty="0"/>
@@ -6857,7 +8169,7 @@
         <p:spPr/>
         <p:txBody>
           <a:bodyPr>
-            <a:normAutofit fontScale="92500" lnSpcReduction="20000"/>
+            <a:normAutofit fontScale="77500" lnSpcReduction="20000"/>
           </a:bodyPr>
           <a:lstStyle/>
           <a:p>
@@ -6924,8 +8236,8 @@
         </p:blipFill>
         <p:spPr bwMode="auto">
           <a:xfrm>
-            <a:off x="2123728" y="5877272"/>
-            <a:ext cx="4359275" cy="190500"/>
+            <a:off x="2123729" y="4407954"/>
+            <a:ext cx="4359275" cy="142875"/>
           </a:xfrm>
           <a:prstGeom prst="rect">
             <a:avLst/>
@@ -6985,7 +8297,7 @@
 </p:sld>
 </file>
 
-<file path=ppt/slides/slide25.xml><?xml version="1.0" encoding="utf-8"?>
+<file path=ppt/slides/slide26.xml><?xml version="1.0" encoding="utf-8"?>
 <p:sld xmlns:a="http://schemas.openxmlformats.org/drawingml/2006/main" xmlns:r="http://schemas.openxmlformats.org/officeDocument/2006/relationships" xmlns:p="http://schemas.openxmlformats.org/presentationml/2006/main">
   <p:cSld>
     <p:spTree>
@@ -7038,7 +8350,7 @@
         <p:spPr/>
         <p:txBody>
           <a:bodyPr>
-            <a:normAutofit fontScale="92500" lnSpcReduction="20000"/>
+            <a:normAutofit fontScale="85000" lnSpcReduction="20000"/>
           </a:bodyPr>
           <a:lstStyle/>
           <a:p>
@@ -7096,7 +8408,7 @@
 </p:sld>
 </file>
 
-<file path=ppt/slides/slide26.xml><?xml version="1.0" encoding="utf-8"?>
+<file path=ppt/slides/slide27.xml><?xml version="1.0" encoding="utf-8"?>
 <p:sld xmlns:a="http://schemas.openxmlformats.org/drawingml/2006/main" xmlns:r="http://schemas.openxmlformats.org/officeDocument/2006/relationships" xmlns:p="http://schemas.openxmlformats.org/presentationml/2006/main">
   <p:cSld>
     <p:spTree>
@@ -7148,7 +8460,9 @@
         </p:nvSpPr>
         <p:spPr/>
         <p:txBody>
-          <a:bodyPr/>
+          <a:bodyPr>
+            <a:normAutofit lnSpcReduction="10000"/>
+          </a:bodyPr>
           <a:lstStyle/>
           <a:p>
             <a:r>
@@ -7184,8 +8498,8 @@
         </p:blipFill>
         <p:spPr bwMode="auto">
           <a:xfrm>
-            <a:off x="2838450" y="5661248"/>
-            <a:ext cx="3467100" cy="206375"/>
+            <a:off x="2838450" y="4587974"/>
+            <a:ext cx="3467100" cy="154781"/>
           </a:xfrm>
           <a:prstGeom prst="rect">
             <a:avLst/>
@@ -7245,7 +8559,129 @@
 </p:sld>
 </file>
 
-<file path=ppt/slides/slide27.xml><?xml version="1.0" encoding="utf-8"?>
+<file path=ppt/slides/slide28.xml><?xml version="1.0" encoding="utf-8"?>
+<p:sld xmlns:a="http://schemas.openxmlformats.org/drawingml/2006/main" xmlns:r="http://schemas.openxmlformats.org/officeDocument/2006/relationships" xmlns:p="http://schemas.openxmlformats.org/presentationml/2006/main">
+  <p:cSld>
+    <p:spTree>
+      <p:nvGrpSpPr>
+        <p:cNvPr id="1" name=""/>
+        <p:cNvGrpSpPr/>
+        <p:nvPr/>
+      </p:nvGrpSpPr>
+      <p:grpSpPr>
+        <a:xfrm>
+          <a:off x="0" y="0"/>
+          <a:ext cx="0" cy="0"/>
+          <a:chOff x="0" y="0"/>
+          <a:chExt cx="0" cy="0"/>
+        </a:xfrm>
+      </p:grpSpPr>
+      <p:sp>
+        <p:nvSpPr>
+          <p:cNvPr id="2" name="标题 1"/>
+          <p:cNvSpPr>
+            <a:spLocks noGrp="1"/>
+          </p:cNvSpPr>
+          <p:nvPr>
+            <p:ph type="title"/>
+          </p:nvPr>
+        </p:nvSpPr>
+        <p:spPr/>
+        <p:txBody>
+          <a:bodyPr/>
+          <a:lstStyle/>
+          <a:p>
+            <a:endParaRPr lang="zh-CN" altLang="en-US"/>
+          </a:p>
+        </p:txBody>
+      </p:sp>
+      <p:sp>
+        <p:nvSpPr>
+          <p:cNvPr id="3" name="内容占位符 2"/>
+          <p:cNvSpPr>
+            <a:spLocks noGrp="1"/>
+          </p:cNvSpPr>
+          <p:nvPr>
+            <p:ph idx="1"/>
+          </p:nvPr>
+        </p:nvSpPr>
+        <p:spPr/>
+        <p:txBody>
+          <a:bodyPr/>
+          <a:lstStyle/>
+          <a:p>
+            <a:endParaRPr lang="zh-CN" altLang="en-US"/>
+          </a:p>
+        </p:txBody>
+      </p:sp>
+      <p:pic>
+        <p:nvPicPr>
+          <p:cNvPr id="2050" name="Picture 2"/>
+          <p:cNvPicPr>
+            <a:picLocks noChangeAspect="1" noChangeArrowheads="1"/>
+          </p:cNvPicPr>
+          <p:nvPr/>
+        </p:nvPicPr>
+        <p:blipFill>
+          <a:blip r:embed="rId2">
+            <a:extLst>
+              <a:ext uri="{28A0092B-C50C-407E-A947-70E740481C1C}">
+                <a14:useLocalDpi xmlns:a14="http://schemas.microsoft.com/office/drawing/2010/main" val="0"/>
+              </a:ext>
+            </a:extLst>
+          </a:blip>
+          <a:srcRect/>
+          <a:stretch>
+            <a:fillRect/>
+          </a:stretch>
+        </p:blipFill>
+        <p:spPr bwMode="auto">
+          <a:xfrm>
+            <a:off x="1763713" y="715963"/>
+            <a:ext cx="5614987" cy="3709987"/>
+          </a:xfrm>
+          <a:prstGeom prst="rect">
+            <a:avLst/>
+          </a:prstGeom>
+          <a:noFill/>
+          <a:ln>
+            <a:noFill/>
+          </a:ln>
+          <a:extLst>
+            <a:ext uri="{909E8E84-426E-40DD-AFC4-6F175D3DCCD1}">
+              <a14:hiddenFill xmlns:a14="http://schemas.microsoft.com/office/drawing/2010/main">
+                <a:solidFill>
+                  <a:schemeClr val="accent1"/>
+                </a:solidFill>
+              </a14:hiddenFill>
+            </a:ext>
+            <a:ext uri="{91240B29-F687-4F45-9708-019B960494DF}">
+              <a14:hiddenLine xmlns:a14="http://schemas.microsoft.com/office/drawing/2010/main" w="9525">
+                <a:solidFill>
+                  <a:schemeClr val="tx1"/>
+                </a:solidFill>
+                <a:miter lim="800000"/>
+                <a:headEnd/>
+                <a:tailEnd/>
+              </a14:hiddenLine>
+            </a:ext>
+          </a:extLst>
+        </p:spPr>
+      </p:pic>
+    </p:spTree>
+    <p:extLst>
+      <p:ext uri="{BB962C8B-B14F-4D97-AF65-F5344CB8AC3E}">
+        <p14:creationId xmlns:p14="http://schemas.microsoft.com/office/powerpoint/2010/main" val="3512263464"/>
+      </p:ext>
+    </p:extLst>
+  </p:cSld>
+  <p:clrMapOvr>
+    <a:masterClrMapping/>
+  </p:clrMapOvr>
+</p:sld>
+</file>
+
+<file path=ppt/slides/slide29.xml><?xml version="1.0" encoding="utf-8"?>
 <p:sld xmlns:a="http://schemas.openxmlformats.org/drawingml/2006/main" xmlns:r="http://schemas.openxmlformats.org/officeDocument/2006/relationships" xmlns:p="http://schemas.openxmlformats.org/presentationml/2006/main">
   <p:cSld>
     <p:spTree>
@@ -7339,8 +8775,8 @@
         </p:blipFill>
         <p:spPr bwMode="auto">
           <a:xfrm>
-            <a:off x="323528" y="4365104"/>
-            <a:ext cx="7719258" cy="288032"/>
+            <a:off x="323528" y="3273828"/>
+            <a:ext cx="7719258" cy="216024"/>
           </a:xfrm>
           <a:prstGeom prst="rect">
             <a:avLst/>
@@ -7390,7 +8826,227 @@
 </p:sld>
 </file>
 
-<file path=ppt/slides/slide28.xml><?xml version="1.0" encoding="utf-8"?>
+<file path=ppt/slides/slide3.xml><?xml version="1.0" encoding="utf-8"?>
+<p:sld xmlns:a="http://schemas.openxmlformats.org/drawingml/2006/main" xmlns:r="http://schemas.openxmlformats.org/officeDocument/2006/relationships" xmlns:p="http://schemas.openxmlformats.org/presentationml/2006/main">
+  <p:cSld>
+    <p:spTree>
+      <p:nvGrpSpPr>
+        <p:cNvPr id="1" name=""/>
+        <p:cNvGrpSpPr/>
+        <p:nvPr/>
+      </p:nvGrpSpPr>
+      <p:grpSpPr>
+        <a:xfrm>
+          <a:off x="0" y="0"/>
+          <a:ext cx="0" cy="0"/>
+          <a:chOff x="0" y="0"/>
+          <a:chExt cx="0" cy="0"/>
+        </a:xfrm>
+      </p:grpSpPr>
+      <p:sp>
+        <p:nvSpPr>
+          <p:cNvPr id="2" name="标题 1"/>
+          <p:cNvSpPr>
+            <a:spLocks noGrp="1"/>
+          </p:cNvSpPr>
+          <p:nvPr>
+            <p:ph type="title"/>
+          </p:nvPr>
+        </p:nvSpPr>
+        <p:spPr/>
+        <p:txBody>
+          <a:bodyPr/>
+          <a:lstStyle/>
+          <a:p>
+            <a:r>
+              <a:rPr lang="en-US" altLang="zh-CN" dirty="0"/>
+              <a:t>Kinematic Character Controller</a:t>
+            </a:r>
+            <a:endParaRPr lang="zh-CN" altLang="en-US" dirty="0"/>
+          </a:p>
+        </p:txBody>
+      </p:sp>
+      <p:sp>
+        <p:nvSpPr>
+          <p:cNvPr id="3" name="内容占位符 2"/>
+          <p:cNvSpPr>
+            <a:spLocks noGrp="1"/>
+          </p:cNvSpPr>
+          <p:nvPr>
+            <p:ph idx="1"/>
+          </p:nvPr>
+        </p:nvSpPr>
+        <p:spPr>
+          <a:xfrm>
+            <a:off x="457200" y="1200150"/>
+            <a:ext cx="8229600" cy="3819871"/>
+          </a:xfrm>
+        </p:spPr>
+        <p:txBody>
+          <a:bodyPr>
+            <a:normAutofit fontScale="62500" lnSpcReduction="20000"/>
+          </a:bodyPr>
+          <a:lstStyle/>
+          <a:p>
+            <a:r>
+              <a:rPr lang="en-US" altLang="zh-CN" dirty="0"/>
+              <a:t>In the past games did not use 'real' physics </a:t>
+            </a:r>
+            <a:r>
+              <a:rPr lang="en-US" altLang="zh-CN" dirty="0" smtClean="0"/>
+              <a:t>engines</a:t>
+            </a:r>
+          </a:p>
+          <a:p>
+            <a:pPr lvl="1"/>
+            <a:r>
+              <a:rPr lang="en-US" altLang="zh-CN" dirty="0" smtClean="0"/>
+              <a:t>such </a:t>
+            </a:r>
+            <a:r>
+              <a:rPr lang="en-US" altLang="zh-CN" dirty="0"/>
+              <a:t>as Quake or even Doom, had a </a:t>
+            </a:r>
+            <a:r>
+              <a:rPr lang="en-US" altLang="zh-CN" dirty="0" smtClean="0"/>
+              <a:t>dedicated customized </a:t>
+            </a:r>
+            <a:r>
+              <a:rPr lang="en-US" altLang="zh-CN" dirty="0"/>
+              <a:t>piece of code to implement collision detection and </a:t>
+            </a:r>
+            <a:r>
+              <a:rPr lang="en-US" altLang="zh-CN" dirty="0" smtClean="0"/>
+              <a:t>response</a:t>
+            </a:r>
+          </a:p>
+          <a:p>
+            <a:pPr lvl="1"/>
+            <a:r>
+              <a:rPr lang="en-US" altLang="zh-CN" dirty="0" smtClean="0"/>
+              <a:t>which </a:t>
+            </a:r>
+            <a:r>
+              <a:rPr lang="en-US" altLang="zh-CN" dirty="0"/>
+              <a:t>was often the only piece of physics in the whole </a:t>
+            </a:r>
+            <a:r>
+              <a:rPr lang="en-US" altLang="zh-CN" dirty="0" smtClean="0"/>
+              <a:t>game</a:t>
+            </a:r>
+          </a:p>
+          <a:p>
+            <a:r>
+              <a:rPr lang="en-US" altLang="zh-CN" dirty="0" smtClean="0"/>
+              <a:t>It </a:t>
+            </a:r>
+            <a:r>
+              <a:rPr lang="en-US" altLang="zh-CN" dirty="0"/>
+              <a:t>actually had little physics, but a lot of carefully tweaked values to provide a good feeling while controlling the </a:t>
+            </a:r>
+            <a:r>
+              <a:rPr lang="en-US" altLang="zh-CN" dirty="0" smtClean="0"/>
+              <a:t>player</a:t>
+            </a:r>
+          </a:p>
+          <a:p>
+            <a:pPr lvl="1"/>
+            <a:r>
+              <a:rPr lang="en-US" altLang="zh-CN" dirty="0" smtClean="0"/>
+              <a:t>The </a:t>
+            </a:r>
+            <a:r>
+              <a:rPr lang="en-US" altLang="zh-CN" dirty="0"/>
+              <a:t>particular behavior it implemented is often called the 'collide and slide' </a:t>
+            </a:r>
+            <a:r>
+              <a:rPr lang="en-US" altLang="zh-CN" dirty="0" smtClean="0"/>
+              <a:t>algorithm</a:t>
+            </a:r>
+          </a:p>
+          <a:p>
+            <a:r>
+              <a:rPr lang="en-US" altLang="zh-CN" dirty="0" smtClean="0"/>
+              <a:t>The </a:t>
+            </a:r>
+            <a:r>
+              <a:rPr lang="en-US" altLang="zh-CN" dirty="0"/>
+              <a:t>result is that players expect to find the same well-known behavior in new </a:t>
+            </a:r>
+            <a:r>
+              <a:rPr lang="en-US" altLang="zh-CN" dirty="0" smtClean="0"/>
+              <a:t>games</a:t>
+            </a:r>
+          </a:p>
+          <a:p>
+            <a:pPr lvl="1"/>
+            <a:r>
+              <a:rPr lang="en-US" altLang="zh-CN" dirty="0" smtClean="0"/>
+              <a:t>and </a:t>
+            </a:r>
+            <a:r>
+              <a:rPr lang="en-US" altLang="zh-CN" dirty="0"/>
+              <a:t>providing them with anything else is often </a:t>
+            </a:r>
+            <a:r>
+              <a:rPr lang="en-US" altLang="zh-CN" dirty="0" smtClean="0"/>
+              <a:t>dangerous</a:t>
+            </a:r>
+          </a:p>
+          <a:p>
+            <a:pPr lvl="2"/>
+            <a:r>
+              <a:rPr lang="en-US" altLang="zh-CN" dirty="0" smtClean="0"/>
+              <a:t>if </a:t>
+            </a:r>
+            <a:r>
+              <a:rPr lang="en-US" altLang="zh-CN" dirty="0"/>
+              <a:t>provided behavior is not as robust and stable as </a:t>
+            </a:r>
+            <a:r>
+              <a:rPr lang="en-US" altLang="zh-CN" dirty="0" smtClean="0"/>
+              <a:t>before</a:t>
+            </a:r>
+          </a:p>
+          <a:p>
+            <a:pPr lvl="1"/>
+            <a:r>
+              <a:rPr lang="en-US" altLang="zh-CN" dirty="0" smtClean="0"/>
+              <a:t>this </a:t>
+            </a:r>
+            <a:r>
+              <a:rPr lang="en-US" altLang="zh-CN" dirty="0"/>
+              <a:t>is exactly what happens if you use a typical physics engine </a:t>
+            </a:r>
+            <a:r>
+              <a:rPr lang="en-US" altLang="zh-CN" dirty="0" smtClean="0"/>
+              <a:t>directly</a:t>
+            </a:r>
+            <a:endParaRPr lang="zh-CN" altLang="en-US" dirty="0"/>
+          </a:p>
+        </p:txBody>
+      </p:sp>
+    </p:spTree>
+    <p:extLst>
+      <p:ext uri="{BB962C8B-B14F-4D97-AF65-F5344CB8AC3E}">
+        <p14:creationId xmlns:p14="http://schemas.microsoft.com/office/powerpoint/2010/main" val="2352670516"/>
+      </p:ext>
+    </p:extLst>
+  </p:cSld>
+  <p:clrMapOvr>
+    <a:masterClrMapping/>
+  </p:clrMapOvr>
+  <p:timing>
+    <p:tnLst>
+      <p:par>
+        <p:cTn id="1" dur="indefinite" restart="never" nodeType="tmRoot"/>
+      </p:par>
+    </p:tnLst>
+  </p:timing>
+</p:sld>
+</file>
+
+<file path=ppt/slides/slide30.xml><?xml version="1.0" encoding="utf-8"?>
 <p:sld xmlns:a="http://schemas.openxmlformats.org/drawingml/2006/main" xmlns:r="http://schemas.openxmlformats.org/officeDocument/2006/relationships" xmlns:p="http://schemas.openxmlformats.org/presentationml/2006/main">
   <p:cSld>
     <p:spTree>
@@ -7484,8 +9140,8 @@
         </p:blipFill>
         <p:spPr bwMode="auto">
           <a:xfrm>
-            <a:off x="15307" y="4151183"/>
-            <a:ext cx="9128694" cy="609636"/>
+            <a:off x="107504" y="3651870"/>
+            <a:ext cx="9128694" cy="457227"/>
           </a:xfrm>
           <a:prstGeom prst="rect">
             <a:avLst/>
@@ -7535,7 +9191,7 @@
 </p:sld>
 </file>
 
-<file path=ppt/slides/slide29.xml><?xml version="1.0" encoding="utf-8"?>
+<file path=ppt/slides/slide31.xml><?xml version="1.0" encoding="utf-8"?>
 <p:sld xmlns:a="http://schemas.openxmlformats.org/drawingml/2006/main" xmlns:r="http://schemas.openxmlformats.org/officeDocument/2006/relationships" xmlns:p="http://schemas.openxmlformats.org/presentationml/2006/main">
   <p:cSld>
     <p:spTree>
@@ -7583,7 +9239,9 @@
         </p:nvSpPr>
         <p:spPr/>
         <p:txBody>
-          <a:bodyPr/>
+          <a:bodyPr>
+            <a:normAutofit fontScale="92500" lnSpcReduction="20000"/>
+          </a:bodyPr>
           <a:lstStyle/>
           <a:p>
             <a:r>
@@ -7625,8 +9283,8 @@
         </p:blipFill>
         <p:spPr bwMode="auto">
           <a:xfrm>
-            <a:off x="323528" y="5802852"/>
-            <a:ext cx="8555471" cy="288032"/>
+            <a:off x="323529" y="4352139"/>
+            <a:ext cx="8555471" cy="216024"/>
           </a:xfrm>
           <a:prstGeom prst="rect">
             <a:avLst/>
@@ -7676,7 +9334,7 @@
 </p:sld>
 </file>
 
-<file path=ppt/slides/slide3.xml><?xml version="1.0" encoding="utf-8"?>
+<file path=ppt/slides/slide32.xml><?xml version="1.0" encoding="utf-8"?>
 <p:sld xmlns:a="http://schemas.openxmlformats.org/drawingml/2006/main" xmlns:r="http://schemas.openxmlformats.org/officeDocument/2006/relationships" xmlns:p="http://schemas.openxmlformats.org/presentationml/2006/main">
   <p:cSld>
     <p:spTree>
@@ -7708,11 +9366,7 @@
           <a:bodyPr/>
           <a:lstStyle/>
           <a:p>
-            <a:r>
-              <a:rPr lang="en-US" altLang="zh-CN" dirty="0"/>
-              <a:t>Kinematic Character Controller</a:t>
-            </a:r>
-            <a:endParaRPr lang="zh-CN" altLang="en-US" dirty="0"/>
+            <a:endParaRPr lang="zh-CN" altLang="en-US"/>
           </a:p>
         </p:txBody>
       </p:sp>
@@ -7729,217 +9383,8 @@
         <p:spPr/>
         <p:txBody>
           <a:bodyPr>
-            <a:normAutofit fontScale="70000" lnSpcReduction="20000"/>
+            <a:normAutofit fontScale="92500" lnSpcReduction="20000"/>
           </a:bodyPr>
-          <a:lstStyle/>
-          <a:p>
-            <a:r>
-              <a:rPr lang="en-US" altLang="zh-CN" dirty="0"/>
-              <a:t>In the past games did not use 'real' physics </a:t>
-            </a:r>
-            <a:r>
-              <a:rPr lang="en-US" altLang="zh-CN" dirty="0" smtClean="0"/>
-              <a:t>engines</a:t>
-            </a:r>
-          </a:p>
-          <a:p>
-            <a:pPr lvl="1"/>
-            <a:r>
-              <a:rPr lang="en-US" altLang="zh-CN" dirty="0" smtClean="0"/>
-              <a:t>such </a:t>
-            </a:r>
-            <a:r>
-              <a:rPr lang="en-US" altLang="zh-CN" dirty="0"/>
-              <a:t>as Quake or even Doom, had a </a:t>
-            </a:r>
-            <a:r>
-              <a:rPr lang="en-US" altLang="zh-CN" dirty="0" smtClean="0"/>
-              <a:t>dedicated customized </a:t>
-            </a:r>
-            <a:r>
-              <a:rPr lang="en-US" altLang="zh-CN" dirty="0"/>
-              <a:t>piece of code to implement collision detection and </a:t>
-            </a:r>
-            <a:r>
-              <a:rPr lang="en-US" altLang="zh-CN" dirty="0" smtClean="0"/>
-              <a:t>response</a:t>
-            </a:r>
-          </a:p>
-          <a:p>
-            <a:pPr lvl="1"/>
-            <a:r>
-              <a:rPr lang="en-US" altLang="zh-CN" dirty="0" smtClean="0"/>
-              <a:t>which </a:t>
-            </a:r>
-            <a:r>
-              <a:rPr lang="en-US" altLang="zh-CN" dirty="0"/>
-              <a:t>was often the only piece of physics in the whole </a:t>
-            </a:r>
-            <a:r>
-              <a:rPr lang="en-US" altLang="zh-CN" dirty="0" smtClean="0"/>
-              <a:t>game</a:t>
-            </a:r>
-          </a:p>
-          <a:p>
-            <a:r>
-              <a:rPr lang="en-US" altLang="zh-CN" dirty="0" smtClean="0"/>
-              <a:t>It </a:t>
-            </a:r>
-            <a:r>
-              <a:rPr lang="en-US" altLang="zh-CN" dirty="0"/>
-              <a:t>actually had little physics, but a lot of carefully tweaked values to provide a good feeling while controlling the </a:t>
-            </a:r>
-            <a:r>
-              <a:rPr lang="en-US" altLang="zh-CN" dirty="0" smtClean="0"/>
-              <a:t>player</a:t>
-            </a:r>
-          </a:p>
-          <a:p>
-            <a:pPr lvl="1"/>
-            <a:r>
-              <a:rPr lang="en-US" altLang="zh-CN" dirty="0" smtClean="0"/>
-              <a:t>The </a:t>
-            </a:r>
-            <a:r>
-              <a:rPr lang="en-US" altLang="zh-CN" dirty="0"/>
-              <a:t>particular behavior it implemented is often called the 'collide and slide' </a:t>
-            </a:r>
-            <a:r>
-              <a:rPr lang="en-US" altLang="zh-CN" dirty="0" smtClean="0"/>
-              <a:t>algorithm</a:t>
-            </a:r>
-          </a:p>
-          <a:p>
-            <a:r>
-              <a:rPr lang="en-US" altLang="zh-CN" dirty="0" smtClean="0"/>
-              <a:t>The </a:t>
-            </a:r>
-            <a:r>
-              <a:rPr lang="en-US" altLang="zh-CN" dirty="0"/>
-              <a:t>result is that players expect to find the same well-known behavior in new </a:t>
-            </a:r>
-            <a:r>
-              <a:rPr lang="en-US" altLang="zh-CN" dirty="0" smtClean="0"/>
-              <a:t>games</a:t>
-            </a:r>
-          </a:p>
-          <a:p>
-            <a:pPr lvl="1"/>
-            <a:r>
-              <a:rPr lang="en-US" altLang="zh-CN" dirty="0" smtClean="0"/>
-              <a:t>and </a:t>
-            </a:r>
-            <a:r>
-              <a:rPr lang="en-US" altLang="zh-CN" dirty="0"/>
-              <a:t>providing them with anything else is often </a:t>
-            </a:r>
-            <a:r>
-              <a:rPr lang="en-US" altLang="zh-CN" dirty="0" smtClean="0"/>
-              <a:t>dangerous</a:t>
-            </a:r>
-          </a:p>
-          <a:p>
-            <a:pPr lvl="2"/>
-            <a:r>
-              <a:rPr lang="en-US" altLang="zh-CN" dirty="0" smtClean="0"/>
-              <a:t>if </a:t>
-            </a:r>
-            <a:r>
-              <a:rPr lang="en-US" altLang="zh-CN" dirty="0"/>
-              <a:t>provided behavior is not as robust and stable as </a:t>
-            </a:r>
-            <a:r>
-              <a:rPr lang="en-US" altLang="zh-CN" dirty="0" smtClean="0"/>
-              <a:t>before</a:t>
-            </a:r>
-          </a:p>
-          <a:p>
-            <a:pPr lvl="1"/>
-            <a:r>
-              <a:rPr lang="en-US" altLang="zh-CN" dirty="0" smtClean="0"/>
-              <a:t>this </a:t>
-            </a:r>
-            <a:r>
-              <a:rPr lang="en-US" altLang="zh-CN" dirty="0"/>
-              <a:t>is exactly what happens if you use a typical physics engine </a:t>
-            </a:r>
-            <a:r>
-              <a:rPr lang="en-US" altLang="zh-CN" dirty="0" smtClean="0"/>
-              <a:t>directly</a:t>
-            </a:r>
-            <a:endParaRPr lang="zh-CN" altLang="en-US" dirty="0"/>
-          </a:p>
-        </p:txBody>
-      </p:sp>
-    </p:spTree>
-    <p:extLst>
-      <p:ext uri="{BB962C8B-B14F-4D97-AF65-F5344CB8AC3E}">
-        <p14:creationId xmlns:p14="http://schemas.microsoft.com/office/powerpoint/2010/main" val="2352670516"/>
-      </p:ext>
-    </p:extLst>
-  </p:cSld>
-  <p:clrMapOvr>
-    <a:masterClrMapping/>
-  </p:clrMapOvr>
-  <p:timing>
-    <p:tnLst>
-      <p:par>
-        <p:cTn id="1" dur="indefinite" restart="never" nodeType="tmRoot"/>
-      </p:par>
-    </p:tnLst>
-  </p:timing>
-</p:sld>
-</file>
-
-<file path=ppt/slides/slide30.xml><?xml version="1.0" encoding="utf-8"?>
-<p:sld xmlns:a="http://schemas.openxmlformats.org/drawingml/2006/main" xmlns:r="http://schemas.openxmlformats.org/officeDocument/2006/relationships" xmlns:p="http://schemas.openxmlformats.org/presentationml/2006/main">
-  <p:cSld>
-    <p:spTree>
-      <p:nvGrpSpPr>
-        <p:cNvPr id="1" name=""/>
-        <p:cNvGrpSpPr/>
-        <p:nvPr/>
-      </p:nvGrpSpPr>
-      <p:grpSpPr>
-        <a:xfrm>
-          <a:off x="0" y="0"/>
-          <a:ext cx="0" cy="0"/>
-          <a:chOff x="0" y="0"/>
-          <a:chExt cx="0" cy="0"/>
-        </a:xfrm>
-      </p:grpSpPr>
-      <p:sp>
-        <p:nvSpPr>
-          <p:cNvPr id="2" name="标题 1"/>
-          <p:cNvSpPr>
-            <a:spLocks noGrp="1"/>
-          </p:cNvSpPr>
-          <p:nvPr>
-            <p:ph type="title"/>
-          </p:nvPr>
-        </p:nvSpPr>
-        <p:spPr/>
-        <p:txBody>
-          <a:bodyPr/>
-          <a:lstStyle/>
-          <a:p>
-            <a:endParaRPr lang="zh-CN" altLang="en-US"/>
-          </a:p>
-        </p:txBody>
-      </p:sp>
-      <p:sp>
-        <p:nvSpPr>
-          <p:cNvPr id="3" name="内容占位符 2"/>
-          <p:cNvSpPr>
-            <a:spLocks noGrp="1"/>
-          </p:cNvSpPr>
-          <p:nvPr>
-            <p:ph idx="1"/>
-          </p:nvPr>
-        </p:nvSpPr>
-        <p:spPr/>
-        <p:txBody>
-          <a:bodyPr/>
           <a:lstStyle/>
           <a:p>
             <a:r>
@@ -8000,8 +9445,8 @@
         </p:blipFill>
         <p:spPr bwMode="auto">
           <a:xfrm>
-            <a:off x="323528" y="5805264"/>
-            <a:ext cx="8608558" cy="432048"/>
+            <a:off x="323528" y="4353948"/>
+            <a:ext cx="8608558" cy="324036"/>
           </a:xfrm>
           <a:prstGeom prst="rect">
             <a:avLst/>
@@ -8107,10 +9552,15 @@
             <p:ph idx="1"/>
           </p:nvPr>
         </p:nvSpPr>
-        <p:spPr/>
+        <p:spPr>
+          <a:xfrm>
+            <a:off x="457200" y="1200150"/>
+            <a:ext cx="8229600" cy="3891879"/>
+          </a:xfrm>
+        </p:spPr>
         <p:txBody>
           <a:bodyPr>
-            <a:normAutofit fontScale="77500" lnSpcReduction="20000"/>
+            <a:normAutofit fontScale="62500" lnSpcReduction="20000"/>
           </a:bodyPr>
           <a:lstStyle/>
           <a:p>
@@ -8305,7 +9755,7 @@
         <p:spPr/>
         <p:txBody>
           <a:bodyPr>
-            <a:normAutofit fontScale="85000" lnSpcReduction="20000"/>
+            <a:normAutofit fontScale="70000" lnSpcReduction="20000"/>
           </a:bodyPr>
           <a:lstStyle/>
           <a:p>
@@ -8490,7 +9940,7 @@
         <p:spPr/>
         <p:txBody>
           <a:bodyPr>
-            <a:normAutofit/>
+            <a:normAutofit fontScale="85000" lnSpcReduction="10000"/>
           </a:bodyPr>
           <a:lstStyle/>
           <a:p>
@@ -8699,8 +10149,8 @@
         </p:blipFill>
         <p:spPr bwMode="auto">
           <a:xfrm>
-            <a:off x="1259632" y="1700808"/>
-            <a:ext cx="6395211" cy="432048"/>
+            <a:off x="1115616" y="1491630"/>
+            <a:ext cx="6395211" cy="324036"/>
           </a:xfrm>
           <a:prstGeom prst="rect">
             <a:avLst/>
@@ -8753,8 +10203,8 @@
         </p:blipFill>
         <p:spPr bwMode="auto">
           <a:xfrm>
-            <a:off x="753571" y="4538836"/>
-            <a:ext cx="7194157" cy="948680"/>
+            <a:off x="755576" y="4011910"/>
+            <a:ext cx="7194157" cy="711510"/>
           </a:xfrm>
           <a:prstGeom prst="rect">
             <a:avLst/>
@@ -8857,7 +10307,7 @@
         <p:spPr/>
         <p:txBody>
           <a:bodyPr>
-            <a:normAutofit fontScale="92500" lnSpcReduction="20000"/>
+            <a:normAutofit fontScale="77500" lnSpcReduction="20000"/>
           </a:bodyPr>
           <a:lstStyle/>
           <a:p>
@@ -9000,13 +10450,13 @@
         </p:nvSpPr>
         <p:spPr>
           <a:xfrm>
-            <a:off x="457200" y="1600200"/>
-            <a:ext cx="8229600" cy="5257800"/>
+            <a:off x="457200" y="1200150"/>
+            <a:ext cx="8229600" cy="3943350"/>
           </a:xfrm>
         </p:spPr>
         <p:txBody>
           <a:bodyPr>
-            <a:normAutofit fontScale="62500" lnSpcReduction="20000"/>
+            <a:normAutofit fontScale="55000" lnSpcReduction="20000"/>
           </a:bodyPr>
           <a:lstStyle/>
           <a:p>
@@ -9198,9 +10648,9 @@
 </file>
 
 <file path=ppt/theme/theme1.xml><?xml version="1.0" encoding="utf-8"?>
-<a:theme xmlns:a="http://schemas.openxmlformats.org/drawingml/2006/main" name="Office 主题">
+<a:theme xmlns:a="http://schemas.openxmlformats.org/drawingml/2006/main" name="凤舞九天">
   <a:themeElements>
-    <a:clrScheme name="Office">
+    <a:clrScheme name="凤舞九天">
       <a:dk1>
         <a:sysClr val="windowText" lastClr="000000"/>
       </a:dk1>
@@ -9208,43 +10658,78 @@
         <a:sysClr val="window" lastClr="FFFFFF"/>
       </a:lt1>
       <a:dk2>
-        <a:srgbClr val="1F497D"/>
+        <a:srgbClr val="004646"/>
       </a:dk2>
       <a:lt2>
-        <a:srgbClr val="EEECE1"/>
+        <a:srgbClr val="E1F0FF"/>
       </a:lt2>
       <a:accent1>
-        <a:srgbClr val="4F81BD"/>
+        <a:srgbClr val="50742F"/>
       </a:accent1>
       <a:accent2>
-        <a:srgbClr val="C0504D"/>
+        <a:srgbClr val="268868"/>
       </a:accent2>
       <a:accent3>
-        <a:srgbClr val="9BBB59"/>
+        <a:srgbClr val="33BD56"/>
       </a:accent3>
       <a:accent4>
-        <a:srgbClr val="8064A2"/>
+        <a:srgbClr val="4BC5B9"/>
       </a:accent4>
       <a:accent5>
-        <a:srgbClr val="4BACC6"/>
+        <a:srgbClr val="3163CA"/>
       </a:accent5>
       <a:accent6>
-        <a:srgbClr val="F79646"/>
+        <a:srgbClr val="4B14AA"/>
       </a:accent6>
       <a:hlink>
-        <a:srgbClr val="0000FF"/>
+        <a:srgbClr val="D9BE02"/>
       </a:hlink>
       <a:folHlink>
-        <a:srgbClr val="800080"/>
+        <a:srgbClr val="F900F9"/>
       </a:folHlink>
     </a:clrScheme>
-    <a:fontScheme name="Office">
+    <a:fontScheme name="凤舞九天">
       <a:majorFont>
-        <a:latin typeface="Calibri"/>
+        <a:latin typeface="Footlight MT Light"/>
         <a:ea typeface=""/>
         <a:cs typeface=""/>
         <a:font script="Jpan" typeface="ＭＳ Ｐゴシック"/>
         <a:font script="Hang" typeface="맑은 고딕"/>
+        <a:font script="Hans" typeface="华文新魏"/>
+        <a:font script="Hant" typeface="微軟正黑體"/>
+        <a:font script="Arab" typeface="Arial"/>
+        <a:font script="Hebr" typeface="Arial"/>
+        <a:font script="Thai" typeface="Cordia New"/>
+        <a:font script="Ethi" typeface="Nyala"/>
+        <a:font script="Beng" typeface="Vrinda"/>
+        <a:font script="Gujr" typeface="Shruti"/>
+        <a:font script="Khmr" typeface="DaunPenh"/>
+        <a:font script="Knda" typeface="Tunga"/>
+        <a:font script="Guru" typeface="Raavi"/>
+        <a:font script="Cans" typeface="Euphemia"/>
+        <a:font script="Cher" typeface="Plantagenet Cherokee"/>
+        <a:font script="Yiii" typeface="Microsoft Yi Baiti"/>
+        <a:font script="Tibt" typeface="Microsoft Himalaya"/>
+        <a:font script="Thaa" typeface="MV Boli"/>
+        <a:font script="Deva" typeface="Mangal"/>
+        <a:font script="Telu" typeface="Gautami"/>
+        <a:font script="Taml" typeface="Latha"/>
+        <a:font script="Syrc" typeface="Estrangelo Edessa"/>
+        <a:font script="Orya" typeface="Kalinga"/>
+        <a:font script="Mlym" typeface="Kartika"/>
+        <a:font script="Laoo" typeface="DokChampa"/>
+        <a:font script="Sinh" typeface="Iskoola Pota"/>
+        <a:font script="Mong" typeface="Mongolian Baiti"/>
+        <a:font script="Viet" typeface="Arial"/>
+        <a:font script="Uigh" typeface="Microsoft Uighur"/>
+        <a:font script="Geor" typeface="Sylfaen"/>
+      </a:majorFont>
+      <a:minorFont>
+        <a:latin typeface="Goudy Old Style"/>
+        <a:ea typeface=""/>
+        <a:cs typeface=""/>
+        <a:font script="Jpan" typeface="ＭＳ Ｐ明朝"/>
+        <a:font script="Hang" typeface="HY견명조"/>
         <a:font script="Hans" typeface="宋体"/>
         <a:font script="Hant" typeface="新細明體"/>
         <a:font script="Arab" typeface="Times New Roman"/>
@@ -9272,101 +10757,70 @@
         <a:font script="Mong" typeface="Mongolian Baiti"/>
         <a:font script="Viet" typeface="Times New Roman"/>
         <a:font script="Uigh" typeface="Microsoft Uighur"/>
-      </a:majorFont>
-      <a:minorFont>
-        <a:latin typeface="Calibri"/>
-        <a:ea typeface=""/>
-        <a:cs typeface=""/>
-        <a:font script="Jpan" typeface="ＭＳ Ｐゴシック"/>
-        <a:font script="Hang" typeface="맑은 고딕"/>
-        <a:font script="Hans" typeface="宋体"/>
-        <a:font script="Hant" typeface="新細明體"/>
-        <a:font script="Arab" typeface="Arial"/>
-        <a:font script="Hebr" typeface="Arial"/>
-        <a:font script="Thai" typeface="Cordia New"/>
-        <a:font script="Ethi" typeface="Nyala"/>
-        <a:font script="Beng" typeface="Vrinda"/>
-        <a:font script="Gujr" typeface="Shruti"/>
-        <a:font script="Khmr" typeface="DaunPenh"/>
-        <a:font script="Knda" typeface="Tunga"/>
-        <a:font script="Guru" typeface="Raavi"/>
-        <a:font script="Cans" typeface="Euphemia"/>
-        <a:font script="Cher" typeface="Plantagenet Cherokee"/>
-        <a:font script="Yiii" typeface="Microsoft Yi Baiti"/>
-        <a:font script="Tibt" typeface="Microsoft Himalaya"/>
-        <a:font script="Thaa" typeface="MV Boli"/>
-        <a:font script="Deva" typeface="Mangal"/>
-        <a:font script="Telu" typeface="Gautami"/>
-        <a:font script="Taml" typeface="Latha"/>
-        <a:font script="Syrc" typeface="Estrangelo Edessa"/>
-        <a:font script="Orya" typeface="Kalinga"/>
-        <a:font script="Mlym" typeface="Kartika"/>
-        <a:font script="Laoo" typeface="DokChampa"/>
-        <a:font script="Sinh" typeface="Iskoola Pota"/>
-        <a:font script="Mong" typeface="Mongolian Baiti"/>
-        <a:font script="Viet" typeface="Arial"/>
-        <a:font script="Uigh" typeface="Microsoft Uighur"/>
+        <a:font script="Geor" typeface="Sylfaen"/>
       </a:minorFont>
     </a:fontScheme>
-    <a:fmtScheme name="Office">
+    <a:fmtScheme name="凤舞九天">
       <a:fillStyleLst>
         <a:solidFill>
-          <a:schemeClr val="phClr"/>
+          <a:schemeClr val="phClr">
+            <a:tint val="100000"/>
+            <a:shade val="100000"/>
+            <a:hueMod val="100000"/>
+            <a:satMod val="100000"/>
+          </a:schemeClr>
         </a:solidFill>
         <a:gradFill rotWithShape="1">
           <a:gsLst>
             <a:gs pos="0">
               <a:schemeClr val="phClr">
-                <a:tint val="50000"/>
-                <a:satMod val="300000"/>
+                <a:tint val="65000"/>
+                <a:satMod val="180000"/>
               </a:schemeClr>
             </a:gs>
-            <a:gs pos="35000">
+            <a:gs pos="50000">
               <a:schemeClr val="phClr">
-                <a:tint val="37000"/>
-                <a:satMod val="300000"/>
+                <a:tint val="40000"/>
+                <a:satMod val="175000"/>
               </a:schemeClr>
             </a:gs>
             <a:gs pos="100000">
               <a:schemeClr val="phClr">
-                <a:tint val="15000"/>
-                <a:satMod val="350000"/>
+                <a:tint val="65000"/>
+                <a:satMod val="180000"/>
               </a:schemeClr>
             </a:gs>
           </a:gsLst>
-          <a:lin ang="16200000" scaled="1"/>
+          <a:lin ang="0" scaled="1"/>
         </a:gradFill>
         <a:gradFill rotWithShape="1">
           <a:gsLst>
             <a:gs pos="0">
               <a:schemeClr val="phClr">
-                <a:shade val="51000"/>
-                <a:satMod val="130000"/>
+                <a:shade val="38000"/>
+                <a:satMod val="150000"/>
               </a:schemeClr>
             </a:gs>
-            <a:gs pos="80000">
+            <a:gs pos="50000">
               <a:schemeClr val="phClr">
-                <a:shade val="93000"/>
-                <a:satMod val="130000"/>
+                <a:shade val="100000"/>
+                <a:satMod val="100000"/>
               </a:schemeClr>
             </a:gs>
             <a:gs pos="100000">
               <a:schemeClr val="phClr">
-                <a:shade val="94000"/>
-                <a:satMod val="135000"/>
+                <a:shade val="38000"/>
+                <a:satMod val="150000"/>
               </a:schemeClr>
             </a:gs>
           </a:gsLst>
-          <a:lin ang="16200000" scaled="0"/>
+          <a:lin ang="0" scaled="1"/>
         </a:gradFill>
       </a:fillStyleLst>
       <a:lnStyleLst>
-        <a:ln w="9525" cap="flat" cmpd="sng" algn="ctr">
+        <a:ln w="12700" cap="flat" cmpd="sng" algn="ctr">
           <a:solidFill>
-            <a:schemeClr val="phClr">
-              <a:shade val="95000"/>
-              <a:satMod val="105000"/>
-            </a:schemeClr>
+            <a:schemeClr val="phClr"/>
           </a:solidFill>
           <a:prstDash val="solid"/>
         </a:ln>
@@ -9376,7 +10830,7 @@
           </a:solidFill>
           <a:prstDash val="solid"/>
         </a:ln>
-        <a:ln w="38100" cap="flat" cmpd="sng" algn="ctr">
+        <a:ln w="38100" cap="flat" cmpd="dbl" algn="ctr">
           <a:solidFill>
             <a:schemeClr val="phClr"/>
           </a:solidFill>
@@ -9386,92 +10840,96 @@
       <a:effectStyleLst>
         <a:effectStyle>
           <a:effectLst>
-            <a:outerShdw blurRad="40000" dist="20000" dir="5400000" rotWithShape="0">
+            <a:outerShdw blurRad="190500" dist="78600" dir="2700000" rotWithShape="0">
               <a:srgbClr val="000000">
-                <a:alpha val="38000"/>
+                <a:alpha val="35500"/>
               </a:srgbClr>
             </a:outerShdw>
           </a:effectLst>
         </a:effectStyle>
         <a:effectStyle>
           <a:effectLst>
-            <a:outerShdw blurRad="40000" dist="23000" dir="5400000" rotWithShape="0">
+            <a:outerShdw blurRad="190500" dist="78600" dir="2700000" rotWithShape="0">
               <a:srgbClr val="000000">
-                <a:alpha val="35000"/>
+                <a:alpha val="35500"/>
               </a:srgbClr>
             </a:outerShdw>
           </a:effectLst>
         </a:effectStyle>
         <a:effectStyle>
           <a:effectLst>
-            <a:outerShdw blurRad="40000" dist="23000" dir="5400000" rotWithShape="0">
+            <a:outerShdw blurRad="190500" dist="78600" dir="2700000" rotWithShape="0">
               <a:srgbClr val="000000">
-                <a:alpha val="35000"/>
+                <a:alpha val="35500"/>
               </a:srgbClr>
             </a:outerShdw>
           </a:effectLst>
           <a:scene3d>
-            <a:camera prst="orthographicFront">
+            <a:camera prst="orthographicFront" fov="0">
               <a:rot lat="0" lon="0" rev="0"/>
             </a:camera>
-            <a:lightRig rig="threePt" dir="t">
-              <a:rot lat="0" lon="0" rev="1200000"/>
+            <a:lightRig rig="soft" dir="tl">
+              <a:rot lat="0" lon="0" rev="20100000"/>
             </a:lightRig>
           </a:scene3d>
           <a:sp3d>
-            <a:bevelT w="63500" h="25400"/>
+            <a:bevelT w="50800" h="50800"/>
           </a:sp3d>
         </a:effectStyle>
       </a:effectStyleLst>
       <a:bgFillStyleLst>
         <a:solidFill>
-          <a:schemeClr val="phClr"/>
+          <a:schemeClr val="phClr">
+            <a:tint val="100000"/>
+            <a:shade val="100000"/>
+            <a:hueMod val="100000"/>
+            <a:satMod val="100000"/>
+          </a:schemeClr>
         </a:solidFill>
         <a:gradFill rotWithShape="1">
           <a:gsLst>
             <a:gs pos="0">
               <a:schemeClr val="phClr">
-                <a:tint val="40000"/>
-                <a:satMod val="350000"/>
+                <a:tint val="80000"/>
+                <a:satMod val="400000"/>
               </a:schemeClr>
             </a:gs>
-            <a:gs pos="40000">
+            <a:gs pos="25000">
               <a:schemeClr val="phClr">
-                <a:tint val="45000"/>
-                <a:shade val="99000"/>
-                <a:satMod val="350000"/>
-              </a:schemeClr>
-            </a:gs>
-            <a:gs pos="100000">
-              <a:schemeClr val="phClr">
-                <a:shade val="20000"/>
-                <a:satMod val="255000"/>
-              </a:schemeClr>
-            </a:gs>
-          </a:gsLst>
-          <a:path path="circle">
-            <a:fillToRect l="50000" t="-80000" r="50000" b="180000"/>
-          </a:path>
-        </a:gradFill>
-        <a:gradFill rotWithShape="1">
-          <a:gsLst>
-            <a:gs pos="0">
-              <a:schemeClr val="phClr">
-                <a:tint val="80000"/>
+                <a:tint val="83000"/>
                 <a:satMod val="300000"/>
               </a:schemeClr>
             </a:gs>
             <a:gs pos="100000">
               <a:schemeClr val="phClr">
-                <a:shade val="30000"/>
-                <a:satMod val="200000"/>
+                <a:shade val="15000"/>
+                <a:satMod val="300000"/>
               </a:schemeClr>
             </a:gs>
           </a:gsLst>
           <a:path path="circle">
-            <a:fillToRect l="50000" t="50000" r="50000" b="50000"/>
+            <a:fillToRect l="10000" t="180000" r="10000" b="50000"/>
           </a:path>
         </a:gradFill>
+        <a:blipFill>
+          <a:blip xmlns:r="http://schemas.openxmlformats.org/officeDocument/2006/relationships" r:embed="rId1">
+            <a:duotone>
+              <a:schemeClr val="phClr">
+                <a:tint val="100000"/>
+                <a:shade val="70000"/>
+                <a:hueMod val="100000"/>
+                <a:satMod val="100000"/>
+              </a:schemeClr>
+              <a:schemeClr val="phClr">
+                <a:tint val="90000"/>
+                <a:shade val="100000"/>
+                <a:hueMod val="100000"/>
+                <a:satMod val="100000"/>
+              </a:schemeClr>
+            </a:duotone>
+          </a:blip>
+          <a:tile tx="0" ty="0" sx="50000" sy="50000" flip="x" algn="tl"/>
+        </a:blipFill>
       </a:bgFillStyleLst>
     </a:fmtScheme>
   </a:themeElements>

--- a/Slides/10 CharacterController/CharacterController.pptx
+++ b/Slides/10 CharacterController/CharacterController.pptx
@@ -6316,11 +6316,7 @@
             </a:r>
             <a:r>
               <a:rPr lang="en-US" altLang="zh-CN" dirty="0" smtClean="0"/>
-              <a:t>slopes</a:t>
-            </a:r>
-            <a:r>
-              <a:rPr lang="en-US" altLang="zh-CN" dirty="0" smtClean="0"/>
-              <a:t>.</a:t>
+              <a:t>slopes.</a:t>
             </a:r>
             <a:endParaRPr lang="en-US" altLang="zh-CN" dirty="0"/>
           </a:p>
@@ -7395,7 +7391,7 @@
         </p:blipFill>
         <p:spPr bwMode="auto">
           <a:xfrm>
-            <a:off x="1795463" y="1052513"/>
+            <a:off x="1795463" y="1059582"/>
             <a:ext cx="5553075" cy="3038475"/>
           </a:xfrm>
           <a:prstGeom prst="rect">
